--- a/docs/deployment_guide/images/amc-architecture-diagrams.pptx
+++ b/docs/deployment_guide/images/amc-architecture-diagrams.pptx
@@ -5,20 +5,13 @@
     <p:sldMasterId id="2147483648" r:id="rId1"/>
   </p:sldMasterIdLst>
   <p:notesMasterIdLst>
-    <p:notesMasterId r:id="rId13"/>
+    <p:notesMasterId r:id="rId6"/>
   </p:notesMasterIdLst>
   <p:sldIdLst>
-    <p:sldId id="444" r:id="rId2"/>
-    <p:sldId id="448" r:id="rId3"/>
-    <p:sldId id="451" r:id="rId4"/>
-    <p:sldId id="452" r:id="rId5"/>
-    <p:sldId id="455" r:id="rId6"/>
-    <p:sldId id="453" r:id="rId7"/>
-    <p:sldId id="454" r:id="rId8"/>
-    <p:sldId id="456" r:id="rId9"/>
-    <p:sldId id="446" r:id="rId10"/>
-    <p:sldId id="445" r:id="rId11"/>
-    <p:sldId id="257" r:id="rId12"/>
+    <p:sldId id="460" r:id="rId2"/>
+    <p:sldId id="444" r:id="rId3"/>
+    <p:sldId id="448" r:id="rId4"/>
+    <p:sldId id="451" r:id="rId5"/>
   </p:sldIdLst>
   <p:sldSz cx="12192000" cy="6858000"/>
   <p:notesSz cx="6858000" cy="9144000"/>
@@ -122,29 +115,11 @@
       <p14:sectionLst xmlns:p14="http://schemas.microsoft.com/office/powerpoint/2010/main">
         <p14:section name="Final Version" id="{D1837075-66FD-AC46-A1C9-3AC18E93D6EF}">
           <p14:sldIdLst>
+            <p14:sldId id="460"/>
             <p14:sldId id="444"/>
             <p14:sldId id="448"/>
             <p14:sldId id="451"/>
           </p14:sldIdLst>
-        </p14:section>
-        <p14:section name="Previous- TODO" id="{434D567F-44E3-1D4C-A3F2-1F4CB887058F}">
-          <p14:sldIdLst>
-            <p14:sldId id="452"/>
-            <p14:sldId id="455"/>
-            <p14:sldId id="453"/>
-            <p14:sldId id="454"/>
-            <p14:sldId id="456"/>
-          </p14:sldIdLst>
-        </p14:section>
-        <p14:section name="Previous-DONE" id="{91D33A3C-4F37-EF4A-8333-712CD5D52739}">
-          <p14:sldIdLst>
-            <p14:sldId id="446"/>
-            <p14:sldId id="445"/>
-            <p14:sldId id="257"/>
-          </p14:sldIdLst>
-        </p14:section>
-        <p14:section name="Services" id="{705BB363-4218-334A-B121-E399DA50BA34}">
-          <p14:sldIdLst/>
         </p14:section>
       </p14:sectionLst>
     </p:ext>
@@ -237,7 +212,7 @@
           <a:p>
             <a:fld id="{DEC0E4F8-FC9B-C74A-97AB-66A417AA65A9}" type="datetimeFigureOut">
               <a:rPr lang="en-US" smtClean="0"/>
-              <a:t>3/10/22</a:t>
+              <a:t>4/4/22</a:t>
             </a:fld>
             <a:endParaRPr lang="en-US"/>
           </a:p>
@@ -578,7 +553,7 @@
     </p:spTree>
     <p:extLst>
       <p:ext uri="{BB962C8B-B14F-4D97-AF65-F5344CB8AC3E}">
-        <p14:creationId xmlns:p14="http://schemas.microsoft.com/office/powerpoint/2010/main" val="1880040046"/>
+        <p14:creationId xmlns:p14="http://schemas.microsoft.com/office/powerpoint/2010/main" val="1862952873"/>
       </p:ext>
     </p:extLst>
   </p:cSld>
@@ -632,6 +607,90 @@
           <a:bodyPr/>
           <a:lstStyle/>
           <a:p>
+            <a:endParaRPr lang="en-US" dirty="0"/>
+          </a:p>
+        </p:txBody>
+      </p:sp>
+      <p:sp>
+        <p:nvSpPr>
+          <p:cNvPr id="4" name="Slide Number Placeholder 3"/>
+          <p:cNvSpPr>
+            <a:spLocks noGrp="1"/>
+          </p:cNvSpPr>
+          <p:nvPr>
+            <p:ph type="sldNum" sz="quarter" idx="5"/>
+          </p:nvPr>
+        </p:nvSpPr>
+        <p:spPr/>
+        <p:txBody>
+          <a:bodyPr/>
+          <a:lstStyle/>
+          <a:p>
+            <a:fld id="{1F678731-E891-2D48-A634-298296BDB2A4}" type="slidenum">
+              <a:rPr lang="en-US" smtClean="0"/>
+              <a:t>2</a:t>
+            </a:fld>
+            <a:endParaRPr lang="en-US"/>
+          </a:p>
+        </p:txBody>
+      </p:sp>
+    </p:spTree>
+    <p:extLst>
+      <p:ext uri="{BB962C8B-B14F-4D97-AF65-F5344CB8AC3E}">
+        <p14:creationId xmlns:p14="http://schemas.microsoft.com/office/powerpoint/2010/main" val="1880040046"/>
+      </p:ext>
+    </p:extLst>
+  </p:cSld>
+  <p:clrMapOvr>
+    <a:masterClrMapping/>
+  </p:clrMapOvr>
+</p:notes>
+</file>
+
+<file path=ppt/notesSlides/notesSlide3.xml><?xml version="1.0" encoding="utf-8"?>
+<p:notes xmlns:a="http://schemas.openxmlformats.org/drawingml/2006/main" xmlns:r="http://schemas.openxmlformats.org/officeDocument/2006/relationships" xmlns:p="http://schemas.openxmlformats.org/presentationml/2006/main">
+  <p:cSld>
+    <p:spTree>
+      <p:nvGrpSpPr>
+        <p:cNvPr id="1" name=""/>
+        <p:cNvGrpSpPr/>
+        <p:nvPr/>
+      </p:nvGrpSpPr>
+      <p:grpSpPr>
+        <a:xfrm>
+          <a:off x="0" y="0"/>
+          <a:ext cx="0" cy="0"/>
+          <a:chOff x="0" y="0"/>
+          <a:chExt cx="0" cy="0"/>
+        </a:xfrm>
+      </p:grpSpPr>
+      <p:sp>
+        <p:nvSpPr>
+          <p:cNvPr id="2" name="Slide Image Placeholder 1"/>
+          <p:cNvSpPr>
+            <a:spLocks noGrp="1" noRot="1" noChangeAspect="1"/>
+          </p:cNvSpPr>
+          <p:nvPr>
+            <p:ph type="sldImg"/>
+          </p:nvPr>
+        </p:nvSpPr>
+        <p:spPr/>
+      </p:sp>
+      <p:sp>
+        <p:nvSpPr>
+          <p:cNvPr id="3" name="Notes Placeholder 2"/>
+          <p:cNvSpPr>
+            <a:spLocks noGrp="1"/>
+          </p:cNvSpPr>
+          <p:nvPr>
+            <p:ph type="body" idx="1"/>
+          </p:nvPr>
+        </p:nvSpPr>
+        <p:spPr/>
+        <p:txBody>
+          <a:bodyPr/>
+          <a:lstStyle/>
+          <a:p>
             <a:pPr marL="0" marR="0" lvl="0" indent="0" algn="l" defTabSz="914400" rtl="0" eaLnBrk="1" fontAlgn="auto" latinLnBrk="0" hangingPunct="1">
               <a:lnSpc>
                 <a:spcPct val="100000"/>
@@ -682,7 +741,7 @@
           <a:p>
             <a:fld id="{1F678731-E891-2D48-A634-298296BDB2A4}" type="slidenum">
               <a:rPr lang="en-US" smtClean="0"/>
-              <a:t>2</a:t>
+              <a:t>3</a:t>
             </a:fld>
             <a:endParaRPr lang="en-US"/>
           </a:p>
@@ -701,7 +760,7 @@
 </p:notes>
 </file>
 
-<file path=ppt/notesSlides/notesSlide3.xml><?xml version="1.0" encoding="utf-8"?>
+<file path=ppt/notesSlides/notesSlide4.xml><?xml version="1.0" encoding="utf-8"?>
 <p:notes xmlns:a="http://schemas.openxmlformats.org/drawingml/2006/main" xmlns:r="http://schemas.openxmlformats.org/officeDocument/2006/relationships" xmlns:p="http://schemas.openxmlformats.org/presentationml/2006/main">
   <p:cSld>
     <p:spTree>
@@ -772,7 +831,7 @@
           <a:p>
             <a:fld id="{1F678731-E891-2D48-A634-298296BDB2A4}" type="slidenum">
               <a:rPr lang="en-US" smtClean="0"/>
-              <a:t>3</a:t>
+              <a:t>4</a:t>
             </a:fld>
             <a:endParaRPr lang="en-US"/>
           </a:p>
@@ -782,139 +841,6 @@
     <p:extLst>
       <p:ext uri="{BB962C8B-B14F-4D97-AF65-F5344CB8AC3E}">
         <p14:creationId xmlns:p14="http://schemas.microsoft.com/office/powerpoint/2010/main" val="1034525492"/>
-      </p:ext>
-    </p:extLst>
-  </p:cSld>
-  <p:clrMapOvr>
-    <a:masterClrMapping/>
-  </p:clrMapOvr>
-</p:notes>
-</file>
-
-<file path=ppt/notesSlides/notesSlide4.xml><?xml version="1.0" encoding="utf-8"?>
-<p:notes xmlns:a="http://schemas.openxmlformats.org/drawingml/2006/main" xmlns:r="http://schemas.openxmlformats.org/officeDocument/2006/relationships" xmlns:p="http://schemas.openxmlformats.org/presentationml/2006/main">
-  <p:cSld>
-    <p:spTree>
-      <p:nvGrpSpPr>
-        <p:cNvPr id="1" name=""/>
-        <p:cNvGrpSpPr/>
-        <p:nvPr/>
-      </p:nvGrpSpPr>
-      <p:grpSpPr>
-        <a:xfrm>
-          <a:off x="0" y="0"/>
-          <a:ext cx="0" cy="0"/>
-          <a:chOff x="0" y="0"/>
-          <a:chExt cx="0" cy="0"/>
-        </a:xfrm>
-      </p:grpSpPr>
-      <p:sp>
-        <p:nvSpPr>
-          <p:cNvPr id="2" name="Slide Image Placeholder 1"/>
-          <p:cNvSpPr>
-            <a:spLocks noGrp="1" noRot="1" noChangeAspect="1"/>
-          </p:cNvSpPr>
-          <p:nvPr>
-            <p:ph type="sldImg"/>
-          </p:nvPr>
-        </p:nvSpPr>
-        <p:spPr/>
-      </p:sp>
-      <p:sp>
-        <p:nvSpPr>
-          <p:cNvPr id="3" name="Notes Placeholder 2"/>
-          <p:cNvSpPr>
-            <a:spLocks noGrp="1"/>
-          </p:cNvSpPr>
-          <p:nvPr>
-            <p:ph type="body" idx="1"/>
-          </p:nvPr>
-        </p:nvSpPr>
-        <p:spPr/>
-        <p:txBody>
-          <a:bodyPr/>
-          <a:lstStyle/>
-          <a:p>
-            <a:r>
-              <a:rPr lang="en-US" dirty="0"/>
-              <a:t>Pulls code from source CodeCommit Repository</a:t>
-            </a:r>
-          </a:p>
-          <a:p>
-            <a:r>
-              <a:rPr lang="en-US" dirty="0"/>
-              <a:t>Runs ‘cdk synth’ command to translate resources to CFN Template Definition</a:t>
-            </a:r>
-          </a:p>
-          <a:p>
-            <a:r>
-              <a:rPr lang="en-US" dirty="0"/>
-              <a:t>Pipeline automatically updates itself if you add new CDK applications or stages in the source code</a:t>
-            </a:r>
-          </a:p>
-          <a:p>
-            <a:r>
-              <a:rPr lang="en-US" dirty="0"/>
-              <a:t>Publishes file Assets</a:t>
-            </a:r>
-          </a:p>
-          <a:p>
-            <a:r>
-              <a:rPr lang="en-US" dirty="0"/>
-              <a:t>Prepares and Deploys AMC Quickstart Resources</a:t>
-            </a:r>
-          </a:p>
-          <a:p>
-            <a:r>
-              <a:rPr lang="en-US" dirty="0"/>
-              <a:t>Foundations (Base, Glue, Layers, Foundation Stacks)</a:t>
-            </a:r>
-            <a:br>
-              <a:rPr lang="en-US" dirty="0"/>
-            </a:br>
-            <a:r>
-              <a:rPr lang="en-US" dirty="0"/>
-              <a:t>Data Lake (Pipelines and Dataset Stacks)</a:t>
-            </a:r>
-          </a:p>
-          <a:p>
-            <a:r>
-              <a:rPr lang="en-US" dirty="0"/>
-              <a:t>Microservices (TFS, WFM, PMN Stacks)</a:t>
-            </a:r>
-          </a:p>
-          <a:p>
-            <a:endParaRPr lang="en-US" dirty="0"/>
-          </a:p>
-        </p:txBody>
-      </p:sp>
-      <p:sp>
-        <p:nvSpPr>
-          <p:cNvPr id="4" name="Slide Number Placeholder 3"/>
-          <p:cNvSpPr>
-            <a:spLocks noGrp="1"/>
-          </p:cNvSpPr>
-          <p:nvPr>
-            <p:ph type="sldNum" sz="quarter" idx="5"/>
-          </p:nvPr>
-        </p:nvSpPr>
-        <p:spPr/>
-        <p:txBody>
-          <a:bodyPr/>
-          <a:lstStyle/>
-          <a:p>
-            <a:fld id="{1F678731-E891-2D48-A634-298296BDB2A4}" type="slidenum">
-              <a:rPr lang="en-US" smtClean="0"/>
-              <a:t>9</a:t>
-            </a:fld>
-            <a:endParaRPr lang="en-US"/>
-          </a:p>
-        </p:txBody>
-      </p:sp>
-    </p:spTree>
-    <p:extLst>
-      <p:ext uri="{BB962C8B-B14F-4D97-AF65-F5344CB8AC3E}">
-        <p14:creationId xmlns:p14="http://schemas.microsoft.com/office/powerpoint/2010/main" val="4012614995"/>
       </p:ext>
     </p:extLst>
   </p:cSld>
@@ -1071,7 +997,7 @@
           <a:p>
             <a:fld id="{B60C387C-249C-E74C-AA9C-592306AF9B93}" type="datetimeFigureOut">
               <a:rPr lang="en-US" smtClean="0"/>
-              <a:t>3/10/22</a:t>
+              <a:t>4/4/22</a:t>
             </a:fld>
             <a:endParaRPr lang="en-US"/>
           </a:p>
@@ -1269,7 +1195,7 @@
           <a:p>
             <a:fld id="{B60C387C-249C-E74C-AA9C-592306AF9B93}" type="datetimeFigureOut">
               <a:rPr lang="en-US" smtClean="0"/>
-              <a:t>3/10/22</a:t>
+              <a:t>4/4/22</a:t>
             </a:fld>
             <a:endParaRPr lang="en-US"/>
           </a:p>
@@ -1477,7 +1403,7 @@
           <a:p>
             <a:fld id="{B60C387C-249C-E74C-AA9C-592306AF9B93}" type="datetimeFigureOut">
               <a:rPr lang="en-US" smtClean="0"/>
-              <a:t>3/10/22</a:t>
+              <a:t>4/4/22</a:t>
             </a:fld>
             <a:endParaRPr lang="en-US"/>
           </a:p>
@@ -1807,7 +1733,7 @@
           <a:p>
             <a:fld id="{B60C387C-249C-E74C-AA9C-592306AF9B93}" type="datetimeFigureOut">
               <a:rPr lang="en-US" smtClean="0"/>
-              <a:t>3/10/22</a:t>
+              <a:t>4/4/22</a:t>
             </a:fld>
             <a:endParaRPr lang="en-US"/>
           </a:p>
@@ -2082,7 +2008,7 @@
           <a:p>
             <a:fld id="{B60C387C-249C-E74C-AA9C-592306AF9B93}" type="datetimeFigureOut">
               <a:rPr lang="en-US" smtClean="0"/>
-              <a:t>3/10/22</a:t>
+              <a:t>4/4/22</a:t>
             </a:fld>
             <a:endParaRPr lang="en-US"/>
           </a:p>
@@ -2347,7 +2273,7 @@
           <a:p>
             <a:fld id="{B60C387C-249C-E74C-AA9C-592306AF9B93}" type="datetimeFigureOut">
               <a:rPr lang="en-US" smtClean="0"/>
-              <a:t>3/10/22</a:t>
+              <a:t>4/4/22</a:t>
             </a:fld>
             <a:endParaRPr lang="en-US"/>
           </a:p>
@@ -2759,7 +2685,7 @@
           <a:p>
             <a:fld id="{B60C387C-249C-E74C-AA9C-592306AF9B93}" type="datetimeFigureOut">
               <a:rPr lang="en-US" smtClean="0"/>
-              <a:t>3/10/22</a:t>
+              <a:t>4/4/22</a:t>
             </a:fld>
             <a:endParaRPr lang="en-US"/>
           </a:p>
@@ -2900,7 +2826,7 @@
           <a:p>
             <a:fld id="{B60C387C-249C-E74C-AA9C-592306AF9B93}" type="datetimeFigureOut">
               <a:rPr lang="en-US" smtClean="0"/>
-              <a:t>3/10/22</a:t>
+              <a:t>4/4/22</a:t>
             </a:fld>
             <a:endParaRPr lang="en-US"/>
           </a:p>
@@ -3013,7 +2939,7 @@
           <a:p>
             <a:fld id="{B60C387C-249C-E74C-AA9C-592306AF9B93}" type="datetimeFigureOut">
               <a:rPr lang="en-US" smtClean="0"/>
-              <a:t>3/10/22</a:t>
+              <a:t>4/4/22</a:t>
             </a:fld>
             <a:endParaRPr lang="en-US"/>
           </a:p>
@@ -3324,7 +3250,7 @@
           <a:p>
             <a:fld id="{B60C387C-249C-E74C-AA9C-592306AF9B93}" type="datetimeFigureOut">
               <a:rPr lang="en-US" smtClean="0"/>
-              <a:t>3/10/22</a:t>
+              <a:t>4/4/22</a:t>
             </a:fld>
             <a:endParaRPr lang="en-US"/>
           </a:p>
@@ -3612,7 +3538,7 @@
           <a:p>
             <a:fld id="{B60C387C-249C-E74C-AA9C-592306AF9B93}" type="datetimeFigureOut">
               <a:rPr lang="en-US" smtClean="0"/>
-              <a:t>3/10/22</a:t>
+              <a:t>4/4/22</a:t>
             </a:fld>
             <a:endParaRPr lang="en-US"/>
           </a:p>
@@ -3853,7 +3779,7 @@
           <a:p>
             <a:fld id="{B60C387C-249C-E74C-AA9C-592306AF9B93}" type="datetimeFigureOut">
               <a:rPr lang="en-US" smtClean="0"/>
-              <a:t>3/10/22</a:t>
+              <a:t>4/4/22</a:t>
             </a:fld>
             <a:endParaRPr lang="en-US"/>
           </a:p>
@@ -4273,6 +4199,4559 @@
       </p:grpSpPr>
       <p:sp>
         <p:nvSpPr>
+          <p:cNvPr id="2" name="Rectangle 1">
+            <a:extLst>
+              <a:ext uri="{FF2B5EF4-FFF2-40B4-BE49-F238E27FC236}">
+                <a16:creationId xmlns:a16="http://schemas.microsoft.com/office/drawing/2014/main" id="{9CD844A8-B07E-7F49-88AC-EC299BB3606A}"/>
+              </a:ext>
+            </a:extLst>
+          </p:cNvPr>
+          <p:cNvSpPr/>
+          <p:nvPr/>
+        </p:nvSpPr>
+        <p:spPr bwMode="auto">
+          <a:xfrm>
+            <a:off x="3067986" y="398417"/>
+            <a:ext cx="8554762" cy="6285405"/>
+          </a:xfrm>
+          <a:prstGeom prst="rect">
+            <a:avLst/>
+          </a:prstGeom>
+          <a:noFill/>
+          <a:ln w="12700">
+            <a:solidFill>
+              <a:schemeClr val="tx1"/>
+            </a:solidFill>
+          </a:ln>
+        </p:spPr>
+        <p:style>
+          <a:lnRef idx="2">
+            <a:schemeClr val="accent1">
+              <a:shade val="50000"/>
+            </a:schemeClr>
+          </a:lnRef>
+          <a:fillRef idx="1">
+            <a:schemeClr val="accent1"/>
+          </a:fillRef>
+          <a:effectRef idx="0">
+            <a:schemeClr val="accent1"/>
+          </a:effectRef>
+          <a:fontRef idx="minor">
+            <a:schemeClr val="lt1"/>
+          </a:fontRef>
+        </p:style>
+        <p:txBody>
+          <a:bodyPr lIns="457200" tIns="91440"/>
+          <a:lstStyle/>
+          <a:p>
+            <a:pPr eaLnBrk="1" fontAlgn="auto" hangingPunct="1">
+              <a:spcBef>
+                <a:spcPts val="0"/>
+              </a:spcBef>
+              <a:spcAft>
+                <a:spcPts val="0"/>
+              </a:spcAft>
+              <a:defRPr/>
+            </a:pPr>
+            <a:r>
+              <a:rPr lang="en-US" sz="1200" dirty="0">
+                <a:solidFill>
+                  <a:sysClr val="windowText" lastClr="000000"/>
+                </a:solidFill>
+                <a:latin typeface="Arial" panose="020B0604020202020204" pitchFamily="34" charset="0"/>
+                <a:cs typeface="Arial" panose="020B0604020202020204" pitchFamily="34" charset="0"/>
+              </a:rPr>
+              <a:t>AWS Cloud</a:t>
+            </a:r>
+          </a:p>
+        </p:txBody>
+      </p:sp>
+      <p:pic>
+        <p:nvPicPr>
+          <p:cNvPr id="3" name="Graphic 8">
+            <a:extLst>
+              <a:ext uri="{FF2B5EF4-FFF2-40B4-BE49-F238E27FC236}">
+                <a16:creationId xmlns:a16="http://schemas.microsoft.com/office/drawing/2014/main" id="{2964EC45-28F0-1D42-919B-2F909DC0D6F9}"/>
+              </a:ext>
+            </a:extLst>
+          </p:cNvPr>
+          <p:cNvPicPr>
+            <a:picLocks noChangeAspect="1" noChangeArrowheads="1"/>
+          </p:cNvPicPr>
+          <p:nvPr/>
+        </p:nvPicPr>
+        <p:blipFill>
+          <a:blip r:embed="rId3">
+            <a:extLst>
+              <a:ext uri="{28A0092B-C50C-407E-A947-70E740481C1C}">
+                <a14:useLocalDpi xmlns:a14="http://schemas.microsoft.com/office/drawing/2010/main" val="0"/>
+              </a:ext>
+            </a:extLst>
+          </a:blip>
+          <a:srcRect/>
+          <a:stretch>
+            <a:fillRect/>
+          </a:stretch>
+        </p:blipFill>
+        <p:spPr bwMode="auto">
+          <a:xfrm>
+            <a:off x="3067986" y="398418"/>
+            <a:ext cx="401024" cy="401024"/>
+          </a:xfrm>
+          <a:prstGeom prst="rect">
+            <a:avLst/>
+          </a:prstGeom>
+          <a:noFill/>
+          <a:ln>
+            <a:noFill/>
+          </a:ln>
+          <a:extLst>
+            <a:ext uri="{909E8E84-426E-40DD-AFC4-6F175D3DCCD1}">
+              <a14:hiddenFill xmlns:a14="http://schemas.microsoft.com/office/drawing/2010/main">
+                <a:solidFill>
+                  <a:srgbClr val="FFFFFF"/>
+                </a:solidFill>
+              </a14:hiddenFill>
+            </a:ext>
+            <a:ext uri="{91240B29-F687-4F45-9708-019B960494DF}">
+              <a14:hiddenLine xmlns:a14="http://schemas.microsoft.com/office/drawing/2010/main" w="9525">
+                <a:solidFill>
+                  <a:srgbClr val="000000"/>
+                </a:solidFill>
+                <a:miter lim="800000"/>
+                <a:headEnd/>
+                <a:tailEnd/>
+              </a14:hiddenLine>
+            </a:ext>
+          </a:extLst>
+        </p:spPr>
+      </p:pic>
+      <p:sp>
+        <p:nvSpPr>
+          <p:cNvPr id="10" name="Rectangle 9">
+            <a:extLst>
+              <a:ext uri="{FF2B5EF4-FFF2-40B4-BE49-F238E27FC236}">
+                <a16:creationId xmlns:a16="http://schemas.microsoft.com/office/drawing/2014/main" id="{20940C43-F569-6040-BC0F-5457A3ACE3AC}"/>
+              </a:ext>
+            </a:extLst>
+          </p:cNvPr>
+          <p:cNvSpPr/>
+          <p:nvPr/>
+        </p:nvSpPr>
+        <p:spPr>
+          <a:xfrm>
+            <a:off x="551265" y="1500819"/>
+            <a:ext cx="2093282" cy="2058507"/>
+          </a:xfrm>
+          <a:prstGeom prst="rect">
+            <a:avLst/>
+          </a:prstGeom>
+          <a:noFill/>
+          <a:ln w="12700">
+            <a:solidFill>
+              <a:srgbClr val="5A6B86"/>
+            </a:solidFill>
+            <a:prstDash val="dash"/>
+          </a:ln>
+        </p:spPr>
+        <p:style>
+          <a:lnRef idx="2">
+            <a:schemeClr val="accent1">
+              <a:shade val="50000"/>
+            </a:schemeClr>
+          </a:lnRef>
+          <a:fillRef idx="1">
+            <a:schemeClr val="accent1"/>
+          </a:fillRef>
+          <a:effectRef idx="0">
+            <a:schemeClr val="accent1"/>
+          </a:effectRef>
+          <a:fontRef idx="minor">
+            <a:schemeClr val="lt1"/>
+          </a:fontRef>
+        </p:style>
+        <p:txBody>
+          <a:bodyPr tIns="91440"/>
+          <a:lstStyle/>
+          <a:p>
+            <a:pPr algn="ctr" eaLnBrk="1" fontAlgn="auto" hangingPunct="1">
+              <a:spcBef>
+                <a:spcPts val="0"/>
+              </a:spcBef>
+              <a:spcAft>
+                <a:spcPts val="0"/>
+              </a:spcAft>
+              <a:defRPr/>
+            </a:pPr>
+            <a:r>
+              <a:rPr lang="en-US" sz="1200" dirty="0">
+                <a:solidFill>
+                  <a:srgbClr val="5A6B86"/>
+                </a:solidFill>
+                <a:latin typeface="Arial" panose="020B0604020202020204" pitchFamily="34" charset="0"/>
+                <a:cs typeface="Arial" panose="020B0604020202020204" pitchFamily="34" charset="0"/>
+              </a:rPr>
+              <a:t>Amazon Marketing Cloud Account</a:t>
+            </a:r>
+          </a:p>
+        </p:txBody>
+      </p:sp>
+      <p:pic>
+        <p:nvPicPr>
+          <p:cNvPr id="15" name="Graphic 22">
+            <a:extLst>
+              <a:ext uri="{FF2B5EF4-FFF2-40B4-BE49-F238E27FC236}">
+                <a16:creationId xmlns:a16="http://schemas.microsoft.com/office/drawing/2014/main" id="{9B9E3832-6097-C14D-866D-C757AADC31EE}"/>
+              </a:ext>
+            </a:extLst>
+          </p:cNvPr>
+          <p:cNvPicPr>
+            <a:picLocks noChangeAspect="1" noChangeArrowheads="1"/>
+          </p:cNvPicPr>
+          <p:nvPr/>
+        </p:nvPicPr>
+        <p:blipFill>
+          <a:blip r:embed="rId4">
+            <a:extLst>
+              <a:ext uri="{28A0092B-C50C-407E-A947-70E740481C1C}">
+                <a14:useLocalDpi xmlns:a14="http://schemas.microsoft.com/office/drawing/2010/main" val="0"/>
+              </a:ext>
+            </a:extLst>
+          </a:blip>
+          <a:srcRect/>
+          <a:stretch>
+            <a:fillRect/>
+          </a:stretch>
+        </p:blipFill>
+        <p:spPr bwMode="auto">
+          <a:xfrm>
+            <a:off x="3438520" y="5580671"/>
+            <a:ext cx="762000" cy="762000"/>
+          </a:xfrm>
+          <a:prstGeom prst="rect">
+            <a:avLst/>
+          </a:prstGeom>
+          <a:noFill/>
+          <a:ln>
+            <a:noFill/>
+          </a:ln>
+          <a:extLst>
+            <a:ext uri="{909E8E84-426E-40DD-AFC4-6F175D3DCCD1}">
+              <a14:hiddenFill xmlns:a14="http://schemas.microsoft.com/office/drawing/2010/main">
+                <a:solidFill>
+                  <a:srgbClr val="FFFFFF"/>
+                </a:solidFill>
+              </a14:hiddenFill>
+            </a:ext>
+            <a:ext uri="{91240B29-F687-4F45-9708-019B960494DF}">
+              <a14:hiddenLine xmlns:a14="http://schemas.microsoft.com/office/drawing/2010/main" w="9525">
+                <a:solidFill>
+                  <a:srgbClr val="000000"/>
+                </a:solidFill>
+                <a:miter lim="800000"/>
+                <a:headEnd/>
+                <a:tailEnd/>
+              </a14:hiddenLine>
+            </a:ext>
+          </a:extLst>
+        </p:spPr>
+      </p:pic>
+      <p:sp>
+        <p:nvSpPr>
+          <p:cNvPr id="16" name="TextBox 15">
+            <a:extLst>
+              <a:ext uri="{FF2B5EF4-FFF2-40B4-BE49-F238E27FC236}">
+                <a16:creationId xmlns:a16="http://schemas.microsoft.com/office/drawing/2014/main" id="{19ACE84B-95CA-CE47-8FDE-C42598B91B3D}"/>
+              </a:ext>
+            </a:extLst>
+          </p:cNvPr>
+          <p:cNvSpPr txBox="1">
+            <a:spLocks noChangeArrowheads="1"/>
+          </p:cNvSpPr>
+          <p:nvPr/>
+        </p:nvSpPr>
+        <p:spPr bwMode="auto">
+          <a:xfrm>
+            <a:off x="2724145" y="6342671"/>
+            <a:ext cx="2201863" cy="276999"/>
+          </a:xfrm>
+          <a:prstGeom prst="rect">
+            <a:avLst/>
+          </a:prstGeom>
+          <a:noFill/>
+          <a:ln>
+            <a:noFill/>
+          </a:ln>
+          <a:extLst>
+            <a:ext uri="{909E8E84-426E-40DD-AFC4-6F175D3DCCD1}">
+              <a14:hiddenFill xmlns:a14="http://schemas.microsoft.com/office/drawing/2010/main">
+                <a:solidFill>
+                  <a:srgbClr val="FFFFFF"/>
+                </a:solidFill>
+              </a14:hiddenFill>
+            </a:ext>
+            <a:ext uri="{91240B29-F687-4F45-9708-019B960494DF}">
+              <a14:hiddenLine xmlns:a14="http://schemas.microsoft.com/office/drawing/2010/main" w="9525">
+                <a:solidFill>
+                  <a:srgbClr val="000000"/>
+                </a:solidFill>
+                <a:miter lim="800000"/>
+                <a:headEnd/>
+                <a:tailEnd/>
+              </a14:hiddenLine>
+            </a:ext>
+          </a:extLst>
+        </p:spPr>
+        <p:txBody>
+          <a:bodyPr>
+            <a:spAutoFit/>
+          </a:bodyPr>
+          <a:lstStyle>
+            <a:lvl1pPr>
+              <a:defRPr>
+                <a:solidFill>
+                  <a:schemeClr val="tx1"/>
+                </a:solidFill>
+                <a:latin typeface="Calibri" panose="020F0502020204030204" pitchFamily="34" charset="0"/>
+              </a:defRPr>
+            </a:lvl1pPr>
+            <a:lvl2pPr marL="742950" indent="-285750">
+              <a:defRPr>
+                <a:solidFill>
+                  <a:schemeClr val="tx1"/>
+                </a:solidFill>
+                <a:latin typeface="Calibri" panose="020F0502020204030204" pitchFamily="34" charset="0"/>
+              </a:defRPr>
+            </a:lvl2pPr>
+            <a:lvl3pPr marL="1143000" indent="-228600">
+              <a:defRPr>
+                <a:solidFill>
+                  <a:schemeClr val="tx1"/>
+                </a:solidFill>
+                <a:latin typeface="Calibri" panose="020F0502020204030204" pitchFamily="34" charset="0"/>
+              </a:defRPr>
+            </a:lvl3pPr>
+            <a:lvl4pPr marL="1600200" indent="-228600">
+              <a:defRPr>
+                <a:solidFill>
+                  <a:schemeClr val="tx1"/>
+                </a:solidFill>
+                <a:latin typeface="Calibri" panose="020F0502020204030204" pitchFamily="34" charset="0"/>
+              </a:defRPr>
+            </a:lvl4pPr>
+            <a:lvl5pPr marL="2057400" indent="-228600">
+              <a:defRPr>
+                <a:solidFill>
+                  <a:schemeClr val="tx1"/>
+                </a:solidFill>
+                <a:latin typeface="Calibri" panose="020F0502020204030204" pitchFamily="34" charset="0"/>
+              </a:defRPr>
+            </a:lvl5pPr>
+            <a:lvl6pPr marL="2514600" indent="-228600" eaLnBrk="0" fontAlgn="base" hangingPunct="0">
+              <a:spcBef>
+                <a:spcPct val="0"/>
+              </a:spcBef>
+              <a:spcAft>
+                <a:spcPct val="0"/>
+              </a:spcAft>
+              <a:defRPr>
+                <a:solidFill>
+                  <a:schemeClr val="tx1"/>
+                </a:solidFill>
+                <a:latin typeface="Calibri" panose="020F0502020204030204" pitchFamily="34" charset="0"/>
+              </a:defRPr>
+            </a:lvl6pPr>
+            <a:lvl7pPr marL="2971800" indent="-228600" eaLnBrk="0" fontAlgn="base" hangingPunct="0">
+              <a:spcBef>
+                <a:spcPct val="0"/>
+              </a:spcBef>
+              <a:spcAft>
+                <a:spcPct val="0"/>
+              </a:spcAft>
+              <a:defRPr>
+                <a:solidFill>
+                  <a:schemeClr val="tx1"/>
+                </a:solidFill>
+                <a:latin typeface="Calibri" panose="020F0502020204030204" pitchFamily="34" charset="0"/>
+              </a:defRPr>
+            </a:lvl7pPr>
+            <a:lvl8pPr marL="3429000" indent="-228600" eaLnBrk="0" fontAlgn="base" hangingPunct="0">
+              <a:spcBef>
+                <a:spcPct val="0"/>
+              </a:spcBef>
+              <a:spcAft>
+                <a:spcPct val="0"/>
+              </a:spcAft>
+              <a:defRPr>
+                <a:solidFill>
+                  <a:schemeClr val="tx1"/>
+                </a:solidFill>
+                <a:latin typeface="Calibri" panose="020F0502020204030204" pitchFamily="34" charset="0"/>
+              </a:defRPr>
+            </a:lvl8pPr>
+            <a:lvl9pPr marL="3886200" indent="-228600" eaLnBrk="0" fontAlgn="base" hangingPunct="0">
+              <a:spcBef>
+                <a:spcPct val="0"/>
+              </a:spcBef>
+              <a:spcAft>
+                <a:spcPct val="0"/>
+              </a:spcAft>
+              <a:defRPr>
+                <a:solidFill>
+                  <a:schemeClr val="tx1"/>
+                </a:solidFill>
+                <a:latin typeface="Calibri" panose="020F0502020204030204" pitchFamily="34" charset="0"/>
+              </a:defRPr>
+            </a:lvl9pPr>
+          </a:lstStyle>
+          <a:p>
+            <a:pPr algn="ctr" eaLnBrk="1" hangingPunct="1"/>
+            <a:r>
+              <a:rPr lang="en-US" altLang="en-US" sz="1200" dirty="0">
+                <a:latin typeface="Arial" panose="020B0604020202020204" pitchFamily="34" charset="0"/>
+                <a:ea typeface="Amazon Ember" panose="020B0603020204020204" pitchFamily="34" charset="0"/>
+                <a:cs typeface="Arial" panose="020B0604020202020204" pitchFamily="34" charset="0"/>
+              </a:rPr>
+              <a:t>Amazon SageMaker</a:t>
+            </a:r>
+          </a:p>
+        </p:txBody>
+      </p:sp>
+      <p:sp>
+        <p:nvSpPr>
+          <p:cNvPr id="39" name="TextBox 19">
+            <a:extLst>
+              <a:ext uri="{FF2B5EF4-FFF2-40B4-BE49-F238E27FC236}">
+                <a16:creationId xmlns:a16="http://schemas.microsoft.com/office/drawing/2014/main" id="{5F0E2A6F-DE86-254E-8CBB-E35038AE1B2E}"/>
+              </a:ext>
+            </a:extLst>
+          </p:cNvPr>
+          <p:cNvSpPr txBox="1">
+            <a:spLocks noChangeArrowheads="1"/>
+          </p:cNvSpPr>
+          <p:nvPr/>
+        </p:nvSpPr>
+        <p:spPr bwMode="auto">
+          <a:xfrm>
+            <a:off x="4270238" y="6191189"/>
+            <a:ext cx="2477306" cy="430887"/>
+          </a:xfrm>
+          <a:prstGeom prst="rect">
+            <a:avLst/>
+          </a:prstGeom>
+          <a:noFill/>
+          <a:ln>
+            <a:noFill/>
+          </a:ln>
+          <a:extLst>
+            <a:ext uri="{909E8E84-426E-40DD-AFC4-6F175D3DCCD1}">
+              <a14:hiddenFill xmlns:a14="http://schemas.microsoft.com/office/drawing/2010/main">
+                <a:solidFill>
+                  <a:srgbClr val="FFFFFF"/>
+                </a:solidFill>
+              </a14:hiddenFill>
+            </a:ext>
+            <a:ext uri="{91240B29-F687-4F45-9708-019B960494DF}">
+              <a14:hiddenLine xmlns:a14="http://schemas.microsoft.com/office/drawing/2010/main" w="9525">
+                <a:solidFill>
+                  <a:srgbClr val="000000"/>
+                </a:solidFill>
+                <a:miter lim="800000"/>
+                <a:headEnd/>
+                <a:tailEnd/>
+              </a14:hiddenLine>
+            </a:ext>
+          </a:extLst>
+        </p:spPr>
+        <p:txBody>
+          <a:bodyPr wrap="square">
+            <a:spAutoFit/>
+          </a:bodyPr>
+          <a:lstStyle>
+            <a:lvl1pPr>
+              <a:defRPr>
+                <a:solidFill>
+                  <a:schemeClr val="tx1"/>
+                </a:solidFill>
+                <a:latin typeface="Calibri" panose="020F0502020204030204" pitchFamily="34" charset="0"/>
+              </a:defRPr>
+            </a:lvl1pPr>
+            <a:lvl2pPr marL="742950" indent="-285750">
+              <a:defRPr>
+                <a:solidFill>
+                  <a:schemeClr val="tx1"/>
+                </a:solidFill>
+                <a:latin typeface="Calibri" panose="020F0502020204030204" pitchFamily="34" charset="0"/>
+              </a:defRPr>
+            </a:lvl2pPr>
+            <a:lvl3pPr marL="1143000" indent="-228600">
+              <a:defRPr>
+                <a:solidFill>
+                  <a:schemeClr val="tx1"/>
+                </a:solidFill>
+                <a:latin typeface="Calibri" panose="020F0502020204030204" pitchFamily="34" charset="0"/>
+              </a:defRPr>
+            </a:lvl3pPr>
+            <a:lvl4pPr marL="1600200" indent="-228600">
+              <a:defRPr>
+                <a:solidFill>
+                  <a:schemeClr val="tx1"/>
+                </a:solidFill>
+                <a:latin typeface="Calibri" panose="020F0502020204030204" pitchFamily="34" charset="0"/>
+              </a:defRPr>
+            </a:lvl4pPr>
+            <a:lvl5pPr marL="2057400" indent="-228600">
+              <a:defRPr>
+                <a:solidFill>
+                  <a:schemeClr val="tx1"/>
+                </a:solidFill>
+                <a:latin typeface="Calibri" panose="020F0502020204030204" pitchFamily="34" charset="0"/>
+              </a:defRPr>
+            </a:lvl5pPr>
+            <a:lvl6pPr marL="2514600" indent="-228600" eaLnBrk="0" fontAlgn="base" hangingPunct="0">
+              <a:spcBef>
+                <a:spcPct val="0"/>
+              </a:spcBef>
+              <a:spcAft>
+                <a:spcPct val="0"/>
+              </a:spcAft>
+              <a:defRPr>
+                <a:solidFill>
+                  <a:schemeClr val="tx1"/>
+                </a:solidFill>
+                <a:latin typeface="Calibri" panose="020F0502020204030204" pitchFamily="34" charset="0"/>
+              </a:defRPr>
+            </a:lvl6pPr>
+            <a:lvl7pPr marL="2971800" indent="-228600" eaLnBrk="0" fontAlgn="base" hangingPunct="0">
+              <a:spcBef>
+                <a:spcPct val="0"/>
+              </a:spcBef>
+              <a:spcAft>
+                <a:spcPct val="0"/>
+              </a:spcAft>
+              <a:defRPr>
+                <a:solidFill>
+                  <a:schemeClr val="tx1"/>
+                </a:solidFill>
+                <a:latin typeface="Calibri" panose="020F0502020204030204" pitchFamily="34" charset="0"/>
+              </a:defRPr>
+            </a:lvl7pPr>
+            <a:lvl8pPr marL="3429000" indent="-228600" eaLnBrk="0" fontAlgn="base" hangingPunct="0">
+              <a:spcBef>
+                <a:spcPct val="0"/>
+              </a:spcBef>
+              <a:spcAft>
+                <a:spcPct val="0"/>
+              </a:spcAft>
+              <a:defRPr>
+                <a:solidFill>
+                  <a:schemeClr val="tx1"/>
+                </a:solidFill>
+                <a:latin typeface="Calibri" panose="020F0502020204030204" pitchFamily="34" charset="0"/>
+              </a:defRPr>
+            </a:lvl8pPr>
+            <a:lvl9pPr marL="3886200" indent="-228600" eaLnBrk="0" fontAlgn="base" hangingPunct="0">
+              <a:spcBef>
+                <a:spcPct val="0"/>
+              </a:spcBef>
+              <a:spcAft>
+                <a:spcPct val="0"/>
+              </a:spcAft>
+              <a:defRPr>
+                <a:solidFill>
+                  <a:schemeClr val="tx1"/>
+                </a:solidFill>
+                <a:latin typeface="Calibri" panose="020F0502020204030204" pitchFamily="34" charset="0"/>
+              </a:defRPr>
+            </a:lvl9pPr>
+          </a:lstStyle>
+          <a:p>
+            <a:pPr algn="ctr"/>
+            <a:r>
+              <a:rPr lang="en-US" altLang="en-US" sz="1100" dirty="0">
+                <a:latin typeface="Arial" panose="020B0604020202020204" pitchFamily="34" charset="0"/>
+                <a:ea typeface="Amazon Ember" panose="020B0603020204020204" pitchFamily="34" charset="0"/>
+                <a:cs typeface="Arial" panose="020B0604020202020204" pitchFamily="34" charset="0"/>
+              </a:rPr>
+              <a:t>Notebook</a:t>
+            </a:r>
+            <a:br>
+              <a:rPr lang="en-US" altLang="en-US" sz="1100" dirty="0">
+                <a:latin typeface="Arial" panose="020B0604020202020204" pitchFamily="34" charset="0"/>
+                <a:ea typeface="Amazon Ember" panose="020B0603020204020204" pitchFamily="34" charset="0"/>
+                <a:cs typeface="Arial" panose="020B0604020202020204" pitchFamily="34" charset="0"/>
+              </a:rPr>
+            </a:br>
+            <a:r>
+              <a:rPr lang="en-US" altLang="en-US" sz="1100" dirty="0">
+                <a:latin typeface="Arial" panose="020B0604020202020204" pitchFamily="34" charset="0"/>
+                <a:ea typeface="Amazon Ember" panose="020B0603020204020204" pitchFamily="34" charset="0"/>
+                <a:cs typeface="Arial" panose="020B0604020202020204" pitchFamily="34" charset="0"/>
+              </a:rPr>
+              <a:t>Platform Management</a:t>
+            </a:r>
+          </a:p>
+        </p:txBody>
+      </p:sp>
+      <p:pic>
+        <p:nvPicPr>
+          <p:cNvPr id="40" name="Graphic 26">
+            <a:extLst>
+              <a:ext uri="{FF2B5EF4-FFF2-40B4-BE49-F238E27FC236}">
+                <a16:creationId xmlns:a16="http://schemas.microsoft.com/office/drawing/2014/main" id="{135CAAB8-D2D6-2241-B033-F980DC972503}"/>
+              </a:ext>
+            </a:extLst>
+          </p:cNvPr>
+          <p:cNvPicPr>
+            <a:picLocks noChangeAspect="1" noChangeArrowheads="1"/>
+          </p:cNvPicPr>
+          <p:nvPr/>
+        </p:nvPicPr>
+        <p:blipFill>
+          <a:blip r:embed="rId5">
+            <a:extLst>
+              <a:ext uri="{28A0092B-C50C-407E-A947-70E740481C1C}">
+                <a14:useLocalDpi xmlns:a14="http://schemas.microsoft.com/office/drawing/2010/main" val="0"/>
+              </a:ext>
+            </a:extLst>
+          </a:blip>
+          <a:srcRect/>
+          <a:stretch>
+            <a:fillRect/>
+          </a:stretch>
+        </p:blipFill>
+        <p:spPr bwMode="auto">
+          <a:xfrm>
+            <a:off x="5233273" y="5757215"/>
+            <a:ext cx="457200" cy="457200"/>
+          </a:xfrm>
+          <a:prstGeom prst="rect">
+            <a:avLst/>
+          </a:prstGeom>
+          <a:noFill/>
+          <a:ln>
+            <a:noFill/>
+          </a:ln>
+          <a:extLst>
+            <a:ext uri="{909E8E84-426E-40DD-AFC4-6F175D3DCCD1}">
+              <a14:hiddenFill xmlns:a14="http://schemas.microsoft.com/office/drawing/2010/main">
+                <a:solidFill>
+                  <a:srgbClr val="FFFFFF"/>
+                </a:solidFill>
+              </a14:hiddenFill>
+            </a:ext>
+            <a:ext uri="{91240B29-F687-4F45-9708-019B960494DF}">
+              <a14:hiddenLine xmlns:a14="http://schemas.microsoft.com/office/drawing/2010/main" w="9525">
+                <a:solidFill>
+                  <a:srgbClr val="000000"/>
+                </a:solidFill>
+                <a:miter lim="800000"/>
+                <a:headEnd/>
+                <a:tailEnd/>
+              </a14:hiddenLine>
+            </a:ext>
+          </a:extLst>
+        </p:spPr>
+      </p:pic>
+      <p:cxnSp>
+        <p:nvCxnSpPr>
+          <p:cNvPr id="45" name="Straight Arrow Connector 44">
+            <a:extLst>
+              <a:ext uri="{FF2B5EF4-FFF2-40B4-BE49-F238E27FC236}">
+                <a16:creationId xmlns:a16="http://schemas.microsoft.com/office/drawing/2014/main" id="{1234BAF4-105E-3B49-BEDA-4347B41D6F6A}"/>
+              </a:ext>
+            </a:extLst>
+          </p:cNvPr>
+          <p:cNvCxnSpPr>
+            <a:cxnSpLocks/>
+          </p:cNvCxnSpPr>
+          <p:nvPr/>
+        </p:nvCxnSpPr>
+        <p:spPr bwMode="auto">
+          <a:xfrm>
+            <a:off x="4198772" y="2775044"/>
+            <a:ext cx="719318" cy="0"/>
+          </a:xfrm>
+          <a:prstGeom prst="straightConnector1">
+            <a:avLst/>
+          </a:prstGeom>
+          <a:ln w="12700">
+            <a:solidFill>
+              <a:srgbClr val="545B64"/>
+            </a:solidFill>
+            <a:headEnd type="none" w="med" len="sm"/>
+            <a:tailEnd type="arrow" w="med" len="sm"/>
+          </a:ln>
+        </p:spPr>
+        <p:style>
+          <a:lnRef idx="1">
+            <a:schemeClr val="accent1"/>
+          </a:lnRef>
+          <a:fillRef idx="0">
+            <a:schemeClr val="accent1"/>
+          </a:fillRef>
+          <a:effectRef idx="0">
+            <a:schemeClr val="accent1"/>
+          </a:effectRef>
+          <a:fontRef idx="minor">
+            <a:schemeClr val="tx1"/>
+          </a:fontRef>
+        </p:style>
+      </p:cxnSp>
+      <p:pic>
+        <p:nvPicPr>
+          <p:cNvPr id="46" name="Graphic 17">
+            <a:extLst>
+              <a:ext uri="{FF2B5EF4-FFF2-40B4-BE49-F238E27FC236}">
+                <a16:creationId xmlns:a16="http://schemas.microsoft.com/office/drawing/2014/main" id="{ACF3E3E0-A967-A64C-9F29-9423A1DAF42B}"/>
+              </a:ext>
+            </a:extLst>
+          </p:cNvPr>
+          <p:cNvPicPr>
+            <a:picLocks noChangeAspect="1" noChangeArrowheads="1"/>
+          </p:cNvPicPr>
+          <p:nvPr/>
+        </p:nvPicPr>
+        <p:blipFill>
+          <a:blip r:embed="rId6">
+            <a:extLst>
+              <a:ext uri="{28A0092B-C50C-407E-A947-70E740481C1C}">
+                <a14:useLocalDpi xmlns:a14="http://schemas.microsoft.com/office/drawing/2010/main" val="0"/>
+              </a:ext>
+            </a:extLst>
+          </a:blip>
+          <a:srcRect/>
+          <a:stretch>
+            <a:fillRect/>
+          </a:stretch>
+        </p:blipFill>
+        <p:spPr bwMode="auto">
+          <a:xfrm>
+            <a:off x="5080015" y="2358040"/>
+            <a:ext cx="762000" cy="762000"/>
+          </a:xfrm>
+          <a:prstGeom prst="rect">
+            <a:avLst/>
+          </a:prstGeom>
+          <a:noFill/>
+          <a:ln>
+            <a:noFill/>
+          </a:ln>
+          <a:extLst>
+            <a:ext uri="{909E8E84-426E-40DD-AFC4-6F175D3DCCD1}">
+              <a14:hiddenFill xmlns:a14="http://schemas.microsoft.com/office/drawing/2010/main">
+                <a:solidFill>
+                  <a:srgbClr val="FFFFFF"/>
+                </a:solidFill>
+              </a14:hiddenFill>
+            </a:ext>
+            <a:ext uri="{91240B29-F687-4F45-9708-019B960494DF}">
+              <a14:hiddenLine xmlns:a14="http://schemas.microsoft.com/office/drawing/2010/main" w="9525">
+                <a:solidFill>
+                  <a:srgbClr val="000000"/>
+                </a:solidFill>
+                <a:miter lim="800000"/>
+                <a:headEnd/>
+                <a:tailEnd/>
+              </a14:hiddenLine>
+            </a:ext>
+          </a:extLst>
+        </p:spPr>
+      </p:pic>
+      <p:sp>
+        <p:nvSpPr>
+          <p:cNvPr id="47" name="TextBox 9">
+            <a:extLst>
+              <a:ext uri="{FF2B5EF4-FFF2-40B4-BE49-F238E27FC236}">
+                <a16:creationId xmlns:a16="http://schemas.microsoft.com/office/drawing/2014/main" id="{C9B7AB9D-DA1D-0649-BD38-DFFC2D404FA0}"/>
+              </a:ext>
+            </a:extLst>
+          </p:cNvPr>
+          <p:cNvSpPr txBox="1">
+            <a:spLocks noChangeArrowheads="1"/>
+          </p:cNvSpPr>
+          <p:nvPr/>
+        </p:nvSpPr>
+        <p:spPr bwMode="auto">
+          <a:xfrm>
+            <a:off x="4310078" y="3123215"/>
+            <a:ext cx="2268537" cy="276999"/>
+          </a:xfrm>
+          <a:prstGeom prst="rect">
+            <a:avLst/>
+          </a:prstGeom>
+          <a:noFill/>
+          <a:ln>
+            <a:noFill/>
+          </a:ln>
+          <a:extLst>
+            <a:ext uri="{909E8E84-426E-40DD-AFC4-6F175D3DCCD1}">
+              <a14:hiddenFill xmlns:a14="http://schemas.microsoft.com/office/drawing/2010/main">
+                <a:solidFill>
+                  <a:srgbClr val="FFFFFF"/>
+                </a:solidFill>
+              </a14:hiddenFill>
+            </a:ext>
+            <a:ext uri="{91240B29-F687-4F45-9708-019B960494DF}">
+              <a14:hiddenLine xmlns:a14="http://schemas.microsoft.com/office/drawing/2010/main" w="9525">
+                <a:solidFill>
+                  <a:srgbClr val="000000"/>
+                </a:solidFill>
+                <a:miter lim="800000"/>
+                <a:headEnd/>
+                <a:tailEnd/>
+              </a14:hiddenLine>
+            </a:ext>
+          </a:extLst>
+        </p:spPr>
+        <p:txBody>
+          <a:bodyPr>
+            <a:spAutoFit/>
+          </a:bodyPr>
+          <a:lstStyle>
+            <a:lvl1pPr>
+              <a:defRPr>
+                <a:solidFill>
+                  <a:schemeClr val="tx1"/>
+                </a:solidFill>
+                <a:latin typeface="Calibri" panose="020F0502020204030204" pitchFamily="34" charset="0"/>
+              </a:defRPr>
+            </a:lvl1pPr>
+            <a:lvl2pPr marL="742950" indent="-285750">
+              <a:defRPr>
+                <a:solidFill>
+                  <a:schemeClr val="tx1"/>
+                </a:solidFill>
+                <a:latin typeface="Calibri" panose="020F0502020204030204" pitchFamily="34" charset="0"/>
+              </a:defRPr>
+            </a:lvl2pPr>
+            <a:lvl3pPr marL="1143000" indent="-228600">
+              <a:defRPr>
+                <a:solidFill>
+                  <a:schemeClr val="tx1"/>
+                </a:solidFill>
+                <a:latin typeface="Calibri" panose="020F0502020204030204" pitchFamily="34" charset="0"/>
+              </a:defRPr>
+            </a:lvl3pPr>
+            <a:lvl4pPr marL="1600200" indent="-228600">
+              <a:defRPr>
+                <a:solidFill>
+                  <a:schemeClr val="tx1"/>
+                </a:solidFill>
+                <a:latin typeface="Calibri" panose="020F0502020204030204" pitchFamily="34" charset="0"/>
+              </a:defRPr>
+            </a:lvl4pPr>
+            <a:lvl5pPr marL="2057400" indent="-228600">
+              <a:defRPr>
+                <a:solidFill>
+                  <a:schemeClr val="tx1"/>
+                </a:solidFill>
+                <a:latin typeface="Calibri" panose="020F0502020204030204" pitchFamily="34" charset="0"/>
+              </a:defRPr>
+            </a:lvl5pPr>
+            <a:lvl6pPr marL="2514600" indent="-228600" eaLnBrk="0" fontAlgn="base" hangingPunct="0">
+              <a:spcBef>
+                <a:spcPct val="0"/>
+              </a:spcBef>
+              <a:spcAft>
+                <a:spcPct val="0"/>
+              </a:spcAft>
+              <a:defRPr>
+                <a:solidFill>
+                  <a:schemeClr val="tx1"/>
+                </a:solidFill>
+                <a:latin typeface="Calibri" panose="020F0502020204030204" pitchFamily="34" charset="0"/>
+              </a:defRPr>
+            </a:lvl6pPr>
+            <a:lvl7pPr marL="2971800" indent="-228600" eaLnBrk="0" fontAlgn="base" hangingPunct="0">
+              <a:spcBef>
+                <a:spcPct val="0"/>
+              </a:spcBef>
+              <a:spcAft>
+                <a:spcPct val="0"/>
+              </a:spcAft>
+              <a:defRPr>
+                <a:solidFill>
+                  <a:schemeClr val="tx1"/>
+                </a:solidFill>
+                <a:latin typeface="Calibri" panose="020F0502020204030204" pitchFamily="34" charset="0"/>
+              </a:defRPr>
+            </a:lvl7pPr>
+            <a:lvl8pPr marL="3429000" indent="-228600" eaLnBrk="0" fontAlgn="base" hangingPunct="0">
+              <a:spcBef>
+                <a:spcPct val="0"/>
+              </a:spcBef>
+              <a:spcAft>
+                <a:spcPct val="0"/>
+              </a:spcAft>
+              <a:defRPr>
+                <a:solidFill>
+                  <a:schemeClr val="tx1"/>
+                </a:solidFill>
+                <a:latin typeface="Calibri" panose="020F0502020204030204" pitchFamily="34" charset="0"/>
+              </a:defRPr>
+            </a:lvl8pPr>
+            <a:lvl9pPr marL="3886200" indent="-228600" eaLnBrk="0" fontAlgn="base" hangingPunct="0">
+              <a:spcBef>
+                <a:spcPct val="0"/>
+              </a:spcBef>
+              <a:spcAft>
+                <a:spcPct val="0"/>
+              </a:spcAft>
+              <a:defRPr>
+                <a:solidFill>
+                  <a:schemeClr val="tx1"/>
+                </a:solidFill>
+                <a:latin typeface="Calibri" panose="020F0502020204030204" pitchFamily="34" charset="0"/>
+              </a:defRPr>
+            </a:lvl9pPr>
+          </a:lstStyle>
+          <a:p>
+            <a:pPr algn="ctr" eaLnBrk="1" hangingPunct="1"/>
+            <a:r>
+              <a:rPr lang="en-US" altLang="en-US" sz="1200" dirty="0">
+                <a:latin typeface="Arial" panose="020B0604020202020204" pitchFamily="34" charset="0"/>
+                <a:ea typeface="Amazon Ember" panose="020B0603020204020204" pitchFamily="34" charset="0"/>
+                <a:cs typeface="Arial" panose="020B0604020202020204" pitchFamily="34" charset="0"/>
+              </a:rPr>
+              <a:t>AWS Step Functions</a:t>
+            </a:r>
+          </a:p>
+        </p:txBody>
+      </p:sp>
+      <p:pic>
+        <p:nvPicPr>
+          <p:cNvPr id="55" name="Graphic 6">
+            <a:extLst>
+              <a:ext uri="{FF2B5EF4-FFF2-40B4-BE49-F238E27FC236}">
+                <a16:creationId xmlns:a16="http://schemas.microsoft.com/office/drawing/2014/main" id="{2DA4F1E0-078F-C34E-A080-4878410CF192}"/>
+              </a:ext>
+            </a:extLst>
+          </p:cNvPr>
+          <p:cNvPicPr>
+            <a:picLocks noChangeAspect="1" noChangeArrowheads="1"/>
+          </p:cNvPicPr>
+          <p:nvPr/>
+        </p:nvPicPr>
+        <p:blipFill>
+          <a:blip r:embed="rId7">
+            <a:extLst>
+              <a:ext uri="{28A0092B-C50C-407E-A947-70E740481C1C}">
+                <a14:useLocalDpi xmlns:a14="http://schemas.microsoft.com/office/drawing/2010/main" val="0"/>
+              </a:ext>
+            </a:extLst>
+          </a:blip>
+          <a:srcRect/>
+          <a:stretch>
+            <a:fillRect/>
+          </a:stretch>
+        </p:blipFill>
+        <p:spPr bwMode="auto">
+          <a:xfrm>
+            <a:off x="8788729" y="752244"/>
+            <a:ext cx="762000" cy="762000"/>
+          </a:xfrm>
+          <a:prstGeom prst="rect">
+            <a:avLst/>
+          </a:prstGeom>
+          <a:noFill/>
+          <a:ln>
+            <a:noFill/>
+          </a:ln>
+          <a:extLst>
+            <a:ext uri="{909E8E84-426E-40DD-AFC4-6F175D3DCCD1}">
+              <a14:hiddenFill xmlns:a14="http://schemas.microsoft.com/office/drawing/2010/main">
+                <a:solidFill>
+                  <a:srgbClr val="FFFFFF"/>
+                </a:solidFill>
+              </a14:hiddenFill>
+            </a:ext>
+            <a:ext uri="{91240B29-F687-4F45-9708-019B960494DF}">
+              <a14:hiddenLine xmlns:a14="http://schemas.microsoft.com/office/drawing/2010/main" w="9525">
+                <a:solidFill>
+                  <a:srgbClr val="000000"/>
+                </a:solidFill>
+                <a:miter lim="800000"/>
+                <a:headEnd/>
+                <a:tailEnd/>
+              </a14:hiddenLine>
+            </a:ext>
+          </a:extLst>
+        </p:spPr>
+      </p:pic>
+      <p:sp>
+        <p:nvSpPr>
+          <p:cNvPr id="56" name="TextBox 10">
+            <a:extLst>
+              <a:ext uri="{FF2B5EF4-FFF2-40B4-BE49-F238E27FC236}">
+                <a16:creationId xmlns:a16="http://schemas.microsoft.com/office/drawing/2014/main" id="{BD9EAA32-8EDE-E44A-9B84-F823C6860E92}"/>
+              </a:ext>
+            </a:extLst>
+          </p:cNvPr>
+          <p:cNvSpPr txBox="1">
+            <a:spLocks noChangeArrowheads="1"/>
+          </p:cNvSpPr>
+          <p:nvPr/>
+        </p:nvSpPr>
+        <p:spPr bwMode="auto">
+          <a:xfrm>
+            <a:off x="8021967" y="1517419"/>
+            <a:ext cx="2268537" cy="276999"/>
+          </a:xfrm>
+          <a:prstGeom prst="rect">
+            <a:avLst/>
+          </a:prstGeom>
+          <a:noFill/>
+          <a:ln>
+            <a:noFill/>
+          </a:ln>
+          <a:extLst>
+            <a:ext uri="{909E8E84-426E-40DD-AFC4-6F175D3DCCD1}">
+              <a14:hiddenFill xmlns:a14="http://schemas.microsoft.com/office/drawing/2010/main">
+                <a:solidFill>
+                  <a:srgbClr val="FFFFFF"/>
+                </a:solidFill>
+              </a14:hiddenFill>
+            </a:ext>
+            <a:ext uri="{91240B29-F687-4F45-9708-019B960494DF}">
+              <a14:hiddenLine xmlns:a14="http://schemas.microsoft.com/office/drawing/2010/main" w="9525">
+                <a:solidFill>
+                  <a:srgbClr val="000000"/>
+                </a:solidFill>
+                <a:miter lim="800000"/>
+                <a:headEnd/>
+                <a:tailEnd/>
+              </a14:hiddenLine>
+            </a:ext>
+          </a:extLst>
+        </p:spPr>
+        <p:txBody>
+          <a:bodyPr>
+            <a:spAutoFit/>
+          </a:bodyPr>
+          <a:lstStyle>
+            <a:lvl1pPr>
+              <a:defRPr>
+                <a:solidFill>
+                  <a:schemeClr val="tx1"/>
+                </a:solidFill>
+                <a:latin typeface="Calibri" panose="020F0502020204030204" pitchFamily="34" charset="0"/>
+              </a:defRPr>
+            </a:lvl1pPr>
+            <a:lvl2pPr marL="742950" indent="-285750">
+              <a:defRPr>
+                <a:solidFill>
+                  <a:schemeClr val="tx1"/>
+                </a:solidFill>
+                <a:latin typeface="Calibri" panose="020F0502020204030204" pitchFamily="34" charset="0"/>
+              </a:defRPr>
+            </a:lvl2pPr>
+            <a:lvl3pPr marL="1143000" indent="-228600">
+              <a:defRPr>
+                <a:solidFill>
+                  <a:schemeClr val="tx1"/>
+                </a:solidFill>
+                <a:latin typeface="Calibri" panose="020F0502020204030204" pitchFamily="34" charset="0"/>
+              </a:defRPr>
+            </a:lvl3pPr>
+            <a:lvl4pPr marL="1600200" indent="-228600">
+              <a:defRPr>
+                <a:solidFill>
+                  <a:schemeClr val="tx1"/>
+                </a:solidFill>
+                <a:latin typeface="Calibri" panose="020F0502020204030204" pitchFamily="34" charset="0"/>
+              </a:defRPr>
+            </a:lvl4pPr>
+            <a:lvl5pPr marL="2057400" indent="-228600">
+              <a:defRPr>
+                <a:solidFill>
+                  <a:schemeClr val="tx1"/>
+                </a:solidFill>
+                <a:latin typeface="Calibri" panose="020F0502020204030204" pitchFamily="34" charset="0"/>
+              </a:defRPr>
+            </a:lvl5pPr>
+            <a:lvl6pPr marL="2514600" indent="-228600" eaLnBrk="0" fontAlgn="base" hangingPunct="0">
+              <a:spcBef>
+                <a:spcPct val="0"/>
+              </a:spcBef>
+              <a:spcAft>
+                <a:spcPct val="0"/>
+              </a:spcAft>
+              <a:defRPr>
+                <a:solidFill>
+                  <a:schemeClr val="tx1"/>
+                </a:solidFill>
+                <a:latin typeface="Calibri" panose="020F0502020204030204" pitchFamily="34" charset="0"/>
+              </a:defRPr>
+            </a:lvl6pPr>
+            <a:lvl7pPr marL="2971800" indent="-228600" eaLnBrk="0" fontAlgn="base" hangingPunct="0">
+              <a:spcBef>
+                <a:spcPct val="0"/>
+              </a:spcBef>
+              <a:spcAft>
+                <a:spcPct val="0"/>
+              </a:spcAft>
+              <a:defRPr>
+                <a:solidFill>
+                  <a:schemeClr val="tx1"/>
+                </a:solidFill>
+                <a:latin typeface="Calibri" panose="020F0502020204030204" pitchFamily="34" charset="0"/>
+              </a:defRPr>
+            </a:lvl7pPr>
+            <a:lvl8pPr marL="3429000" indent="-228600" eaLnBrk="0" fontAlgn="base" hangingPunct="0">
+              <a:spcBef>
+                <a:spcPct val="0"/>
+              </a:spcBef>
+              <a:spcAft>
+                <a:spcPct val="0"/>
+              </a:spcAft>
+              <a:defRPr>
+                <a:solidFill>
+                  <a:schemeClr val="tx1"/>
+                </a:solidFill>
+                <a:latin typeface="Calibri" panose="020F0502020204030204" pitchFamily="34" charset="0"/>
+              </a:defRPr>
+            </a:lvl8pPr>
+            <a:lvl9pPr marL="3886200" indent="-228600" eaLnBrk="0" fontAlgn="base" hangingPunct="0">
+              <a:spcBef>
+                <a:spcPct val="0"/>
+              </a:spcBef>
+              <a:spcAft>
+                <a:spcPct val="0"/>
+              </a:spcAft>
+              <a:defRPr>
+                <a:solidFill>
+                  <a:schemeClr val="tx1"/>
+                </a:solidFill>
+                <a:latin typeface="Calibri" panose="020F0502020204030204" pitchFamily="34" charset="0"/>
+              </a:defRPr>
+            </a:lvl9pPr>
+          </a:lstStyle>
+          <a:p>
+            <a:pPr algn="ctr" eaLnBrk="1" hangingPunct="1"/>
+            <a:r>
+              <a:rPr lang="en-US" altLang="en-US" sz="1200" dirty="0">
+                <a:latin typeface="Arial" panose="020B0604020202020204" pitchFamily="34" charset="0"/>
+                <a:ea typeface="Amazon Ember" panose="020B0603020204020204" pitchFamily="34" charset="0"/>
+                <a:cs typeface="Arial" panose="020B0604020202020204" pitchFamily="34" charset="0"/>
+              </a:rPr>
+              <a:t>AWS Glue (Job)</a:t>
+            </a:r>
+          </a:p>
+        </p:txBody>
+      </p:sp>
+      <p:pic>
+        <p:nvPicPr>
+          <p:cNvPr id="57" name="Graphic 10">
+            <a:extLst>
+              <a:ext uri="{FF2B5EF4-FFF2-40B4-BE49-F238E27FC236}">
+                <a16:creationId xmlns:a16="http://schemas.microsoft.com/office/drawing/2014/main" id="{46E42CA2-89EC-A44E-BD63-8BFF49467B42}"/>
+              </a:ext>
+            </a:extLst>
+          </p:cNvPr>
+          <p:cNvPicPr>
+            <a:picLocks noChangeAspect="1" noChangeArrowheads="1"/>
+          </p:cNvPicPr>
+          <p:nvPr/>
+        </p:nvPicPr>
+        <p:blipFill>
+          <a:blip r:embed="rId8">
+            <a:extLst>
+              <a:ext uri="{28A0092B-C50C-407E-A947-70E740481C1C}">
+                <a14:useLocalDpi xmlns:a14="http://schemas.microsoft.com/office/drawing/2010/main" val="0"/>
+              </a:ext>
+            </a:extLst>
+          </a:blip>
+          <a:srcRect/>
+          <a:stretch>
+            <a:fillRect/>
+          </a:stretch>
+        </p:blipFill>
+        <p:spPr bwMode="auto">
+          <a:xfrm>
+            <a:off x="5059702" y="742273"/>
+            <a:ext cx="762000" cy="762000"/>
+          </a:xfrm>
+          <a:prstGeom prst="rect">
+            <a:avLst/>
+          </a:prstGeom>
+          <a:noFill/>
+          <a:ln>
+            <a:noFill/>
+          </a:ln>
+          <a:extLst>
+            <a:ext uri="{909E8E84-426E-40DD-AFC4-6F175D3DCCD1}">
+              <a14:hiddenFill xmlns:a14="http://schemas.microsoft.com/office/drawing/2010/main">
+                <a:solidFill>
+                  <a:srgbClr val="FFFFFF"/>
+                </a:solidFill>
+              </a14:hiddenFill>
+            </a:ext>
+            <a:ext uri="{91240B29-F687-4F45-9708-019B960494DF}">
+              <a14:hiddenLine xmlns:a14="http://schemas.microsoft.com/office/drawing/2010/main" w="9525">
+                <a:solidFill>
+                  <a:srgbClr val="000000"/>
+                </a:solidFill>
+                <a:miter lim="800000"/>
+                <a:headEnd/>
+                <a:tailEnd/>
+              </a14:hiddenLine>
+            </a:ext>
+          </a:extLst>
+        </p:spPr>
+      </p:pic>
+      <p:sp>
+        <p:nvSpPr>
+          <p:cNvPr id="58" name="TextBox 20">
+            <a:extLst>
+              <a:ext uri="{FF2B5EF4-FFF2-40B4-BE49-F238E27FC236}">
+                <a16:creationId xmlns:a16="http://schemas.microsoft.com/office/drawing/2014/main" id="{455FC884-4A92-724C-96AA-1461F8DBC0F5}"/>
+              </a:ext>
+            </a:extLst>
+          </p:cNvPr>
+          <p:cNvSpPr txBox="1">
+            <a:spLocks noChangeArrowheads="1"/>
+          </p:cNvSpPr>
+          <p:nvPr/>
+        </p:nvSpPr>
+        <p:spPr bwMode="auto">
+          <a:xfrm>
+            <a:off x="4300877" y="1503479"/>
+            <a:ext cx="2292350" cy="276999"/>
+          </a:xfrm>
+          <a:prstGeom prst="rect">
+            <a:avLst/>
+          </a:prstGeom>
+          <a:noFill/>
+          <a:ln>
+            <a:noFill/>
+          </a:ln>
+          <a:extLst>
+            <a:ext uri="{909E8E84-426E-40DD-AFC4-6F175D3DCCD1}">
+              <a14:hiddenFill xmlns:a14="http://schemas.microsoft.com/office/drawing/2010/main">
+                <a:solidFill>
+                  <a:srgbClr val="FFFFFF"/>
+                </a:solidFill>
+              </a14:hiddenFill>
+            </a:ext>
+            <a:ext uri="{91240B29-F687-4F45-9708-019B960494DF}">
+              <a14:hiddenLine xmlns:a14="http://schemas.microsoft.com/office/drawing/2010/main" w="9525">
+                <a:solidFill>
+                  <a:srgbClr val="000000"/>
+                </a:solidFill>
+                <a:miter lim="800000"/>
+                <a:headEnd/>
+                <a:tailEnd/>
+              </a14:hiddenLine>
+            </a:ext>
+          </a:extLst>
+        </p:spPr>
+        <p:txBody>
+          <a:bodyPr>
+            <a:spAutoFit/>
+          </a:bodyPr>
+          <a:lstStyle>
+            <a:lvl1pPr>
+              <a:defRPr>
+                <a:solidFill>
+                  <a:schemeClr val="tx1"/>
+                </a:solidFill>
+                <a:latin typeface="Calibri" panose="020F0502020204030204" pitchFamily="34" charset="0"/>
+              </a:defRPr>
+            </a:lvl1pPr>
+            <a:lvl2pPr marL="742950" indent="-285750">
+              <a:defRPr>
+                <a:solidFill>
+                  <a:schemeClr val="tx1"/>
+                </a:solidFill>
+                <a:latin typeface="Calibri" panose="020F0502020204030204" pitchFamily="34" charset="0"/>
+              </a:defRPr>
+            </a:lvl2pPr>
+            <a:lvl3pPr marL="1143000" indent="-228600">
+              <a:defRPr>
+                <a:solidFill>
+                  <a:schemeClr val="tx1"/>
+                </a:solidFill>
+                <a:latin typeface="Calibri" panose="020F0502020204030204" pitchFamily="34" charset="0"/>
+              </a:defRPr>
+            </a:lvl3pPr>
+            <a:lvl4pPr marL="1600200" indent="-228600">
+              <a:defRPr>
+                <a:solidFill>
+                  <a:schemeClr val="tx1"/>
+                </a:solidFill>
+                <a:latin typeface="Calibri" panose="020F0502020204030204" pitchFamily="34" charset="0"/>
+              </a:defRPr>
+            </a:lvl4pPr>
+            <a:lvl5pPr marL="2057400" indent="-228600">
+              <a:defRPr>
+                <a:solidFill>
+                  <a:schemeClr val="tx1"/>
+                </a:solidFill>
+                <a:latin typeface="Calibri" panose="020F0502020204030204" pitchFamily="34" charset="0"/>
+              </a:defRPr>
+            </a:lvl5pPr>
+            <a:lvl6pPr marL="2514600" indent="-228600" eaLnBrk="0" fontAlgn="base" hangingPunct="0">
+              <a:spcBef>
+                <a:spcPct val="0"/>
+              </a:spcBef>
+              <a:spcAft>
+                <a:spcPct val="0"/>
+              </a:spcAft>
+              <a:defRPr>
+                <a:solidFill>
+                  <a:schemeClr val="tx1"/>
+                </a:solidFill>
+                <a:latin typeface="Calibri" panose="020F0502020204030204" pitchFamily="34" charset="0"/>
+              </a:defRPr>
+            </a:lvl6pPr>
+            <a:lvl7pPr marL="2971800" indent="-228600" eaLnBrk="0" fontAlgn="base" hangingPunct="0">
+              <a:spcBef>
+                <a:spcPct val="0"/>
+              </a:spcBef>
+              <a:spcAft>
+                <a:spcPct val="0"/>
+              </a:spcAft>
+              <a:defRPr>
+                <a:solidFill>
+                  <a:schemeClr val="tx1"/>
+                </a:solidFill>
+                <a:latin typeface="Calibri" panose="020F0502020204030204" pitchFamily="34" charset="0"/>
+              </a:defRPr>
+            </a:lvl7pPr>
+            <a:lvl8pPr marL="3429000" indent="-228600" eaLnBrk="0" fontAlgn="base" hangingPunct="0">
+              <a:spcBef>
+                <a:spcPct val="0"/>
+              </a:spcBef>
+              <a:spcAft>
+                <a:spcPct val="0"/>
+              </a:spcAft>
+              <a:defRPr>
+                <a:solidFill>
+                  <a:schemeClr val="tx1"/>
+                </a:solidFill>
+                <a:latin typeface="Calibri" panose="020F0502020204030204" pitchFamily="34" charset="0"/>
+              </a:defRPr>
+            </a:lvl8pPr>
+            <a:lvl9pPr marL="3886200" indent="-228600" eaLnBrk="0" fontAlgn="base" hangingPunct="0">
+              <a:spcBef>
+                <a:spcPct val="0"/>
+              </a:spcBef>
+              <a:spcAft>
+                <a:spcPct val="0"/>
+              </a:spcAft>
+              <a:defRPr>
+                <a:solidFill>
+                  <a:schemeClr val="tx1"/>
+                </a:solidFill>
+                <a:latin typeface="Calibri" panose="020F0502020204030204" pitchFamily="34" charset="0"/>
+              </a:defRPr>
+            </a:lvl9pPr>
+          </a:lstStyle>
+          <a:p>
+            <a:pPr algn="ctr" eaLnBrk="1" hangingPunct="1"/>
+            <a:r>
+              <a:rPr lang="en-US" altLang="en-US" sz="1200" dirty="0">
+                <a:latin typeface="Arial" panose="020B0604020202020204" pitchFamily="34" charset="0"/>
+                <a:ea typeface="Amazon Ember" panose="020B0603020204020204" pitchFamily="34" charset="0"/>
+                <a:cs typeface="Arial" panose="020B0604020202020204" pitchFamily="34" charset="0"/>
+              </a:rPr>
+              <a:t>AWS Lambda</a:t>
+            </a:r>
+          </a:p>
+        </p:txBody>
+      </p:sp>
+      <p:pic>
+        <p:nvPicPr>
+          <p:cNvPr id="59" name="Graphic 8">
+            <a:extLst>
+              <a:ext uri="{FF2B5EF4-FFF2-40B4-BE49-F238E27FC236}">
+                <a16:creationId xmlns:a16="http://schemas.microsoft.com/office/drawing/2014/main" id="{E7148214-B408-C14C-92F1-8D35F25506BE}"/>
+              </a:ext>
+            </a:extLst>
+          </p:cNvPr>
+          <p:cNvPicPr>
+            <a:picLocks noChangeAspect="1" noChangeArrowheads="1"/>
+          </p:cNvPicPr>
+          <p:nvPr/>
+        </p:nvPicPr>
+        <p:blipFill>
+          <a:blip r:embed="rId9">
+            <a:extLst>
+              <a:ext uri="{28A0092B-C50C-407E-A947-70E740481C1C}">
+                <a14:useLocalDpi xmlns:a14="http://schemas.microsoft.com/office/drawing/2010/main" val="0"/>
+              </a:ext>
+            </a:extLst>
+          </a:blip>
+          <a:srcRect/>
+          <a:stretch>
+            <a:fillRect/>
+          </a:stretch>
+        </p:blipFill>
+        <p:spPr bwMode="auto">
+          <a:xfrm>
+            <a:off x="3384322" y="2365608"/>
+            <a:ext cx="762000" cy="762000"/>
+          </a:xfrm>
+          <a:prstGeom prst="rect">
+            <a:avLst/>
+          </a:prstGeom>
+          <a:noFill/>
+          <a:ln>
+            <a:noFill/>
+          </a:ln>
+          <a:extLst>
+            <a:ext uri="{909E8E84-426E-40DD-AFC4-6F175D3DCCD1}">
+              <a14:hiddenFill xmlns:a14="http://schemas.microsoft.com/office/drawing/2010/main">
+                <a:solidFill>
+                  <a:srgbClr val="FFFFFF"/>
+                </a:solidFill>
+              </a14:hiddenFill>
+            </a:ext>
+            <a:ext uri="{91240B29-F687-4F45-9708-019B960494DF}">
+              <a14:hiddenLine xmlns:a14="http://schemas.microsoft.com/office/drawing/2010/main" w="9525">
+                <a:solidFill>
+                  <a:srgbClr val="000000"/>
+                </a:solidFill>
+                <a:miter lim="800000"/>
+                <a:headEnd/>
+                <a:tailEnd/>
+              </a14:hiddenLine>
+            </a:ext>
+          </a:extLst>
+        </p:spPr>
+      </p:pic>
+      <p:sp>
+        <p:nvSpPr>
+          <p:cNvPr id="60" name="TextBox 9">
+            <a:extLst>
+              <a:ext uri="{FF2B5EF4-FFF2-40B4-BE49-F238E27FC236}">
+                <a16:creationId xmlns:a16="http://schemas.microsoft.com/office/drawing/2014/main" id="{28124A48-16CE-234D-AC04-32CB364DEB18}"/>
+              </a:ext>
+            </a:extLst>
+          </p:cNvPr>
+          <p:cNvSpPr txBox="1">
+            <a:spLocks noChangeArrowheads="1"/>
+          </p:cNvSpPr>
+          <p:nvPr/>
+        </p:nvSpPr>
+        <p:spPr bwMode="auto">
+          <a:xfrm>
+            <a:off x="2644547" y="3129195"/>
+            <a:ext cx="2239962" cy="461665"/>
+          </a:xfrm>
+          <a:prstGeom prst="rect">
+            <a:avLst/>
+          </a:prstGeom>
+          <a:noFill/>
+          <a:ln>
+            <a:noFill/>
+          </a:ln>
+          <a:extLst>
+            <a:ext uri="{909E8E84-426E-40DD-AFC4-6F175D3DCCD1}">
+              <a14:hiddenFill xmlns:a14="http://schemas.microsoft.com/office/drawing/2010/main">
+                <a:solidFill>
+                  <a:srgbClr val="FFFFFF"/>
+                </a:solidFill>
+              </a14:hiddenFill>
+            </a:ext>
+            <a:ext uri="{91240B29-F687-4F45-9708-019B960494DF}">
+              <a14:hiddenLine xmlns:a14="http://schemas.microsoft.com/office/drawing/2010/main" w="9525">
+                <a:solidFill>
+                  <a:srgbClr val="000000"/>
+                </a:solidFill>
+                <a:miter lim="800000"/>
+                <a:headEnd/>
+                <a:tailEnd/>
+              </a14:hiddenLine>
+            </a:ext>
+          </a:extLst>
+        </p:spPr>
+        <p:txBody>
+          <a:bodyPr>
+            <a:spAutoFit/>
+          </a:bodyPr>
+          <a:lstStyle>
+            <a:lvl1pPr>
+              <a:defRPr>
+                <a:solidFill>
+                  <a:schemeClr val="tx1"/>
+                </a:solidFill>
+                <a:latin typeface="Calibri" panose="020F0502020204030204" pitchFamily="34" charset="0"/>
+              </a:defRPr>
+            </a:lvl1pPr>
+            <a:lvl2pPr marL="742950" indent="-285750">
+              <a:defRPr>
+                <a:solidFill>
+                  <a:schemeClr val="tx1"/>
+                </a:solidFill>
+                <a:latin typeface="Calibri" panose="020F0502020204030204" pitchFamily="34" charset="0"/>
+              </a:defRPr>
+            </a:lvl2pPr>
+            <a:lvl3pPr marL="1143000" indent="-228600">
+              <a:defRPr>
+                <a:solidFill>
+                  <a:schemeClr val="tx1"/>
+                </a:solidFill>
+                <a:latin typeface="Calibri" panose="020F0502020204030204" pitchFamily="34" charset="0"/>
+              </a:defRPr>
+            </a:lvl3pPr>
+            <a:lvl4pPr marL="1600200" indent="-228600">
+              <a:defRPr>
+                <a:solidFill>
+                  <a:schemeClr val="tx1"/>
+                </a:solidFill>
+                <a:latin typeface="Calibri" panose="020F0502020204030204" pitchFamily="34" charset="0"/>
+              </a:defRPr>
+            </a:lvl4pPr>
+            <a:lvl5pPr marL="2057400" indent="-228600">
+              <a:defRPr>
+                <a:solidFill>
+                  <a:schemeClr val="tx1"/>
+                </a:solidFill>
+                <a:latin typeface="Calibri" panose="020F0502020204030204" pitchFamily="34" charset="0"/>
+              </a:defRPr>
+            </a:lvl5pPr>
+            <a:lvl6pPr marL="2514600" indent="-228600" eaLnBrk="0" fontAlgn="base" hangingPunct="0">
+              <a:spcBef>
+                <a:spcPct val="0"/>
+              </a:spcBef>
+              <a:spcAft>
+                <a:spcPct val="0"/>
+              </a:spcAft>
+              <a:defRPr>
+                <a:solidFill>
+                  <a:schemeClr val="tx1"/>
+                </a:solidFill>
+                <a:latin typeface="Calibri" panose="020F0502020204030204" pitchFamily="34" charset="0"/>
+              </a:defRPr>
+            </a:lvl6pPr>
+            <a:lvl7pPr marL="2971800" indent="-228600" eaLnBrk="0" fontAlgn="base" hangingPunct="0">
+              <a:spcBef>
+                <a:spcPct val="0"/>
+              </a:spcBef>
+              <a:spcAft>
+                <a:spcPct val="0"/>
+              </a:spcAft>
+              <a:defRPr>
+                <a:solidFill>
+                  <a:schemeClr val="tx1"/>
+                </a:solidFill>
+                <a:latin typeface="Calibri" panose="020F0502020204030204" pitchFamily="34" charset="0"/>
+              </a:defRPr>
+            </a:lvl7pPr>
+            <a:lvl8pPr marL="3429000" indent="-228600" eaLnBrk="0" fontAlgn="base" hangingPunct="0">
+              <a:spcBef>
+                <a:spcPct val="0"/>
+              </a:spcBef>
+              <a:spcAft>
+                <a:spcPct val="0"/>
+              </a:spcAft>
+              <a:defRPr>
+                <a:solidFill>
+                  <a:schemeClr val="tx1"/>
+                </a:solidFill>
+                <a:latin typeface="Calibri" panose="020F0502020204030204" pitchFamily="34" charset="0"/>
+              </a:defRPr>
+            </a:lvl8pPr>
+            <a:lvl9pPr marL="3886200" indent="-228600" eaLnBrk="0" fontAlgn="base" hangingPunct="0">
+              <a:spcBef>
+                <a:spcPct val="0"/>
+              </a:spcBef>
+              <a:spcAft>
+                <a:spcPct val="0"/>
+              </a:spcAft>
+              <a:defRPr>
+                <a:solidFill>
+                  <a:schemeClr val="tx1"/>
+                </a:solidFill>
+                <a:latin typeface="Calibri" panose="020F0502020204030204" pitchFamily="34" charset="0"/>
+              </a:defRPr>
+            </a:lvl9pPr>
+          </a:lstStyle>
+          <a:p>
+            <a:pPr algn="ctr"/>
+            <a:r>
+              <a:rPr lang="en-US" altLang="en-US" sz="1200" dirty="0">
+                <a:latin typeface="Arial" panose="020B0604020202020204" pitchFamily="34" charset="0"/>
+                <a:ea typeface="Amazon Ember" panose="020B0603020204020204" pitchFamily="34" charset="0"/>
+                <a:cs typeface="Arial" panose="020B0604020202020204" pitchFamily="34" charset="0"/>
+              </a:rPr>
+              <a:t>Amazon S3</a:t>
+            </a:r>
+            <a:br>
+              <a:rPr lang="en-US" altLang="en-US" sz="1200" dirty="0">
+                <a:latin typeface="Arial" panose="020B0604020202020204" pitchFamily="34" charset="0"/>
+                <a:ea typeface="Amazon Ember" panose="020B0603020204020204" pitchFamily="34" charset="0"/>
+                <a:cs typeface="Arial" panose="020B0604020202020204" pitchFamily="34" charset="0"/>
+              </a:rPr>
+            </a:br>
+            <a:r>
+              <a:rPr lang="en-US" altLang="en-US" sz="1200" dirty="0">
+                <a:latin typeface="Arial" panose="020B0604020202020204" pitchFamily="34" charset="0"/>
+                <a:ea typeface="Amazon Ember" panose="020B0603020204020204" pitchFamily="34" charset="0"/>
+                <a:cs typeface="Arial" panose="020B0604020202020204" pitchFamily="34" charset="0"/>
+              </a:rPr>
+              <a:t>ACM Bucket</a:t>
+            </a:r>
+          </a:p>
+        </p:txBody>
+      </p:sp>
+      <p:cxnSp>
+        <p:nvCxnSpPr>
+          <p:cNvPr id="62" name="Straight Arrow Connector 61">
+            <a:extLst>
+              <a:ext uri="{FF2B5EF4-FFF2-40B4-BE49-F238E27FC236}">
+                <a16:creationId xmlns:a16="http://schemas.microsoft.com/office/drawing/2014/main" id="{43C04C4F-8C13-FD49-8C0D-320B23C1687E}"/>
+              </a:ext>
+            </a:extLst>
+          </p:cNvPr>
+          <p:cNvCxnSpPr>
+            <a:cxnSpLocks/>
+          </p:cNvCxnSpPr>
+          <p:nvPr/>
+        </p:nvCxnSpPr>
+        <p:spPr bwMode="auto">
+          <a:xfrm>
+            <a:off x="6008168" y="2775044"/>
+            <a:ext cx="719318" cy="0"/>
+          </a:xfrm>
+          <a:prstGeom prst="straightConnector1">
+            <a:avLst/>
+          </a:prstGeom>
+          <a:ln w="12700">
+            <a:solidFill>
+              <a:srgbClr val="545B64"/>
+            </a:solidFill>
+            <a:headEnd type="none" w="med" len="sm"/>
+            <a:tailEnd type="arrow" w="med" len="sm"/>
+          </a:ln>
+        </p:spPr>
+        <p:style>
+          <a:lnRef idx="1">
+            <a:schemeClr val="accent1"/>
+          </a:lnRef>
+          <a:fillRef idx="0">
+            <a:schemeClr val="accent1"/>
+          </a:fillRef>
+          <a:effectRef idx="0">
+            <a:schemeClr val="accent1"/>
+          </a:effectRef>
+          <a:fontRef idx="minor">
+            <a:schemeClr val="tx1"/>
+          </a:fontRef>
+        </p:style>
+      </p:cxnSp>
+      <p:pic>
+        <p:nvPicPr>
+          <p:cNvPr id="63" name="Graphic 8">
+            <a:extLst>
+              <a:ext uri="{FF2B5EF4-FFF2-40B4-BE49-F238E27FC236}">
+                <a16:creationId xmlns:a16="http://schemas.microsoft.com/office/drawing/2014/main" id="{BDFFCF46-2837-9348-A1C7-FCBAFB439C18}"/>
+              </a:ext>
+            </a:extLst>
+          </p:cNvPr>
+          <p:cNvPicPr>
+            <a:picLocks noChangeAspect="1" noChangeArrowheads="1"/>
+          </p:cNvPicPr>
+          <p:nvPr/>
+        </p:nvPicPr>
+        <p:blipFill>
+          <a:blip r:embed="rId9">
+            <a:extLst>
+              <a:ext uri="{28A0092B-C50C-407E-A947-70E740481C1C}">
+                <a14:useLocalDpi xmlns:a14="http://schemas.microsoft.com/office/drawing/2010/main" val="0"/>
+              </a:ext>
+            </a:extLst>
+          </a:blip>
+          <a:srcRect/>
+          <a:stretch>
+            <a:fillRect/>
+          </a:stretch>
+        </p:blipFill>
+        <p:spPr bwMode="auto">
+          <a:xfrm>
+            <a:off x="6945462" y="2351633"/>
+            <a:ext cx="762000" cy="762000"/>
+          </a:xfrm>
+          <a:prstGeom prst="rect">
+            <a:avLst/>
+          </a:prstGeom>
+          <a:noFill/>
+          <a:ln>
+            <a:noFill/>
+          </a:ln>
+          <a:extLst>
+            <a:ext uri="{909E8E84-426E-40DD-AFC4-6F175D3DCCD1}">
+              <a14:hiddenFill xmlns:a14="http://schemas.microsoft.com/office/drawing/2010/main">
+                <a:solidFill>
+                  <a:srgbClr val="FFFFFF"/>
+                </a:solidFill>
+              </a14:hiddenFill>
+            </a:ext>
+            <a:ext uri="{91240B29-F687-4F45-9708-019B960494DF}">
+              <a14:hiddenLine xmlns:a14="http://schemas.microsoft.com/office/drawing/2010/main" w="9525">
+                <a:solidFill>
+                  <a:srgbClr val="000000"/>
+                </a:solidFill>
+                <a:miter lim="800000"/>
+                <a:headEnd/>
+                <a:tailEnd/>
+              </a14:hiddenLine>
+            </a:ext>
+          </a:extLst>
+        </p:spPr>
+      </p:pic>
+      <p:sp>
+        <p:nvSpPr>
+          <p:cNvPr id="64" name="TextBox 9">
+            <a:extLst>
+              <a:ext uri="{FF2B5EF4-FFF2-40B4-BE49-F238E27FC236}">
+                <a16:creationId xmlns:a16="http://schemas.microsoft.com/office/drawing/2014/main" id="{DF0D2F77-EB8A-4849-A007-6A5C028C9629}"/>
+              </a:ext>
+            </a:extLst>
+          </p:cNvPr>
+          <p:cNvSpPr txBox="1">
+            <a:spLocks noChangeArrowheads="1"/>
+          </p:cNvSpPr>
+          <p:nvPr/>
+        </p:nvSpPr>
+        <p:spPr bwMode="auto">
+          <a:xfrm>
+            <a:off x="6205687" y="3115220"/>
+            <a:ext cx="2239962" cy="461665"/>
+          </a:xfrm>
+          <a:prstGeom prst="rect">
+            <a:avLst/>
+          </a:prstGeom>
+          <a:noFill/>
+          <a:ln>
+            <a:noFill/>
+          </a:ln>
+          <a:extLst>
+            <a:ext uri="{909E8E84-426E-40DD-AFC4-6F175D3DCCD1}">
+              <a14:hiddenFill xmlns:a14="http://schemas.microsoft.com/office/drawing/2010/main">
+                <a:solidFill>
+                  <a:srgbClr val="FFFFFF"/>
+                </a:solidFill>
+              </a14:hiddenFill>
+            </a:ext>
+            <a:ext uri="{91240B29-F687-4F45-9708-019B960494DF}">
+              <a14:hiddenLine xmlns:a14="http://schemas.microsoft.com/office/drawing/2010/main" w="9525">
+                <a:solidFill>
+                  <a:srgbClr val="000000"/>
+                </a:solidFill>
+                <a:miter lim="800000"/>
+                <a:headEnd/>
+                <a:tailEnd/>
+              </a14:hiddenLine>
+            </a:ext>
+          </a:extLst>
+        </p:spPr>
+        <p:txBody>
+          <a:bodyPr>
+            <a:spAutoFit/>
+          </a:bodyPr>
+          <a:lstStyle>
+            <a:lvl1pPr>
+              <a:defRPr>
+                <a:solidFill>
+                  <a:schemeClr val="tx1"/>
+                </a:solidFill>
+                <a:latin typeface="Calibri" panose="020F0502020204030204" pitchFamily="34" charset="0"/>
+              </a:defRPr>
+            </a:lvl1pPr>
+            <a:lvl2pPr marL="742950" indent="-285750">
+              <a:defRPr>
+                <a:solidFill>
+                  <a:schemeClr val="tx1"/>
+                </a:solidFill>
+                <a:latin typeface="Calibri" panose="020F0502020204030204" pitchFamily="34" charset="0"/>
+              </a:defRPr>
+            </a:lvl2pPr>
+            <a:lvl3pPr marL="1143000" indent="-228600">
+              <a:defRPr>
+                <a:solidFill>
+                  <a:schemeClr val="tx1"/>
+                </a:solidFill>
+                <a:latin typeface="Calibri" panose="020F0502020204030204" pitchFamily="34" charset="0"/>
+              </a:defRPr>
+            </a:lvl3pPr>
+            <a:lvl4pPr marL="1600200" indent="-228600">
+              <a:defRPr>
+                <a:solidFill>
+                  <a:schemeClr val="tx1"/>
+                </a:solidFill>
+                <a:latin typeface="Calibri" panose="020F0502020204030204" pitchFamily="34" charset="0"/>
+              </a:defRPr>
+            </a:lvl4pPr>
+            <a:lvl5pPr marL="2057400" indent="-228600">
+              <a:defRPr>
+                <a:solidFill>
+                  <a:schemeClr val="tx1"/>
+                </a:solidFill>
+                <a:latin typeface="Calibri" panose="020F0502020204030204" pitchFamily="34" charset="0"/>
+              </a:defRPr>
+            </a:lvl5pPr>
+            <a:lvl6pPr marL="2514600" indent="-228600" eaLnBrk="0" fontAlgn="base" hangingPunct="0">
+              <a:spcBef>
+                <a:spcPct val="0"/>
+              </a:spcBef>
+              <a:spcAft>
+                <a:spcPct val="0"/>
+              </a:spcAft>
+              <a:defRPr>
+                <a:solidFill>
+                  <a:schemeClr val="tx1"/>
+                </a:solidFill>
+                <a:latin typeface="Calibri" panose="020F0502020204030204" pitchFamily="34" charset="0"/>
+              </a:defRPr>
+            </a:lvl6pPr>
+            <a:lvl7pPr marL="2971800" indent="-228600" eaLnBrk="0" fontAlgn="base" hangingPunct="0">
+              <a:spcBef>
+                <a:spcPct val="0"/>
+              </a:spcBef>
+              <a:spcAft>
+                <a:spcPct val="0"/>
+              </a:spcAft>
+              <a:defRPr>
+                <a:solidFill>
+                  <a:schemeClr val="tx1"/>
+                </a:solidFill>
+                <a:latin typeface="Calibri" panose="020F0502020204030204" pitchFamily="34" charset="0"/>
+              </a:defRPr>
+            </a:lvl7pPr>
+            <a:lvl8pPr marL="3429000" indent="-228600" eaLnBrk="0" fontAlgn="base" hangingPunct="0">
+              <a:spcBef>
+                <a:spcPct val="0"/>
+              </a:spcBef>
+              <a:spcAft>
+                <a:spcPct val="0"/>
+              </a:spcAft>
+              <a:defRPr>
+                <a:solidFill>
+                  <a:schemeClr val="tx1"/>
+                </a:solidFill>
+                <a:latin typeface="Calibri" panose="020F0502020204030204" pitchFamily="34" charset="0"/>
+              </a:defRPr>
+            </a:lvl8pPr>
+            <a:lvl9pPr marL="3886200" indent="-228600" eaLnBrk="0" fontAlgn="base" hangingPunct="0">
+              <a:spcBef>
+                <a:spcPct val="0"/>
+              </a:spcBef>
+              <a:spcAft>
+                <a:spcPct val="0"/>
+              </a:spcAft>
+              <a:defRPr>
+                <a:solidFill>
+                  <a:schemeClr val="tx1"/>
+                </a:solidFill>
+                <a:latin typeface="Calibri" panose="020F0502020204030204" pitchFamily="34" charset="0"/>
+              </a:defRPr>
+            </a:lvl9pPr>
+          </a:lstStyle>
+          <a:p>
+            <a:pPr algn="ctr" eaLnBrk="1" hangingPunct="1"/>
+            <a:r>
+              <a:rPr lang="en-US" altLang="en-US" sz="1200" dirty="0">
+                <a:latin typeface="Arial" panose="020B0604020202020204" pitchFamily="34" charset="0"/>
+                <a:ea typeface="Amazon Ember" panose="020B0603020204020204" pitchFamily="34" charset="0"/>
+                <a:cs typeface="Arial" panose="020B0604020202020204" pitchFamily="34" charset="0"/>
+              </a:rPr>
+              <a:t>Amazon S3</a:t>
+            </a:r>
+            <a:br>
+              <a:rPr lang="en-US" altLang="en-US" sz="1200" dirty="0">
+                <a:latin typeface="Arial" panose="020B0604020202020204" pitchFamily="34" charset="0"/>
+                <a:ea typeface="Amazon Ember" panose="020B0603020204020204" pitchFamily="34" charset="0"/>
+                <a:cs typeface="Arial" panose="020B0604020202020204" pitchFamily="34" charset="0"/>
+              </a:rPr>
+            </a:br>
+            <a:r>
+              <a:rPr lang="en-US" altLang="en-US" sz="1200" dirty="0">
+                <a:latin typeface="Arial" panose="020B0604020202020204" pitchFamily="34" charset="0"/>
+                <a:ea typeface="Amazon Ember" panose="020B0603020204020204" pitchFamily="34" charset="0"/>
+                <a:cs typeface="Arial" panose="020B0604020202020204" pitchFamily="34" charset="0"/>
+              </a:rPr>
+              <a:t>Pre-Stage</a:t>
+            </a:r>
+          </a:p>
+        </p:txBody>
+      </p:sp>
+      <p:cxnSp>
+        <p:nvCxnSpPr>
+          <p:cNvPr id="67" name="Straight Arrow Connector 66">
+            <a:extLst>
+              <a:ext uri="{FF2B5EF4-FFF2-40B4-BE49-F238E27FC236}">
+                <a16:creationId xmlns:a16="http://schemas.microsoft.com/office/drawing/2014/main" id="{7D2452B2-6517-F948-887F-62A250C52AE7}"/>
+              </a:ext>
+            </a:extLst>
+          </p:cNvPr>
+          <p:cNvCxnSpPr>
+            <a:cxnSpLocks/>
+          </p:cNvCxnSpPr>
+          <p:nvPr/>
+        </p:nvCxnSpPr>
+        <p:spPr bwMode="auto">
+          <a:xfrm>
+            <a:off x="7896404" y="2740083"/>
+            <a:ext cx="719318" cy="0"/>
+          </a:xfrm>
+          <a:prstGeom prst="straightConnector1">
+            <a:avLst/>
+          </a:prstGeom>
+          <a:ln w="12700">
+            <a:solidFill>
+              <a:srgbClr val="545B64"/>
+            </a:solidFill>
+            <a:headEnd type="none" w="med" len="sm"/>
+            <a:tailEnd type="arrow" w="med" len="sm"/>
+          </a:ln>
+        </p:spPr>
+        <p:style>
+          <a:lnRef idx="1">
+            <a:schemeClr val="accent1"/>
+          </a:lnRef>
+          <a:fillRef idx="0">
+            <a:schemeClr val="accent1"/>
+          </a:fillRef>
+          <a:effectRef idx="0">
+            <a:schemeClr val="accent1"/>
+          </a:effectRef>
+          <a:fontRef idx="minor">
+            <a:schemeClr val="tx1"/>
+          </a:fontRef>
+        </p:style>
+      </p:cxnSp>
+      <p:pic>
+        <p:nvPicPr>
+          <p:cNvPr id="68" name="Graphic 17">
+            <a:extLst>
+              <a:ext uri="{FF2B5EF4-FFF2-40B4-BE49-F238E27FC236}">
+                <a16:creationId xmlns:a16="http://schemas.microsoft.com/office/drawing/2014/main" id="{1C327937-AEEA-9648-89EC-91E86216D63F}"/>
+              </a:ext>
+            </a:extLst>
+          </p:cNvPr>
+          <p:cNvPicPr>
+            <a:picLocks noChangeAspect="1" noChangeArrowheads="1"/>
+          </p:cNvPicPr>
+          <p:nvPr/>
+        </p:nvPicPr>
+        <p:blipFill>
+          <a:blip r:embed="rId6">
+            <a:extLst>
+              <a:ext uri="{28A0092B-C50C-407E-A947-70E740481C1C}">
+                <a14:useLocalDpi xmlns:a14="http://schemas.microsoft.com/office/drawing/2010/main" val="0"/>
+              </a:ext>
+            </a:extLst>
+          </a:blip>
+          <a:srcRect/>
+          <a:stretch>
+            <a:fillRect/>
+          </a:stretch>
+        </p:blipFill>
+        <p:spPr bwMode="auto">
+          <a:xfrm>
+            <a:off x="8794278" y="2351633"/>
+            <a:ext cx="762000" cy="762000"/>
+          </a:xfrm>
+          <a:prstGeom prst="rect">
+            <a:avLst/>
+          </a:prstGeom>
+          <a:noFill/>
+          <a:ln>
+            <a:noFill/>
+          </a:ln>
+          <a:extLst>
+            <a:ext uri="{909E8E84-426E-40DD-AFC4-6F175D3DCCD1}">
+              <a14:hiddenFill xmlns:a14="http://schemas.microsoft.com/office/drawing/2010/main">
+                <a:solidFill>
+                  <a:srgbClr val="FFFFFF"/>
+                </a:solidFill>
+              </a14:hiddenFill>
+            </a:ext>
+            <a:ext uri="{91240B29-F687-4F45-9708-019B960494DF}">
+              <a14:hiddenLine xmlns:a14="http://schemas.microsoft.com/office/drawing/2010/main" w="9525">
+                <a:solidFill>
+                  <a:srgbClr val="000000"/>
+                </a:solidFill>
+                <a:miter lim="800000"/>
+                <a:headEnd/>
+                <a:tailEnd/>
+              </a14:hiddenLine>
+            </a:ext>
+          </a:extLst>
+        </p:spPr>
+      </p:pic>
+      <p:sp>
+        <p:nvSpPr>
+          <p:cNvPr id="69" name="TextBox 9">
+            <a:extLst>
+              <a:ext uri="{FF2B5EF4-FFF2-40B4-BE49-F238E27FC236}">
+                <a16:creationId xmlns:a16="http://schemas.microsoft.com/office/drawing/2014/main" id="{D65B6B4A-C371-7946-B1DF-D3BDBF62FF79}"/>
+              </a:ext>
+            </a:extLst>
+          </p:cNvPr>
+          <p:cNvSpPr txBox="1">
+            <a:spLocks noChangeArrowheads="1"/>
+          </p:cNvSpPr>
+          <p:nvPr/>
+        </p:nvSpPr>
+        <p:spPr bwMode="auto">
+          <a:xfrm>
+            <a:off x="8024341" y="3116808"/>
+            <a:ext cx="2268537" cy="276999"/>
+          </a:xfrm>
+          <a:prstGeom prst="rect">
+            <a:avLst/>
+          </a:prstGeom>
+          <a:noFill/>
+          <a:ln>
+            <a:noFill/>
+          </a:ln>
+          <a:extLst>
+            <a:ext uri="{909E8E84-426E-40DD-AFC4-6F175D3DCCD1}">
+              <a14:hiddenFill xmlns:a14="http://schemas.microsoft.com/office/drawing/2010/main">
+                <a:solidFill>
+                  <a:srgbClr val="FFFFFF"/>
+                </a:solidFill>
+              </a14:hiddenFill>
+            </a:ext>
+            <a:ext uri="{91240B29-F687-4F45-9708-019B960494DF}">
+              <a14:hiddenLine xmlns:a14="http://schemas.microsoft.com/office/drawing/2010/main" w="9525">
+                <a:solidFill>
+                  <a:srgbClr val="000000"/>
+                </a:solidFill>
+                <a:miter lim="800000"/>
+                <a:headEnd/>
+                <a:tailEnd/>
+              </a14:hiddenLine>
+            </a:ext>
+          </a:extLst>
+        </p:spPr>
+        <p:txBody>
+          <a:bodyPr>
+            <a:spAutoFit/>
+          </a:bodyPr>
+          <a:lstStyle>
+            <a:lvl1pPr>
+              <a:defRPr>
+                <a:solidFill>
+                  <a:schemeClr val="tx1"/>
+                </a:solidFill>
+                <a:latin typeface="Calibri" panose="020F0502020204030204" pitchFamily="34" charset="0"/>
+              </a:defRPr>
+            </a:lvl1pPr>
+            <a:lvl2pPr marL="742950" indent="-285750">
+              <a:defRPr>
+                <a:solidFill>
+                  <a:schemeClr val="tx1"/>
+                </a:solidFill>
+                <a:latin typeface="Calibri" panose="020F0502020204030204" pitchFamily="34" charset="0"/>
+              </a:defRPr>
+            </a:lvl2pPr>
+            <a:lvl3pPr marL="1143000" indent="-228600">
+              <a:defRPr>
+                <a:solidFill>
+                  <a:schemeClr val="tx1"/>
+                </a:solidFill>
+                <a:latin typeface="Calibri" panose="020F0502020204030204" pitchFamily="34" charset="0"/>
+              </a:defRPr>
+            </a:lvl3pPr>
+            <a:lvl4pPr marL="1600200" indent="-228600">
+              <a:defRPr>
+                <a:solidFill>
+                  <a:schemeClr val="tx1"/>
+                </a:solidFill>
+                <a:latin typeface="Calibri" panose="020F0502020204030204" pitchFamily="34" charset="0"/>
+              </a:defRPr>
+            </a:lvl4pPr>
+            <a:lvl5pPr marL="2057400" indent="-228600">
+              <a:defRPr>
+                <a:solidFill>
+                  <a:schemeClr val="tx1"/>
+                </a:solidFill>
+                <a:latin typeface="Calibri" panose="020F0502020204030204" pitchFamily="34" charset="0"/>
+              </a:defRPr>
+            </a:lvl5pPr>
+            <a:lvl6pPr marL="2514600" indent="-228600" eaLnBrk="0" fontAlgn="base" hangingPunct="0">
+              <a:spcBef>
+                <a:spcPct val="0"/>
+              </a:spcBef>
+              <a:spcAft>
+                <a:spcPct val="0"/>
+              </a:spcAft>
+              <a:defRPr>
+                <a:solidFill>
+                  <a:schemeClr val="tx1"/>
+                </a:solidFill>
+                <a:latin typeface="Calibri" panose="020F0502020204030204" pitchFamily="34" charset="0"/>
+              </a:defRPr>
+            </a:lvl6pPr>
+            <a:lvl7pPr marL="2971800" indent="-228600" eaLnBrk="0" fontAlgn="base" hangingPunct="0">
+              <a:spcBef>
+                <a:spcPct val="0"/>
+              </a:spcBef>
+              <a:spcAft>
+                <a:spcPct val="0"/>
+              </a:spcAft>
+              <a:defRPr>
+                <a:solidFill>
+                  <a:schemeClr val="tx1"/>
+                </a:solidFill>
+                <a:latin typeface="Calibri" panose="020F0502020204030204" pitchFamily="34" charset="0"/>
+              </a:defRPr>
+            </a:lvl7pPr>
+            <a:lvl8pPr marL="3429000" indent="-228600" eaLnBrk="0" fontAlgn="base" hangingPunct="0">
+              <a:spcBef>
+                <a:spcPct val="0"/>
+              </a:spcBef>
+              <a:spcAft>
+                <a:spcPct val="0"/>
+              </a:spcAft>
+              <a:defRPr>
+                <a:solidFill>
+                  <a:schemeClr val="tx1"/>
+                </a:solidFill>
+                <a:latin typeface="Calibri" panose="020F0502020204030204" pitchFamily="34" charset="0"/>
+              </a:defRPr>
+            </a:lvl8pPr>
+            <a:lvl9pPr marL="3886200" indent="-228600" eaLnBrk="0" fontAlgn="base" hangingPunct="0">
+              <a:spcBef>
+                <a:spcPct val="0"/>
+              </a:spcBef>
+              <a:spcAft>
+                <a:spcPct val="0"/>
+              </a:spcAft>
+              <a:defRPr>
+                <a:solidFill>
+                  <a:schemeClr val="tx1"/>
+                </a:solidFill>
+                <a:latin typeface="Calibri" panose="020F0502020204030204" pitchFamily="34" charset="0"/>
+              </a:defRPr>
+            </a:lvl9pPr>
+          </a:lstStyle>
+          <a:p>
+            <a:pPr algn="ctr" eaLnBrk="1" hangingPunct="1"/>
+            <a:r>
+              <a:rPr lang="en-US" altLang="en-US" sz="1200" dirty="0">
+                <a:latin typeface="Arial" panose="020B0604020202020204" pitchFamily="34" charset="0"/>
+                <a:ea typeface="Amazon Ember" panose="020B0603020204020204" pitchFamily="34" charset="0"/>
+                <a:cs typeface="Arial" panose="020B0604020202020204" pitchFamily="34" charset="0"/>
+              </a:rPr>
+              <a:t>AWS Step Functions</a:t>
+            </a:r>
+          </a:p>
+        </p:txBody>
+      </p:sp>
+      <p:cxnSp>
+        <p:nvCxnSpPr>
+          <p:cNvPr id="72" name="Straight Arrow Connector 71">
+            <a:extLst>
+              <a:ext uri="{FF2B5EF4-FFF2-40B4-BE49-F238E27FC236}">
+                <a16:creationId xmlns:a16="http://schemas.microsoft.com/office/drawing/2014/main" id="{FABDBDDF-E2CC-EC4E-A78C-B58988D51F43}"/>
+              </a:ext>
+            </a:extLst>
+          </p:cNvPr>
+          <p:cNvCxnSpPr>
+            <a:cxnSpLocks/>
+          </p:cNvCxnSpPr>
+          <p:nvPr/>
+        </p:nvCxnSpPr>
+        <p:spPr bwMode="auto">
+          <a:xfrm>
+            <a:off x="5442393" y="1845014"/>
+            <a:ext cx="0" cy="381577"/>
+          </a:xfrm>
+          <a:prstGeom prst="straightConnector1">
+            <a:avLst/>
+          </a:prstGeom>
+          <a:ln w="12700">
+            <a:solidFill>
+              <a:srgbClr val="545B64"/>
+            </a:solidFill>
+            <a:headEnd type="arrow" w="med" len="sm"/>
+            <a:tailEnd type="arrow" w="med" len="sm"/>
+          </a:ln>
+        </p:spPr>
+        <p:style>
+          <a:lnRef idx="1">
+            <a:schemeClr val="accent1"/>
+          </a:lnRef>
+          <a:fillRef idx="0">
+            <a:schemeClr val="accent1"/>
+          </a:fillRef>
+          <a:effectRef idx="0">
+            <a:schemeClr val="accent1"/>
+          </a:effectRef>
+          <a:fontRef idx="minor">
+            <a:schemeClr val="tx1"/>
+          </a:fontRef>
+        </p:style>
+      </p:cxnSp>
+      <p:cxnSp>
+        <p:nvCxnSpPr>
+          <p:cNvPr id="76" name="Straight Arrow Connector 75">
+            <a:extLst>
+              <a:ext uri="{FF2B5EF4-FFF2-40B4-BE49-F238E27FC236}">
+                <a16:creationId xmlns:a16="http://schemas.microsoft.com/office/drawing/2014/main" id="{9DC3B835-2CF2-094D-BD25-F63E2F70BD29}"/>
+              </a:ext>
+            </a:extLst>
+          </p:cNvPr>
+          <p:cNvCxnSpPr>
+            <a:cxnSpLocks/>
+          </p:cNvCxnSpPr>
+          <p:nvPr/>
+        </p:nvCxnSpPr>
+        <p:spPr bwMode="auto">
+          <a:xfrm>
+            <a:off x="9169729" y="1857714"/>
+            <a:ext cx="0" cy="381577"/>
+          </a:xfrm>
+          <a:prstGeom prst="straightConnector1">
+            <a:avLst/>
+          </a:prstGeom>
+          <a:ln w="12700">
+            <a:solidFill>
+              <a:srgbClr val="545B64"/>
+            </a:solidFill>
+            <a:headEnd type="arrow" w="med" len="sm"/>
+            <a:tailEnd type="arrow" w="med" len="sm"/>
+          </a:ln>
+        </p:spPr>
+        <p:style>
+          <a:lnRef idx="1">
+            <a:schemeClr val="accent1"/>
+          </a:lnRef>
+          <a:fillRef idx="0">
+            <a:schemeClr val="accent1"/>
+          </a:fillRef>
+          <a:effectRef idx="0">
+            <a:schemeClr val="accent1"/>
+          </a:effectRef>
+          <a:fontRef idx="minor">
+            <a:schemeClr val="tx1"/>
+          </a:fontRef>
+        </p:style>
+      </p:cxnSp>
+      <p:pic>
+        <p:nvPicPr>
+          <p:cNvPr id="77" name="Graphic 7">
+            <a:extLst>
+              <a:ext uri="{FF2B5EF4-FFF2-40B4-BE49-F238E27FC236}">
+                <a16:creationId xmlns:a16="http://schemas.microsoft.com/office/drawing/2014/main" id="{AB79F268-FDE3-104E-B55A-9DCF8D14BFD6}"/>
+              </a:ext>
+            </a:extLst>
+          </p:cNvPr>
+          <p:cNvPicPr>
+            <a:picLocks noChangeAspect="1" noChangeArrowheads="1"/>
+          </p:cNvPicPr>
+          <p:nvPr/>
+        </p:nvPicPr>
+        <p:blipFill>
+          <a:blip r:embed="rId10">
+            <a:extLst>
+              <a:ext uri="{28A0092B-C50C-407E-A947-70E740481C1C}">
+                <a14:useLocalDpi xmlns:a14="http://schemas.microsoft.com/office/drawing/2010/main" val="0"/>
+              </a:ext>
+            </a:extLst>
+          </a:blip>
+          <a:srcRect/>
+          <a:stretch>
+            <a:fillRect/>
+          </a:stretch>
+        </p:blipFill>
+        <p:spPr bwMode="auto">
+          <a:xfrm>
+            <a:off x="3405468" y="3974454"/>
+            <a:ext cx="762000" cy="762000"/>
+          </a:xfrm>
+          <a:prstGeom prst="rect">
+            <a:avLst/>
+          </a:prstGeom>
+          <a:noFill/>
+          <a:ln>
+            <a:noFill/>
+          </a:ln>
+          <a:extLst>
+            <a:ext uri="{909E8E84-426E-40DD-AFC4-6F175D3DCCD1}">
+              <a14:hiddenFill xmlns:a14="http://schemas.microsoft.com/office/drawing/2010/main">
+                <a:solidFill>
+                  <a:srgbClr val="FFFFFF"/>
+                </a:solidFill>
+              </a14:hiddenFill>
+            </a:ext>
+            <a:ext uri="{91240B29-F687-4F45-9708-019B960494DF}">
+              <a14:hiddenLine xmlns:a14="http://schemas.microsoft.com/office/drawing/2010/main" w="9525">
+                <a:solidFill>
+                  <a:srgbClr val="000000"/>
+                </a:solidFill>
+                <a:miter lim="800000"/>
+                <a:headEnd/>
+                <a:tailEnd/>
+              </a14:hiddenLine>
+            </a:ext>
+          </a:extLst>
+        </p:spPr>
+      </p:pic>
+      <p:sp>
+        <p:nvSpPr>
+          <p:cNvPr id="78" name="TextBox 10">
+            <a:extLst>
+              <a:ext uri="{FF2B5EF4-FFF2-40B4-BE49-F238E27FC236}">
+                <a16:creationId xmlns:a16="http://schemas.microsoft.com/office/drawing/2014/main" id="{528F17AF-953E-9D48-BCC1-715B18C2A413}"/>
+              </a:ext>
+            </a:extLst>
+          </p:cNvPr>
+          <p:cNvSpPr txBox="1">
+            <a:spLocks noChangeArrowheads="1"/>
+          </p:cNvSpPr>
+          <p:nvPr/>
+        </p:nvSpPr>
+        <p:spPr bwMode="auto">
+          <a:xfrm>
+            <a:off x="2647406" y="4734866"/>
+            <a:ext cx="2268537" cy="461665"/>
+          </a:xfrm>
+          <a:prstGeom prst="rect">
+            <a:avLst/>
+          </a:prstGeom>
+          <a:noFill/>
+          <a:ln>
+            <a:noFill/>
+          </a:ln>
+          <a:extLst>
+            <a:ext uri="{909E8E84-426E-40DD-AFC4-6F175D3DCCD1}">
+              <a14:hiddenFill xmlns:a14="http://schemas.microsoft.com/office/drawing/2010/main">
+                <a:solidFill>
+                  <a:srgbClr val="FFFFFF"/>
+                </a:solidFill>
+              </a14:hiddenFill>
+            </a:ext>
+            <a:ext uri="{91240B29-F687-4F45-9708-019B960494DF}">
+              <a14:hiddenLine xmlns:a14="http://schemas.microsoft.com/office/drawing/2010/main" w="9525">
+                <a:solidFill>
+                  <a:srgbClr val="000000"/>
+                </a:solidFill>
+                <a:miter lim="800000"/>
+                <a:headEnd/>
+                <a:tailEnd/>
+              </a14:hiddenLine>
+            </a:ext>
+          </a:extLst>
+        </p:spPr>
+        <p:txBody>
+          <a:bodyPr>
+            <a:spAutoFit/>
+          </a:bodyPr>
+          <a:lstStyle>
+            <a:lvl1pPr>
+              <a:defRPr>
+                <a:solidFill>
+                  <a:schemeClr val="tx1"/>
+                </a:solidFill>
+                <a:latin typeface="Calibri" panose="020F0502020204030204" pitchFamily="34" charset="0"/>
+              </a:defRPr>
+            </a:lvl1pPr>
+            <a:lvl2pPr marL="742950" indent="-285750">
+              <a:defRPr>
+                <a:solidFill>
+                  <a:schemeClr val="tx1"/>
+                </a:solidFill>
+                <a:latin typeface="Calibri" panose="020F0502020204030204" pitchFamily="34" charset="0"/>
+              </a:defRPr>
+            </a:lvl2pPr>
+            <a:lvl3pPr marL="1143000" indent="-228600">
+              <a:defRPr>
+                <a:solidFill>
+                  <a:schemeClr val="tx1"/>
+                </a:solidFill>
+                <a:latin typeface="Calibri" panose="020F0502020204030204" pitchFamily="34" charset="0"/>
+              </a:defRPr>
+            </a:lvl3pPr>
+            <a:lvl4pPr marL="1600200" indent="-228600">
+              <a:defRPr>
+                <a:solidFill>
+                  <a:schemeClr val="tx1"/>
+                </a:solidFill>
+                <a:latin typeface="Calibri" panose="020F0502020204030204" pitchFamily="34" charset="0"/>
+              </a:defRPr>
+            </a:lvl4pPr>
+            <a:lvl5pPr marL="2057400" indent="-228600">
+              <a:defRPr>
+                <a:solidFill>
+                  <a:schemeClr val="tx1"/>
+                </a:solidFill>
+                <a:latin typeface="Calibri" panose="020F0502020204030204" pitchFamily="34" charset="0"/>
+              </a:defRPr>
+            </a:lvl5pPr>
+            <a:lvl6pPr marL="2514600" indent="-228600" eaLnBrk="0" fontAlgn="base" hangingPunct="0">
+              <a:spcBef>
+                <a:spcPct val="0"/>
+              </a:spcBef>
+              <a:spcAft>
+                <a:spcPct val="0"/>
+              </a:spcAft>
+              <a:defRPr>
+                <a:solidFill>
+                  <a:schemeClr val="tx1"/>
+                </a:solidFill>
+                <a:latin typeface="Calibri" panose="020F0502020204030204" pitchFamily="34" charset="0"/>
+              </a:defRPr>
+            </a:lvl6pPr>
+            <a:lvl7pPr marL="2971800" indent="-228600" eaLnBrk="0" fontAlgn="base" hangingPunct="0">
+              <a:spcBef>
+                <a:spcPct val="0"/>
+              </a:spcBef>
+              <a:spcAft>
+                <a:spcPct val="0"/>
+              </a:spcAft>
+              <a:defRPr>
+                <a:solidFill>
+                  <a:schemeClr val="tx1"/>
+                </a:solidFill>
+                <a:latin typeface="Calibri" panose="020F0502020204030204" pitchFamily="34" charset="0"/>
+              </a:defRPr>
+            </a:lvl7pPr>
+            <a:lvl8pPr marL="3429000" indent="-228600" eaLnBrk="0" fontAlgn="base" hangingPunct="0">
+              <a:spcBef>
+                <a:spcPct val="0"/>
+              </a:spcBef>
+              <a:spcAft>
+                <a:spcPct val="0"/>
+              </a:spcAft>
+              <a:defRPr>
+                <a:solidFill>
+                  <a:schemeClr val="tx1"/>
+                </a:solidFill>
+                <a:latin typeface="Calibri" panose="020F0502020204030204" pitchFamily="34" charset="0"/>
+              </a:defRPr>
+            </a:lvl8pPr>
+            <a:lvl9pPr marL="3886200" indent="-228600" eaLnBrk="0" fontAlgn="base" hangingPunct="0">
+              <a:spcBef>
+                <a:spcPct val="0"/>
+              </a:spcBef>
+              <a:spcAft>
+                <a:spcPct val="0"/>
+              </a:spcAft>
+              <a:defRPr>
+                <a:solidFill>
+                  <a:schemeClr val="tx1"/>
+                </a:solidFill>
+                <a:latin typeface="Calibri" panose="020F0502020204030204" pitchFamily="34" charset="0"/>
+              </a:defRPr>
+            </a:lvl9pPr>
+          </a:lstStyle>
+          <a:p>
+            <a:pPr algn="ctr" eaLnBrk="1" hangingPunct="1"/>
+            <a:r>
+              <a:rPr lang="en-US" altLang="en-US" sz="1200" dirty="0">
+                <a:latin typeface="Arial" panose="020B0604020202020204" pitchFamily="34" charset="0"/>
+                <a:ea typeface="Amazon Ember" panose="020B0603020204020204" pitchFamily="34" charset="0"/>
+                <a:cs typeface="Arial" panose="020B0604020202020204" pitchFamily="34" charset="0"/>
+              </a:rPr>
+              <a:t>Amazon QuickSight</a:t>
+            </a:r>
+            <a:br>
+              <a:rPr lang="en-US" altLang="en-US" sz="1200" dirty="0">
+                <a:latin typeface="Arial" panose="020B0604020202020204" pitchFamily="34" charset="0"/>
+                <a:ea typeface="Amazon Ember" panose="020B0603020204020204" pitchFamily="34" charset="0"/>
+                <a:cs typeface="Arial" panose="020B0604020202020204" pitchFamily="34" charset="0"/>
+              </a:rPr>
+            </a:br>
+            <a:r>
+              <a:rPr lang="en-US" altLang="en-US" sz="1200" dirty="0">
+                <a:latin typeface="Arial" panose="020B0604020202020204" pitchFamily="34" charset="0"/>
+                <a:ea typeface="Amazon Ember" panose="020B0603020204020204" pitchFamily="34" charset="0"/>
+                <a:cs typeface="Arial" panose="020B0604020202020204" pitchFamily="34" charset="0"/>
+              </a:rPr>
+              <a:t>(Optional)</a:t>
+            </a:r>
+          </a:p>
+        </p:txBody>
+      </p:sp>
+      <p:cxnSp>
+        <p:nvCxnSpPr>
+          <p:cNvPr id="80" name="Straight Arrow Connector 79">
+            <a:extLst>
+              <a:ext uri="{FF2B5EF4-FFF2-40B4-BE49-F238E27FC236}">
+                <a16:creationId xmlns:a16="http://schemas.microsoft.com/office/drawing/2014/main" id="{A7E1646E-3BFA-BD45-B918-7D07B8F9EF6D}"/>
+              </a:ext>
+            </a:extLst>
+          </p:cNvPr>
+          <p:cNvCxnSpPr>
+            <a:cxnSpLocks/>
+          </p:cNvCxnSpPr>
+          <p:nvPr/>
+        </p:nvCxnSpPr>
+        <p:spPr bwMode="auto">
+          <a:xfrm>
+            <a:off x="9668211" y="2769794"/>
+            <a:ext cx="719318" cy="0"/>
+          </a:xfrm>
+          <a:prstGeom prst="straightConnector1">
+            <a:avLst/>
+          </a:prstGeom>
+          <a:ln w="12700">
+            <a:solidFill>
+              <a:srgbClr val="545B64"/>
+            </a:solidFill>
+            <a:headEnd type="none" w="med" len="sm"/>
+            <a:tailEnd type="arrow" w="med" len="sm"/>
+          </a:ln>
+        </p:spPr>
+        <p:style>
+          <a:lnRef idx="1">
+            <a:schemeClr val="accent1"/>
+          </a:lnRef>
+          <a:fillRef idx="0">
+            <a:schemeClr val="accent1"/>
+          </a:fillRef>
+          <a:effectRef idx="0">
+            <a:schemeClr val="accent1"/>
+          </a:effectRef>
+          <a:fontRef idx="minor">
+            <a:schemeClr val="tx1"/>
+          </a:fontRef>
+        </p:style>
+      </p:cxnSp>
+      <p:pic>
+        <p:nvPicPr>
+          <p:cNvPr id="81" name="Graphic 8">
+            <a:extLst>
+              <a:ext uri="{FF2B5EF4-FFF2-40B4-BE49-F238E27FC236}">
+                <a16:creationId xmlns:a16="http://schemas.microsoft.com/office/drawing/2014/main" id="{5F2EF506-F30A-7E45-9043-33BFDA12C27E}"/>
+              </a:ext>
+            </a:extLst>
+          </p:cNvPr>
+          <p:cNvPicPr>
+            <a:picLocks noChangeAspect="1" noChangeArrowheads="1"/>
+          </p:cNvPicPr>
+          <p:nvPr/>
+        </p:nvPicPr>
+        <p:blipFill>
+          <a:blip r:embed="rId9">
+            <a:extLst>
+              <a:ext uri="{28A0092B-C50C-407E-A947-70E740481C1C}">
+                <a14:useLocalDpi xmlns:a14="http://schemas.microsoft.com/office/drawing/2010/main" val="0"/>
+              </a:ext>
+            </a:extLst>
+          </a:blip>
+          <a:srcRect/>
+          <a:stretch>
+            <a:fillRect/>
+          </a:stretch>
+        </p:blipFill>
+        <p:spPr bwMode="auto">
+          <a:xfrm>
+            <a:off x="10605505" y="2333683"/>
+            <a:ext cx="762000" cy="762000"/>
+          </a:xfrm>
+          <a:prstGeom prst="rect">
+            <a:avLst/>
+          </a:prstGeom>
+          <a:noFill/>
+          <a:ln>
+            <a:noFill/>
+          </a:ln>
+          <a:extLst>
+            <a:ext uri="{909E8E84-426E-40DD-AFC4-6F175D3DCCD1}">
+              <a14:hiddenFill xmlns:a14="http://schemas.microsoft.com/office/drawing/2010/main">
+                <a:solidFill>
+                  <a:srgbClr val="FFFFFF"/>
+                </a:solidFill>
+              </a14:hiddenFill>
+            </a:ext>
+            <a:ext uri="{91240B29-F687-4F45-9708-019B960494DF}">
+              <a14:hiddenLine xmlns:a14="http://schemas.microsoft.com/office/drawing/2010/main" w="9525">
+                <a:solidFill>
+                  <a:srgbClr val="000000"/>
+                </a:solidFill>
+                <a:miter lim="800000"/>
+                <a:headEnd/>
+                <a:tailEnd/>
+              </a14:hiddenLine>
+            </a:ext>
+          </a:extLst>
+        </p:spPr>
+      </p:pic>
+      <p:sp>
+        <p:nvSpPr>
+          <p:cNvPr id="82" name="TextBox 9">
+            <a:extLst>
+              <a:ext uri="{FF2B5EF4-FFF2-40B4-BE49-F238E27FC236}">
+                <a16:creationId xmlns:a16="http://schemas.microsoft.com/office/drawing/2014/main" id="{1D761FAC-A477-F443-8C9E-D87370A1E222}"/>
+              </a:ext>
+            </a:extLst>
+          </p:cNvPr>
+          <p:cNvSpPr txBox="1">
+            <a:spLocks noChangeArrowheads="1"/>
+          </p:cNvSpPr>
+          <p:nvPr/>
+        </p:nvSpPr>
+        <p:spPr bwMode="auto">
+          <a:xfrm>
+            <a:off x="9865730" y="3097270"/>
+            <a:ext cx="2239962" cy="461665"/>
+          </a:xfrm>
+          <a:prstGeom prst="rect">
+            <a:avLst/>
+          </a:prstGeom>
+          <a:noFill/>
+          <a:ln>
+            <a:noFill/>
+          </a:ln>
+          <a:extLst>
+            <a:ext uri="{909E8E84-426E-40DD-AFC4-6F175D3DCCD1}">
+              <a14:hiddenFill xmlns:a14="http://schemas.microsoft.com/office/drawing/2010/main">
+                <a:solidFill>
+                  <a:srgbClr val="FFFFFF"/>
+                </a:solidFill>
+              </a14:hiddenFill>
+            </a:ext>
+            <a:ext uri="{91240B29-F687-4F45-9708-019B960494DF}">
+              <a14:hiddenLine xmlns:a14="http://schemas.microsoft.com/office/drawing/2010/main" w="9525">
+                <a:solidFill>
+                  <a:srgbClr val="000000"/>
+                </a:solidFill>
+                <a:miter lim="800000"/>
+                <a:headEnd/>
+                <a:tailEnd/>
+              </a14:hiddenLine>
+            </a:ext>
+          </a:extLst>
+        </p:spPr>
+        <p:txBody>
+          <a:bodyPr>
+            <a:spAutoFit/>
+          </a:bodyPr>
+          <a:lstStyle>
+            <a:lvl1pPr>
+              <a:defRPr>
+                <a:solidFill>
+                  <a:schemeClr val="tx1"/>
+                </a:solidFill>
+                <a:latin typeface="Calibri" panose="020F0502020204030204" pitchFamily="34" charset="0"/>
+              </a:defRPr>
+            </a:lvl1pPr>
+            <a:lvl2pPr marL="742950" indent="-285750">
+              <a:defRPr>
+                <a:solidFill>
+                  <a:schemeClr val="tx1"/>
+                </a:solidFill>
+                <a:latin typeface="Calibri" panose="020F0502020204030204" pitchFamily="34" charset="0"/>
+              </a:defRPr>
+            </a:lvl2pPr>
+            <a:lvl3pPr marL="1143000" indent="-228600">
+              <a:defRPr>
+                <a:solidFill>
+                  <a:schemeClr val="tx1"/>
+                </a:solidFill>
+                <a:latin typeface="Calibri" panose="020F0502020204030204" pitchFamily="34" charset="0"/>
+              </a:defRPr>
+            </a:lvl3pPr>
+            <a:lvl4pPr marL="1600200" indent="-228600">
+              <a:defRPr>
+                <a:solidFill>
+                  <a:schemeClr val="tx1"/>
+                </a:solidFill>
+                <a:latin typeface="Calibri" panose="020F0502020204030204" pitchFamily="34" charset="0"/>
+              </a:defRPr>
+            </a:lvl4pPr>
+            <a:lvl5pPr marL="2057400" indent="-228600">
+              <a:defRPr>
+                <a:solidFill>
+                  <a:schemeClr val="tx1"/>
+                </a:solidFill>
+                <a:latin typeface="Calibri" panose="020F0502020204030204" pitchFamily="34" charset="0"/>
+              </a:defRPr>
+            </a:lvl5pPr>
+            <a:lvl6pPr marL="2514600" indent="-228600" eaLnBrk="0" fontAlgn="base" hangingPunct="0">
+              <a:spcBef>
+                <a:spcPct val="0"/>
+              </a:spcBef>
+              <a:spcAft>
+                <a:spcPct val="0"/>
+              </a:spcAft>
+              <a:defRPr>
+                <a:solidFill>
+                  <a:schemeClr val="tx1"/>
+                </a:solidFill>
+                <a:latin typeface="Calibri" panose="020F0502020204030204" pitchFamily="34" charset="0"/>
+              </a:defRPr>
+            </a:lvl6pPr>
+            <a:lvl7pPr marL="2971800" indent="-228600" eaLnBrk="0" fontAlgn="base" hangingPunct="0">
+              <a:spcBef>
+                <a:spcPct val="0"/>
+              </a:spcBef>
+              <a:spcAft>
+                <a:spcPct val="0"/>
+              </a:spcAft>
+              <a:defRPr>
+                <a:solidFill>
+                  <a:schemeClr val="tx1"/>
+                </a:solidFill>
+                <a:latin typeface="Calibri" panose="020F0502020204030204" pitchFamily="34" charset="0"/>
+              </a:defRPr>
+            </a:lvl7pPr>
+            <a:lvl8pPr marL="3429000" indent="-228600" eaLnBrk="0" fontAlgn="base" hangingPunct="0">
+              <a:spcBef>
+                <a:spcPct val="0"/>
+              </a:spcBef>
+              <a:spcAft>
+                <a:spcPct val="0"/>
+              </a:spcAft>
+              <a:defRPr>
+                <a:solidFill>
+                  <a:schemeClr val="tx1"/>
+                </a:solidFill>
+                <a:latin typeface="Calibri" panose="020F0502020204030204" pitchFamily="34" charset="0"/>
+              </a:defRPr>
+            </a:lvl8pPr>
+            <a:lvl9pPr marL="3886200" indent="-228600" eaLnBrk="0" fontAlgn="base" hangingPunct="0">
+              <a:spcBef>
+                <a:spcPct val="0"/>
+              </a:spcBef>
+              <a:spcAft>
+                <a:spcPct val="0"/>
+              </a:spcAft>
+              <a:defRPr>
+                <a:solidFill>
+                  <a:schemeClr val="tx1"/>
+                </a:solidFill>
+                <a:latin typeface="Calibri" panose="020F0502020204030204" pitchFamily="34" charset="0"/>
+              </a:defRPr>
+            </a:lvl9pPr>
+          </a:lstStyle>
+          <a:p>
+            <a:pPr algn="ctr" eaLnBrk="1" hangingPunct="1"/>
+            <a:r>
+              <a:rPr lang="en-US" altLang="en-US" sz="1200" dirty="0">
+                <a:latin typeface="Arial" panose="020B0604020202020204" pitchFamily="34" charset="0"/>
+                <a:ea typeface="Amazon Ember" panose="020B0603020204020204" pitchFamily="34" charset="0"/>
+                <a:cs typeface="Arial" panose="020B0604020202020204" pitchFamily="34" charset="0"/>
+              </a:rPr>
+              <a:t>Amazon S3</a:t>
+            </a:r>
+            <a:br>
+              <a:rPr lang="en-US" altLang="en-US" sz="1200" dirty="0">
+                <a:latin typeface="Arial" panose="020B0604020202020204" pitchFamily="34" charset="0"/>
+                <a:ea typeface="Amazon Ember" panose="020B0603020204020204" pitchFamily="34" charset="0"/>
+                <a:cs typeface="Arial" panose="020B0604020202020204" pitchFamily="34" charset="0"/>
+              </a:rPr>
+            </a:br>
+            <a:r>
+              <a:rPr lang="en-US" altLang="en-US" sz="1200" dirty="0">
+                <a:latin typeface="Arial" panose="020B0604020202020204" pitchFamily="34" charset="0"/>
+                <a:ea typeface="Amazon Ember" panose="020B0603020204020204" pitchFamily="34" charset="0"/>
+                <a:cs typeface="Arial" panose="020B0604020202020204" pitchFamily="34" charset="0"/>
+              </a:rPr>
+              <a:t>Post Stage</a:t>
+            </a:r>
+          </a:p>
+        </p:txBody>
+      </p:sp>
+      <p:pic>
+        <p:nvPicPr>
+          <p:cNvPr id="87" name="Graphic 6">
+            <a:extLst>
+              <a:ext uri="{FF2B5EF4-FFF2-40B4-BE49-F238E27FC236}">
+                <a16:creationId xmlns:a16="http://schemas.microsoft.com/office/drawing/2014/main" id="{258B4826-85EF-2A45-A017-FA33FBA29A6F}"/>
+              </a:ext>
+            </a:extLst>
+          </p:cNvPr>
+          <p:cNvPicPr>
+            <a:picLocks noChangeAspect="1" noChangeArrowheads="1"/>
+          </p:cNvPicPr>
+          <p:nvPr/>
+        </p:nvPicPr>
+        <p:blipFill>
+          <a:blip r:embed="rId7">
+            <a:extLst>
+              <a:ext uri="{28A0092B-C50C-407E-A947-70E740481C1C}">
+                <a14:useLocalDpi xmlns:a14="http://schemas.microsoft.com/office/drawing/2010/main" val="0"/>
+              </a:ext>
+            </a:extLst>
+          </a:blip>
+          <a:srcRect/>
+          <a:stretch>
+            <a:fillRect/>
+          </a:stretch>
+        </p:blipFill>
+        <p:spPr bwMode="auto">
+          <a:xfrm>
+            <a:off x="8794278" y="3958893"/>
+            <a:ext cx="762000" cy="762000"/>
+          </a:xfrm>
+          <a:prstGeom prst="rect">
+            <a:avLst/>
+          </a:prstGeom>
+          <a:noFill/>
+          <a:ln>
+            <a:noFill/>
+          </a:ln>
+          <a:extLst>
+            <a:ext uri="{909E8E84-426E-40DD-AFC4-6F175D3DCCD1}">
+              <a14:hiddenFill xmlns:a14="http://schemas.microsoft.com/office/drawing/2010/main">
+                <a:solidFill>
+                  <a:srgbClr val="FFFFFF"/>
+                </a:solidFill>
+              </a14:hiddenFill>
+            </a:ext>
+            <a:ext uri="{91240B29-F687-4F45-9708-019B960494DF}">
+              <a14:hiddenLine xmlns:a14="http://schemas.microsoft.com/office/drawing/2010/main" w="9525">
+                <a:solidFill>
+                  <a:srgbClr val="000000"/>
+                </a:solidFill>
+                <a:miter lim="800000"/>
+                <a:headEnd/>
+                <a:tailEnd/>
+              </a14:hiddenLine>
+            </a:ext>
+          </a:extLst>
+        </p:spPr>
+      </p:pic>
+      <p:sp>
+        <p:nvSpPr>
+          <p:cNvPr id="88" name="TextBox 10">
+            <a:extLst>
+              <a:ext uri="{FF2B5EF4-FFF2-40B4-BE49-F238E27FC236}">
+                <a16:creationId xmlns:a16="http://schemas.microsoft.com/office/drawing/2014/main" id="{026A5F8E-531D-9349-BB27-05AE06E17C2A}"/>
+              </a:ext>
+            </a:extLst>
+          </p:cNvPr>
+          <p:cNvSpPr txBox="1">
+            <a:spLocks noChangeArrowheads="1"/>
+          </p:cNvSpPr>
+          <p:nvPr/>
+        </p:nvSpPr>
+        <p:spPr bwMode="auto">
+          <a:xfrm>
+            <a:off x="8027516" y="4724068"/>
+            <a:ext cx="2268537" cy="276999"/>
+          </a:xfrm>
+          <a:prstGeom prst="rect">
+            <a:avLst/>
+          </a:prstGeom>
+          <a:noFill/>
+          <a:ln>
+            <a:noFill/>
+          </a:ln>
+          <a:extLst>
+            <a:ext uri="{909E8E84-426E-40DD-AFC4-6F175D3DCCD1}">
+              <a14:hiddenFill xmlns:a14="http://schemas.microsoft.com/office/drawing/2010/main">
+                <a:solidFill>
+                  <a:srgbClr val="FFFFFF"/>
+                </a:solidFill>
+              </a14:hiddenFill>
+            </a:ext>
+            <a:ext uri="{91240B29-F687-4F45-9708-019B960494DF}">
+              <a14:hiddenLine xmlns:a14="http://schemas.microsoft.com/office/drawing/2010/main" w="9525">
+                <a:solidFill>
+                  <a:srgbClr val="000000"/>
+                </a:solidFill>
+                <a:miter lim="800000"/>
+                <a:headEnd/>
+                <a:tailEnd/>
+              </a14:hiddenLine>
+            </a:ext>
+          </a:extLst>
+        </p:spPr>
+        <p:txBody>
+          <a:bodyPr>
+            <a:spAutoFit/>
+          </a:bodyPr>
+          <a:lstStyle>
+            <a:lvl1pPr>
+              <a:defRPr>
+                <a:solidFill>
+                  <a:schemeClr val="tx1"/>
+                </a:solidFill>
+                <a:latin typeface="Calibri" panose="020F0502020204030204" pitchFamily="34" charset="0"/>
+              </a:defRPr>
+            </a:lvl1pPr>
+            <a:lvl2pPr marL="742950" indent="-285750">
+              <a:defRPr>
+                <a:solidFill>
+                  <a:schemeClr val="tx1"/>
+                </a:solidFill>
+                <a:latin typeface="Calibri" panose="020F0502020204030204" pitchFamily="34" charset="0"/>
+              </a:defRPr>
+            </a:lvl2pPr>
+            <a:lvl3pPr marL="1143000" indent="-228600">
+              <a:defRPr>
+                <a:solidFill>
+                  <a:schemeClr val="tx1"/>
+                </a:solidFill>
+                <a:latin typeface="Calibri" panose="020F0502020204030204" pitchFamily="34" charset="0"/>
+              </a:defRPr>
+            </a:lvl3pPr>
+            <a:lvl4pPr marL="1600200" indent="-228600">
+              <a:defRPr>
+                <a:solidFill>
+                  <a:schemeClr val="tx1"/>
+                </a:solidFill>
+                <a:latin typeface="Calibri" panose="020F0502020204030204" pitchFamily="34" charset="0"/>
+              </a:defRPr>
+            </a:lvl4pPr>
+            <a:lvl5pPr marL="2057400" indent="-228600">
+              <a:defRPr>
+                <a:solidFill>
+                  <a:schemeClr val="tx1"/>
+                </a:solidFill>
+                <a:latin typeface="Calibri" panose="020F0502020204030204" pitchFamily="34" charset="0"/>
+              </a:defRPr>
+            </a:lvl5pPr>
+            <a:lvl6pPr marL="2514600" indent="-228600" eaLnBrk="0" fontAlgn="base" hangingPunct="0">
+              <a:spcBef>
+                <a:spcPct val="0"/>
+              </a:spcBef>
+              <a:spcAft>
+                <a:spcPct val="0"/>
+              </a:spcAft>
+              <a:defRPr>
+                <a:solidFill>
+                  <a:schemeClr val="tx1"/>
+                </a:solidFill>
+                <a:latin typeface="Calibri" panose="020F0502020204030204" pitchFamily="34" charset="0"/>
+              </a:defRPr>
+            </a:lvl6pPr>
+            <a:lvl7pPr marL="2971800" indent="-228600" eaLnBrk="0" fontAlgn="base" hangingPunct="0">
+              <a:spcBef>
+                <a:spcPct val="0"/>
+              </a:spcBef>
+              <a:spcAft>
+                <a:spcPct val="0"/>
+              </a:spcAft>
+              <a:defRPr>
+                <a:solidFill>
+                  <a:schemeClr val="tx1"/>
+                </a:solidFill>
+                <a:latin typeface="Calibri" panose="020F0502020204030204" pitchFamily="34" charset="0"/>
+              </a:defRPr>
+            </a:lvl7pPr>
+            <a:lvl8pPr marL="3429000" indent="-228600" eaLnBrk="0" fontAlgn="base" hangingPunct="0">
+              <a:spcBef>
+                <a:spcPct val="0"/>
+              </a:spcBef>
+              <a:spcAft>
+                <a:spcPct val="0"/>
+              </a:spcAft>
+              <a:defRPr>
+                <a:solidFill>
+                  <a:schemeClr val="tx1"/>
+                </a:solidFill>
+                <a:latin typeface="Calibri" panose="020F0502020204030204" pitchFamily="34" charset="0"/>
+              </a:defRPr>
+            </a:lvl8pPr>
+            <a:lvl9pPr marL="3886200" indent="-228600" eaLnBrk="0" fontAlgn="base" hangingPunct="0">
+              <a:spcBef>
+                <a:spcPct val="0"/>
+              </a:spcBef>
+              <a:spcAft>
+                <a:spcPct val="0"/>
+              </a:spcAft>
+              <a:defRPr>
+                <a:solidFill>
+                  <a:schemeClr val="tx1"/>
+                </a:solidFill>
+                <a:latin typeface="Calibri" panose="020F0502020204030204" pitchFamily="34" charset="0"/>
+              </a:defRPr>
+            </a:lvl9pPr>
+          </a:lstStyle>
+          <a:p>
+            <a:pPr algn="ctr" eaLnBrk="1" hangingPunct="1"/>
+            <a:r>
+              <a:rPr lang="en-US" altLang="en-US" sz="1200" dirty="0">
+                <a:latin typeface="Arial" panose="020B0604020202020204" pitchFamily="34" charset="0"/>
+                <a:ea typeface="Amazon Ember" panose="020B0603020204020204" pitchFamily="34" charset="0"/>
+                <a:cs typeface="Arial" panose="020B0604020202020204" pitchFamily="34" charset="0"/>
+              </a:rPr>
+              <a:t>AWS Glue (Catalog)</a:t>
+            </a:r>
+          </a:p>
+        </p:txBody>
+      </p:sp>
+      <p:pic>
+        <p:nvPicPr>
+          <p:cNvPr id="89" name="Graphic 22">
+            <a:extLst>
+              <a:ext uri="{FF2B5EF4-FFF2-40B4-BE49-F238E27FC236}">
+                <a16:creationId xmlns:a16="http://schemas.microsoft.com/office/drawing/2014/main" id="{83070C4D-D478-0242-A624-73D34A520AFF}"/>
+              </a:ext>
+            </a:extLst>
+          </p:cNvPr>
+          <p:cNvPicPr>
+            <a:picLocks noChangeAspect="1" noChangeArrowheads="1"/>
+          </p:cNvPicPr>
+          <p:nvPr/>
+        </p:nvPicPr>
+        <p:blipFill>
+          <a:blip r:embed="rId11">
+            <a:extLst>
+              <a:ext uri="{96DAC541-7B7A-43D3-8B79-37D633B846F1}">
+                <asvg:svgBlip xmlns:asvg="http://schemas.microsoft.com/office/drawing/2016/SVG/main" r:embed="rId12"/>
+              </a:ext>
+            </a:extLst>
+          </a:blip>
+          <a:srcRect/>
+          <a:stretch/>
+        </p:blipFill>
+        <p:spPr bwMode="auto">
+          <a:xfrm>
+            <a:off x="1297415" y="5724602"/>
+            <a:ext cx="469900" cy="469900"/>
+          </a:xfrm>
+          <a:prstGeom prst="rect">
+            <a:avLst/>
+          </a:prstGeom>
+          <a:noFill/>
+          <a:ln>
+            <a:noFill/>
+          </a:ln>
+          <a:extLst>
+            <a:ext uri="{909E8E84-426E-40DD-AFC4-6F175D3DCCD1}">
+              <a14:hiddenFill xmlns:a14="http://schemas.microsoft.com/office/drawing/2010/main">
+                <a:solidFill>
+                  <a:srgbClr val="FFFFFF"/>
+                </a:solidFill>
+              </a14:hiddenFill>
+            </a:ext>
+            <a:ext uri="{91240B29-F687-4F45-9708-019B960494DF}">
+              <a14:hiddenLine xmlns:a14="http://schemas.microsoft.com/office/drawing/2010/main" w="9525">
+                <a:solidFill>
+                  <a:srgbClr val="000000"/>
+                </a:solidFill>
+                <a:miter lim="800000"/>
+                <a:headEnd/>
+                <a:tailEnd/>
+              </a14:hiddenLine>
+            </a:ext>
+          </a:extLst>
+        </p:spPr>
+      </p:pic>
+      <p:sp>
+        <p:nvSpPr>
+          <p:cNvPr id="90" name="TextBox 39">
+            <a:extLst>
+              <a:ext uri="{FF2B5EF4-FFF2-40B4-BE49-F238E27FC236}">
+                <a16:creationId xmlns:a16="http://schemas.microsoft.com/office/drawing/2014/main" id="{200F9607-45ED-D04F-B1FB-13B97FFBECE5}"/>
+              </a:ext>
+            </a:extLst>
+          </p:cNvPr>
+          <p:cNvSpPr txBox="1">
+            <a:spLocks noChangeArrowheads="1"/>
+          </p:cNvSpPr>
+          <p:nvPr/>
+        </p:nvSpPr>
+        <p:spPr bwMode="auto">
+          <a:xfrm>
+            <a:off x="995790" y="6296102"/>
+            <a:ext cx="1073150" cy="261610"/>
+          </a:xfrm>
+          <a:prstGeom prst="rect">
+            <a:avLst/>
+          </a:prstGeom>
+          <a:noFill/>
+          <a:ln>
+            <a:noFill/>
+          </a:ln>
+          <a:extLst>
+            <a:ext uri="{909E8E84-426E-40DD-AFC4-6F175D3DCCD1}">
+              <a14:hiddenFill xmlns:a14="http://schemas.microsoft.com/office/drawing/2010/main">
+                <a:solidFill>
+                  <a:srgbClr val="FFFFFF"/>
+                </a:solidFill>
+              </a14:hiddenFill>
+            </a:ext>
+            <a:ext uri="{91240B29-F687-4F45-9708-019B960494DF}">
+              <a14:hiddenLine xmlns:a14="http://schemas.microsoft.com/office/drawing/2010/main" w="9525">
+                <a:solidFill>
+                  <a:srgbClr val="000000"/>
+                </a:solidFill>
+                <a:miter lim="800000"/>
+                <a:headEnd/>
+                <a:tailEnd/>
+              </a14:hiddenLine>
+            </a:ext>
+          </a:extLst>
+        </p:spPr>
+        <p:txBody>
+          <a:bodyPr>
+            <a:spAutoFit/>
+          </a:bodyPr>
+          <a:lstStyle>
+            <a:lvl1pPr>
+              <a:defRPr>
+                <a:solidFill>
+                  <a:schemeClr val="tx1"/>
+                </a:solidFill>
+                <a:latin typeface="Calibri" panose="020F0502020204030204" pitchFamily="34" charset="0"/>
+              </a:defRPr>
+            </a:lvl1pPr>
+            <a:lvl2pPr marL="742950" indent="-285750">
+              <a:defRPr>
+                <a:solidFill>
+                  <a:schemeClr val="tx1"/>
+                </a:solidFill>
+                <a:latin typeface="Calibri" panose="020F0502020204030204" pitchFamily="34" charset="0"/>
+              </a:defRPr>
+            </a:lvl2pPr>
+            <a:lvl3pPr marL="1143000" indent="-228600">
+              <a:defRPr>
+                <a:solidFill>
+                  <a:schemeClr val="tx1"/>
+                </a:solidFill>
+                <a:latin typeface="Calibri" panose="020F0502020204030204" pitchFamily="34" charset="0"/>
+              </a:defRPr>
+            </a:lvl3pPr>
+            <a:lvl4pPr marL="1600200" indent="-228600">
+              <a:defRPr>
+                <a:solidFill>
+                  <a:schemeClr val="tx1"/>
+                </a:solidFill>
+                <a:latin typeface="Calibri" panose="020F0502020204030204" pitchFamily="34" charset="0"/>
+              </a:defRPr>
+            </a:lvl4pPr>
+            <a:lvl5pPr marL="2057400" indent="-228600">
+              <a:defRPr>
+                <a:solidFill>
+                  <a:schemeClr val="tx1"/>
+                </a:solidFill>
+                <a:latin typeface="Calibri" panose="020F0502020204030204" pitchFamily="34" charset="0"/>
+              </a:defRPr>
+            </a:lvl5pPr>
+            <a:lvl6pPr marL="2514600" indent="-228600" eaLnBrk="0" fontAlgn="base" hangingPunct="0">
+              <a:spcBef>
+                <a:spcPct val="0"/>
+              </a:spcBef>
+              <a:spcAft>
+                <a:spcPct val="0"/>
+              </a:spcAft>
+              <a:defRPr>
+                <a:solidFill>
+                  <a:schemeClr val="tx1"/>
+                </a:solidFill>
+                <a:latin typeface="Calibri" panose="020F0502020204030204" pitchFamily="34" charset="0"/>
+              </a:defRPr>
+            </a:lvl6pPr>
+            <a:lvl7pPr marL="2971800" indent="-228600" eaLnBrk="0" fontAlgn="base" hangingPunct="0">
+              <a:spcBef>
+                <a:spcPct val="0"/>
+              </a:spcBef>
+              <a:spcAft>
+                <a:spcPct val="0"/>
+              </a:spcAft>
+              <a:defRPr>
+                <a:solidFill>
+                  <a:schemeClr val="tx1"/>
+                </a:solidFill>
+                <a:latin typeface="Calibri" panose="020F0502020204030204" pitchFamily="34" charset="0"/>
+              </a:defRPr>
+            </a:lvl7pPr>
+            <a:lvl8pPr marL="3429000" indent="-228600" eaLnBrk="0" fontAlgn="base" hangingPunct="0">
+              <a:spcBef>
+                <a:spcPct val="0"/>
+              </a:spcBef>
+              <a:spcAft>
+                <a:spcPct val="0"/>
+              </a:spcAft>
+              <a:defRPr>
+                <a:solidFill>
+                  <a:schemeClr val="tx1"/>
+                </a:solidFill>
+                <a:latin typeface="Calibri" panose="020F0502020204030204" pitchFamily="34" charset="0"/>
+              </a:defRPr>
+            </a:lvl8pPr>
+            <a:lvl9pPr marL="3886200" indent="-228600" eaLnBrk="0" fontAlgn="base" hangingPunct="0">
+              <a:spcBef>
+                <a:spcPct val="0"/>
+              </a:spcBef>
+              <a:spcAft>
+                <a:spcPct val="0"/>
+              </a:spcAft>
+              <a:defRPr>
+                <a:solidFill>
+                  <a:schemeClr val="tx1"/>
+                </a:solidFill>
+                <a:latin typeface="Calibri" panose="020F0502020204030204" pitchFamily="34" charset="0"/>
+              </a:defRPr>
+            </a:lvl9pPr>
+          </a:lstStyle>
+          <a:p>
+            <a:pPr algn="ctr"/>
+            <a:r>
+              <a:rPr lang="en-US" altLang="en-US" sz="1100" dirty="0">
+                <a:solidFill>
+                  <a:srgbClr val="000000"/>
+                </a:solidFill>
+                <a:latin typeface="Arial" panose="020B0604020202020204" pitchFamily="34" charset="0"/>
+                <a:cs typeface="Arial" panose="020B0604020202020204" pitchFamily="34" charset="0"/>
+              </a:rPr>
+              <a:t>Analyst</a:t>
+            </a:r>
+          </a:p>
+        </p:txBody>
+      </p:sp>
+      <p:pic>
+        <p:nvPicPr>
+          <p:cNvPr id="93" name="Graphic 14">
+            <a:extLst>
+              <a:ext uri="{FF2B5EF4-FFF2-40B4-BE49-F238E27FC236}">
+                <a16:creationId xmlns:a16="http://schemas.microsoft.com/office/drawing/2014/main" id="{C30B0263-C601-F348-ACF2-A9DD429965F0}"/>
+              </a:ext>
+            </a:extLst>
+          </p:cNvPr>
+          <p:cNvPicPr>
+            <a:picLocks noChangeAspect="1" noChangeArrowheads="1"/>
+          </p:cNvPicPr>
+          <p:nvPr/>
+        </p:nvPicPr>
+        <p:blipFill>
+          <a:blip r:embed="rId13">
+            <a:extLst>
+              <a:ext uri="{28A0092B-C50C-407E-A947-70E740481C1C}">
+                <a14:useLocalDpi xmlns:a14="http://schemas.microsoft.com/office/drawing/2010/main" val="0"/>
+              </a:ext>
+            </a:extLst>
+          </a:blip>
+          <a:srcRect/>
+          <a:stretch>
+            <a:fillRect/>
+          </a:stretch>
+        </p:blipFill>
+        <p:spPr bwMode="auto">
+          <a:xfrm>
+            <a:off x="5115688" y="3969641"/>
+            <a:ext cx="762000" cy="762000"/>
+          </a:xfrm>
+          <a:prstGeom prst="rect">
+            <a:avLst/>
+          </a:prstGeom>
+          <a:noFill/>
+          <a:ln>
+            <a:noFill/>
+          </a:ln>
+          <a:extLst>
+            <a:ext uri="{909E8E84-426E-40DD-AFC4-6F175D3DCCD1}">
+              <a14:hiddenFill xmlns:a14="http://schemas.microsoft.com/office/drawing/2010/main">
+                <a:solidFill>
+                  <a:srgbClr val="FFFFFF"/>
+                </a:solidFill>
+              </a14:hiddenFill>
+            </a:ext>
+            <a:ext uri="{91240B29-F687-4F45-9708-019B960494DF}">
+              <a14:hiddenLine xmlns:a14="http://schemas.microsoft.com/office/drawing/2010/main" w="9525">
+                <a:solidFill>
+                  <a:srgbClr val="000000"/>
+                </a:solidFill>
+                <a:miter lim="800000"/>
+                <a:headEnd/>
+                <a:tailEnd/>
+              </a14:hiddenLine>
+            </a:ext>
+          </a:extLst>
+        </p:spPr>
+      </p:pic>
+      <p:sp>
+        <p:nvSpPr>
+          <p:cNvPr id="94" name="TextBox 17">
+            <a:extLst>
+              <a:ext uri="{FF2B5EF4-FFF2-40B4-BE49-F238E27FC236}">
+                <a16:creationId xmlns:a16="http://schemas.microsoft.com/office/drawing/2014/main" id="{DC43EB6A-CE41-EF42-B1E0-94CCC46F2924}"/>
+              </a:ext>
+            </a:extLst>
+          </p:cNvPr>
+          <p:cNvSpPr txBox="1">
+            <a:spLocks noChangeArrowheads="1"/>
+          </p:cNvSpPr>
+          <p:nvPr/>
+        </p:nvSpPr>
+        <p:spPr bwMode="auto">
+          <a:xfrm>
+            <a:off x="4348182" y="4731641"/>
+            <a:ext cx="2292350" cy="276999"/>
+          </a:xfrm>
+          <a:prstGeom prst="rect">
+            <a:avLst/>
+          </a:prstGeom>
+          <a:noFill/>
+          <a:ln>
+            <a:noFill/>
+          </a:ln>
+          <a:extLst>
+            <a:ext uri="{909E8E84-426E-40DD-AFC4-6F175D3DCCD1}">
+              <a14:hiddenFill xmlns:a14="http://schemas.microsoft.com/office/drawing/2010/main">
+                <a:solidFill>
+                  <a:srgbClr val="FFFFFF"/>
+                </a:solidFill>
+              </a14:hiddenFill>
+            </a:ext>
+            <a:ext uri="{91240B29-F687-4F45-9708-019B960494DF}">
+              <a14:hiddenLine xmlns:a14="http://schemas.microsoft.com/office/drawing/2010/main" w="9525">
+                <a:solidFill>
+                  <a:srgbClr val="000000"/>
+                </a:solidFill>
+                <a:miter lim="800000"/>
+                <a:headEnd/>
+                <a:tailEnd/>
+              </a14:hiddenLine>
+            </a:ext>
+          </a:extLst>
+        </p:spPr>
+        <p:txBody>
+          <a:bodyPr>
+            <a:spAutoFit/>
+          </a:bodyPr>
+          <a:lstStyle>
+            <a:lvl1pPr>
+              <a:defRPr>
+                <a:solidFill>
+                  <a:schemeClr val="tx1"/>
+                </a:solidFill>
+                <a:latin typeface="Calibri" panose="020F0502020204030204" pitchFamily="34" charset="0"/>
+              </a:defRPr>
+            </a:lvl1pPr>
+            <a:lvl2pPr marL="742950" indent="-285750">
+              <a:defRPr>
+                <a:solidFill>
+                  <a:schemeClr val="tx1"/>
+                </a:solidFill>
+                <a:latin typeface="Calibri" panose="020F0502020204030204" pitchFamily="34" charset="0"/>
+              </a:defRPr>
+            </a:lvl2pPr>
+            <a:lvl3pPr marL="1143000" indent="-228600">
+              <a:defRPr>
+                <a:solidFill>
+                  <a:schemeClr val="tx1"/>
+                </a:solidFill>
+                <a:latin typeface="Calibri" panose="020F0502020204030204" pitchFamily="34" charset="0"/>
+              </a:defRPr>
+            </a:lvl3pPr>
+            <a:lvl4pPr marL="1600200" indent="-228600">
+              <a:defRPr>
+                <a:solidFill>
+                  <a:schemeClr val="tx1"/>
+                </a:solidFill>
+                <a:latin typeface="Calibri" panose="020F0502020204030204" pitchFamily="34" charset="0"/>
+              </a:defRPr>
+            </a:lvl4pPr>
+            <a:lvl5pPr marL="2057400" indent="-228600">
+              <a:defRPr>
+                <a:solidFill>
+                  <a:schemeClr val="tx1"/>
+                </a:solidFill>
+                <a:latin typeface="Calibri" panose="020F0502020204030204" pitchFamily="34" charset="0"/>
+              </a:defRPr>
+            </a:lvl5pPr>
+            <a:lvl6pPr marL="2514600" indent="-228600" eaLnBrk="0" fontAlgn="base" hangingPunct="0">
+              <a:spcBef>
+                <a:spcPct val="0"/>
+              </a:spcBef>
+              <a:spcAft>
+                <a:spcPct val="0"/>
+              </a:spcAft>
+              <a:defRPr>
+                <a:solidFill>
+                  <a:schemeClr val="tx1"/>
+                </a:solidFill>
+                <a:latin typeface="Calibri" panose="020F0502020204030204" pitchFamily="34" charset="0"/>
+              </a:defRPr>
+            </a:lvl6pPr>
+            <a:lvl7pPr marL="2971800" indent="-228600" eaLnBrk="0" fontAlgn="base" hangingPunct="0">
+              <a:spcBef>
+                <a:spcPct val="0"/>
+              </a:spcBef>
+              <a:spcAft>
+                <a:spcPct val="0"/>
+              </a:spcAft>
+              <a:defRPr>
+                <a:solidFill>
+                  <a:schemeClr val="tx1"/>
+                </a:solidFill>
+                <a:latin typeface="Calibri" panose="020F0502020204030204" pitchFamily="34" charset="0"/>
+              </a:defRPr>
+            </a:lvl7pPr>
+            <a:lvl8pPr marL="3429000" indent="-228600" eaLnBrk="0" fontAlgn="base" hangingPunct="0">
+              <a:spcBef>
+                <a:spcPct val="0"/>
+              </a:spcBef>
+              <a:spcAft>
+                <a:spcPct val="0"/>
+              </a:spcAft>
+              <a:defRPr>
+                <a:solidFill>
+                  <a:schemeClr val="tx1"/>
+                </a:solidFill>
+                <a:latin typeface="Calibri" panose="020F0502020204030204" pitchFamily="34" charset="0"/>
+              </a:defRPr>
+            </a:lvl8pPr>
+            <a:lvl9pPr marL="3886200" indent="-228600" eaLnBrk="0" fontAlgn="base" hangingPunct="0">
+              <a:spcBef>
+                <a:spcPct val="0"/>
+              </a:spcBef>
+              <a:spcAft>
+                <a:spcPct val="0"/>
+              </a:spcAft>
+              <a:defRPr>
+                <a:solidFill>
+                  <a:schemeClr val="tx1"/>
+                </a:solidFill>
+                <a:latin typeface="Calibri" panose="020F0502020204030204" pitchFamily="34" charset="0"/>
+              </a:defRPr>
+            </a:lvl9pPr>
+          </a:lstStyle>
+          <a:p>
+            <a:pPr algn="ctr" eaLnBrk="1" hangingPunct="1"/>
+            <a:r>
+              <a:rPr lang="en-US" altLang="en-US" sz="1200" dirty="0">
+                <a:latin typeface="Arial" panose="020B0604020202020204" pitchFamily="34" charset="0"/>
+                <a:ea typeface="Amazon Ember" panose="020B0603020204020204" pitchFamily="34" charset="0"/>
+                <a:cs typeface="Arial" panose="020B0604020202020204" pitchFamily="34" charset="0"/>
+              </a:rPr>
+              <a:t>Amazon Athena</a:t>
+            </a:r>
+          </a:p>
+        </p:txBody>
+      </p:sp>
+      <p:pic>
+        <p:nvPicPr>
+          <p:cNvPr id="95" name="Graphic 9">
+            <a:extLst>
+              <a:ext uri="{FF2B5EF4-FFF2-40B4-BE49-F238E27FC236}">
+                <a16:creationId xmlns:a16="http://schemas.microsoft.com/office/drawing/2014/main" id="{91214C0C-2CBF-314C-A371-74F22720EC03}"/>
+              </a:ext>
+            </a:extLst>
+          </p:cNvPr>
+          <p:cNvPicPr>
+            <a:picLocks noChangeAspect="1" noChangeArrowheads="1"/>
+          </p:cNvPicPr>
+          <p:nvPr/>
+        </p:nvPicPr>
+        <p:blipFill>
+          <a:blip r:embed="rId14">
+            <a:extLst>
+              <a:ext uri="{28A0092B-C50C-407E-A947-70E740481C1C}">
+                <a14:useLocalDpi xmlns:a14="http://schemas.microsoft.com/office/drawing/2010/main" val="0"/>
+              </a:ext>
+            </a:extLst>
+          </a:blip>
+          <a:srcRect/>
+          <a:stretch>
+            <a:fillRect/>
+          </a:stretch>
+        </p:blipFill>
+        <p:spPr bwMode="auto">
+          <a:xfrm>
+            <a:off x="6982003" y="3961291"/>
+            <a:ext cx="762000" cy="762000"/>
+          </a:xfrm>
+          <a:prstGeom prst="rect">
+            <a:avLst/>
+          </a:prstGeom>
+          <a:noFill/>
+          <a:ln>
+            <a:noFill/>
+          </a:ln>
+          <a:extLst>
+            <a:ext uri="{909E8E84-426E-40DD-AFC4-6F175D3DCCD1}">
+              <a14:hiddenFill xmlns:a14="http://schemas.microsoft.com/office/drawing/2010/main">
+                <a:solidFill>
+                  <a:srgbClr val="FFFFFF"/>
+                </a:solidFill>
+              </a14:hiddenFill>
+            </a:ext>
+            <a:ext uri="{91240B29-F687-4F45-9708-019B960494DF}">
+              <a14:hiddenLine xmlns:a14="http://schemas.microsoft.com/office/drawing/2010/main" w="9525">
+                <a:solidFill>
+                  <a:srgbClr val="000000"/>
+                </a:solidFill>
+                <a:miter lim="800000"/>
+                <a:headEnd/>
+                <a:tailEnd/>
+              </a14:hiddenLine>
+            </a:ext>
+          </a:extLst>
+        </p:spPr>
+      </p:pic>
+      <p:sp>
+        <p:nvSpPr>
+          <p:cNvPr id="96" name="TextBox 17">
+            <a:extLst>
+              <a:ext uri="{FF2B5EF4-FFF2-40B4-BE49-F238E27FC236}">
+                <a16:creationId xmlns:a16="http://schemas.microsoft.com/office/drawing/2014/main" id="{A7D82612-39D7-2444-B956-C8E646F96F92}"/>
+              </a:ext>
+            </a:extLst>
+          </p:cNvPr>
+          <p:cNvSpPr txBox="1">
+            <a:spLocks noChangeArrowheads="1"/>
+          </p:cNvSpPr>
+          <p:nvPr/>
+        </p:nvSpPr>
+        <p:spPr bwMode="auto">
+          <a:xfrm>
+            <a:off x="6206294" y="4723291"/>
+            <a:ext cx="2292350" cy="276999"/>
+          </a:xfrm>
+          <a:prstGeom prst="rect">
+            <a:avLst/>
+          </a:prstGeom>
+          <a:noFill/>
+          <a:ln>
+            <a:noFill/>
+          </a:ln>
+          <a:extLst>
+            <a:ext uri="{909E8E84-426E-40DD-AFC4-6F175D3DCCD1}">
+              <a14:hiddenFill xmlns:a14="http://schemas.microsoft.com/office/drawing/2010/main">
+                <a:solidFill>
+                  <a:srgbClr val="FFFFFF"/>
+                </a:solidFill>
+              </a14:hiddenFill>
+            </a:ext>
+            <a:ext uri="{91240B29-F687-4F45-9708-019B960494DF}">
+              <a14:hiddenLine xmlns:a14="http://schemas.microsoft.com/office/drawing/2010/main" w="9525">
+                <a:solidFill>
+                  <a:srgbClr val="000000"/>
+                </a:solidFill>
+                <a:miter lim="800000"/>
+                <a:headEnd/>
+                <a:tailEnd/>
+              </a14:hiddenLine>
+            </a:ext>
+          </a:extLst>
+        </p:spPr>
+        <p:txBody>
+          <a:bodyPr>
+            <a:spAutoFit/>
+          </a:bodyPr>
+          <a:lstStyle>
+            <a:lvl1pPr>
+              <a:defRPr>
+                <a:solidFill>
+                  <a:schemeClr val="tx1"/>
+                </a:solidFill>
+                <a:latin typeface="Calibri" panose="020F0502020204030204" pitchFamily="34" charset="0"/>
+              </a:defRPr>
+            </a:lvl1pPr>
+            <a:lvl2pPr marL="742950" indent="-285750">
+              <a:defRPr>
+                <a:solidFill>
+                  <a:schemeClr val="tx1"/>
+                </a:solidFill>
+                <a:latin typeface="Calibri" panose="020F0502020204030204" pitchFamily="34" charset="0"/>
+              </a:defRPr>
+            </a:lvl2pPr>
+            <a:lvl3pPr marL="1143000" indent="-228600">
+              <a:defRPr>
+                <a:solidFill>
+                  <a:schemeClr val="tx1"/>
+                </a:solidFill>
+                <a:latin typeface="Calibri" panose="020F0502020204030204" pitchFamily="34" charset="0"/>
+              </a:defRPr>
+            </a:lvl3pPr>
+            <a:lvl4pPr marL="1600200" indent="-228600">
+              <a:defRPr>
+                <a:solidFill>
+                  <a:schemeClr val="tx1"/>
+                </a:solidFill>
+                <a:latin typeface="Calibri" panose="020F0502020204030204" pitchFamily="34" charset="0"/>
+              </a:defRPr>
+            </a:lvl4pPr>
+            <a:lvl5pPr marL="2057400" indent="-228600">
+              <a:defRPr>
+                <a:solidFill>
+                  <a:schemeClr val="tx1"/>
+                </a:solidFill>
+                <a:latin typeface="Calibri" panose="020F0502020204030204" pitchFamily="34" charset="0"/>
+              </a:defRPr>
+            </a:lvl5pPr>
+            <a:lvl6pPr marL="2514600" indent="-228600" eaLnBrk="0" fontAlgn="base" hangingPunct="0">
+              <a:spcBef>
+                <a:spcPct val="0"/>
+              </a:spcBef>
+              <a:spcAft>
+                <a:spcPct val="0"/>
+              </a:spcAft>
+              <a:defRPr>
+                <a:solidFill>
+                  <a:schemeClr val="tx1"/>
+                </a:solidFill>
+                <a:latin typeface="Calibri" panose="020F0502020204030204" pitchFamily="34" charset="0"/>
+              </a:defRPr>
+            </a:lvl6pPr>
+            <a:lvl7pPr marL="2971800" indent="-228600" eaLnBrk="0" fontAlgn="base" hangingPunct="0">
+              <a:spcBef>
+                <a:spcPct val="0"/>
+              </a:spcBef>
+              <a:spcAft>
+                <a:spcPct val="0"/>
+              </a:spcAft>
+              <a:defRPr>
+                <a:solidFill>
+                  <a:schemeClr val="tx1"/>
+                </a:solidFill>
+                <a:latin typeface="Calibri" panose="020F0502020204030204" pitchFamily="34" charset="0"/>
+              </a:defRPr>
+            </a:lvl7pPr>
+            <a:lvl8pPr marL="3429000" indent="-228600" eaLnBrk="0" fontAlgn="base" hangingPunct="0">
+              <a:spcBef>
+                <a:spcPct val="0"/>
+              </a:spcBef>
+              <a:spcAft>
+                <a:spcPct val="0"/>
+              </a:spcAft>
+              <a:defRPr>
+                <a:solidFill>
+                  <a:schemeClr val="tx1"/>
+                </a:solidFill>
+                <a:latin typeface="Calibri" panose="020F0502020204030204" pitchFamily="34" charset="0"/>
+              </a:defRPr>
+            </a:lvl8pPr>
+            <a:lvl9pPr marL="3886200" indent="-228600" eaLnBrk="0" fontAlgn="base" hangingPunct="0">
+              <a:spcBef>
+                <a:spcPct val="0"/>
+              </a:spcBef>
+              <a:spcAft>
+                <a:spcPct val="0"/>
+              </a:spcAft>
+              <a:defRPr>
+                <a:solidFill>
+                  <a:schemeClr val="tx1"/>
+                </a:solidFill>
+                <a:latin typeface="Calibri" panose="020F0502020204030204" pitchFamily="34" charset="0"/>
+              </a:defRPr>
+            </a:lvl9pPr>
+          </a:lstStyle>
+          <a:p>
+            <a:pPr algn="ctr" eaLnBrk="1" hangingPunct="1"/>
+            <a:r>
+              <a:rPr lang="en-US" altLang="en-US" sz="1200" dirty="0">
+                <a:latin typeface="Arial" panose="020B0604020202020204" pitchFamily="34" charset="0"/>
+                <a:ea typeface="Amazon Ember" panose="020B0603020204020204" pitchFamily="34" charset="0"/>
+                <a:cs typeface="Arial" panose="020B0604020202020204" pitchFamily="34" charset="0"/>
+              </a:rPr>
+              <a:t>AWS Lake Formation</a:t>
+            </a:r>
+          </a:p>
+        </p:txBody>
+      </p:sp>
+      <p:cxnSp>
+        <p:nvCxnSpPr>
+          <p:cNvPr id="103" name="Straight Arrow Connector 102">
+            <a:extLst>
+              <a:ext uri="{FF2B5EF4-FFF2-40B4-BE49-F238E27FC236}">
+                <a16:creationId xmlns:a16="http://schemas.microsoft.com/office/drawing/2014/main" id="{7C59D84E-F033-774E-8DC9-CF1913140BF6}"/>
+              </a:ext>
+            </a:extLst>
+          </p:cNvPr>
+          <p:cNvCxnSpPr>
+            <a:cxnSpLocks/>
+          </p:cNvCxnSpPr>
+          <p:nvPr/>
+        </p:nvCxnSpPr>
+        <p:spPr bwMode="auto">
+          <a:xfrm>
+            <a:off x="4270238" y="4402348"/>
+            <a:ext cx="754649" cy="0"/>
+          </a:xfrm>
+          <a:prstGeom prst="straightConnector1">
+            <a:avLst/>
+          </a:prstGeom>
+          <a:ln w="12700">
+            <a:solidFill>
+              <a:srgbClr val="545B64"/>
+            </a:solidFill>
+            <a:headEnd type="arrow" w="med" len="sm"/>
+            <a:tailEnd type="arrow" w="med" len="sm"/>
+          </a:ln>
+        </p:spPr>
+        <p:style>
+          <a:lnRef idx="1">
+            <a:schemeClr val="accent1"/>
+          </a:lnRef>
+          <a:fillRef idx="0">
+            <a:schemeClr val="accent1"/>
+          </a:fillRef>
+          <a:effectRef idx="0">
+            <a:schemeClr val="accent1"/>
+          </a:effectRef>
+          <a:fontRef idx="minor">
+            <a:schemeClr val="tx1"/>
+          </a:fontRef>
+        </p:style>
+      </p:cxnSp>
+      <p:cxnSp>
+        <p:nvCxnSpPr>
+          <p:cNvPr id="105" name="Straight Arrow Connector 104">
+            <a:extLst>
+              <a:ext uri="{FF2B5EF4-FFF2-40B4-BE49-F238E27FC236}">
+                <a16:creationId xmlns:a16="http://schemas.microsoft.com/office/drawing/2014/main" id="{CB13782D-0FDD-4C40-9844-066CB9494746}"/>
+              </a:ext>
+            </a:extLst>
+          </p:cNvPr>
+          <p:cNvCxnSpPr>
+            <a:cxnSpLocks/>
+          </p:cNvCxnSpPr>
+          <p:nvPr/>
+        </p:nvCxnSpPr>
+        <p:spPr bwMode="auto">
+          <a:xfrm>
+            <a:off x="6054844" y="4402348"/>
+            <a:ext cx="754649" cy="0"/>
+          </a:xfrm>
+          <a:prstGeom prst="straightConnector1">
+            <a:avLst/>
+          </a:prstGeom>
+          <a:ln w="12700">
+            <a:solidFill>
+              <a:srgbClr val="545B64"/>
+            </a:solidFill>
+            <a:headEnd type="arrow" w="med" len="sm"/>
+            <a:tailEnd type="arrow" w="med" len="sm"/>
+          </a:ln>
+        </p:spPr>
+        <p:style>
+          <a:lnRef idx="1">
+            <a:schemeClr val="accent1"/>
+          </a:lnRef>
+          <a:fillRef idx="0">
+            <a:schemeClr val="accent1"/>
+          </a:fillRef>
+          <a:effectRef idx="0">
+            <a:schemeClr val="accent1"/>
+          </a:effectRef>
+          <a:fontRef idx="minor">
+            <a:schemeClr val="tx1"/>
+          </a:fontRef>
+        </p:style>
+      </p:cxnSp>
+      <p:cxnSp>
+        <p:nvCxnSpPr>
+          <p:cNvPr id="106" name="Straight Arrow Connector 105">
+            <a:extLst>
+              <a:ext uri="{FF2B5EF4-FFF2-40B4-BE49-F238E27FC236}">
+                <a16:creationId xmlns:a16="http://schemas.microsoft.com/office/drawing/2014/main" id="{DEC74976-DB92-DB4E-B19C-309ADD4CFCF9}"/>
+              </a:ext>
+            </a:extLst>
+          </p:cNvPr>
+          <p:cNvCxnSpPr>
+            <a:cxnSpLocks/>
+          </p:cNvCxnSpPr>
+          <p:nvPr/>
+        </p:nvCxnSpPr>
+        <p:spPr bwMode="auto">
+          <a:xfrm>
+            <a:off x="7861073" y="4385096"/>
+            <a:ext cx="754649" cy="0"/>
+          </a:xfrm>
+          <a:prstGeom prst="straightConnector1">
+            <a:avLst/>
+          </a:prstGeom>
+          <a:ln w="12700">
+            <a:solidFill>
+              <a:srgbClr val="545B64"/>
+            </a:solidFill>
+            <a:headEnd type="arrow" w="med" len="sm"/>
+            <a:tailEnd type="arrow" w="med" len="sm"/>
+          </a:ln>
+        </p:spPr>
+        <p:style>
+          <a:lnRef idx="1">
+            <a:schemeClr val="accent1"/>
+          </a:lnRef>
+          <a:fillRef idx="0">
+            <a:schemeClr val="accent1"/>
+          </a:fillRef>
+          <a:effectRef idx="0">
+            <a:schemeClr val="accent1"/>
+          </a:effectRef>
+          <a:fontRef idx="minor">
+            <a:schemeClr val="tx1"/>
+          </a:fontRef>
+        </p:style>
+      </p:cxnSp>
+      <p:sp>
+        <p:nvSpPr>
+          <p:cNvPr id="107" name="Freeform 106">
+            <a:extLst>
+              <a:ext uri="{FF2B5EF4-FFF2-40B4-BE49-F238E27FC236}">
+                <a16:creationId xmlns:a16="http://schemas.microsoft.com/office/drawing/2014/main" id="{1C564588-BEE1-EE4B-931E-02469657E559}"/>
+              </a:ext>
+            </a:extLst>
+          </p:cNvPr>
+          <p:cNvSpPr/>
+          <p:nvPr/>
+        </p:nvSpPr>
+        <p:spPr>
+          <a:xfrm flipV="1">
+            <a:off x="9734835" y="3640347"/>
+            <a:ext cx="1250665" cy="762000"/>
+          </a:xfrm>
+          <a:custGeom>
+            <a:avLst/>
+            <a:gdLst>
+              <a:gd name="connsiteX0" fmla="*/ 1371600 w 1371600"/>
+              <a:gd name="connsiteY0" fmla="*/ 711200 h 711200"/>
+              <a:gd name="connsiteX1" fmla="*/ 1371600 w 1371600"/>
+              <a:gd name="connsiteY1" fmla="*/ 0 h 711200"/>
+              <a:gd name="connsiteX2" fmla="*/ 0 w 1371600"/>
+              <a:gd name="connsiteY2" fmla="*/ 0 h 711200"/>
+            </a:gdLst>
+            <a:ahLst/>
+            <a:cxnLst>
+              <a:cxn ang="0">
+                <a:pos x="connsiteX0" y="connsiteY0"/>
+              </a:cxn>
+              <a:cxn ang="0">
+                <a:pos x="connsiteX1" y="connsiteY1"/>
+              </a:cxn>
+              <a:cxn ang="0">
+                <a:pos x="connsiteX2" y="connsiteY2"/>
+              </a:cxn>
+            </a:cxnLst>
+            <a:rect l="l" t="t" r="r" b="b"/>
+            <a:pathLst>
+              <a:path w="1371600" h="711200">
+                <a:moveTo>
+                  <a:pt x="1371600" y="711200"/>
+                </a:moveTo>
+                <a:lnTo>
+                  <a:pt x="1371600" y="0"/>
+                </a:lnTo>
+                <a:lnTo>
+                  <a:pt x="0" y="0"/>
+                </a:lnTo>
+              </a:path>
+            </a:pathLst>
+          </a:custGeom>
+          <a:noFill/>
+          <a:ln w="12700">
+            <a:solidFill>
+              <a:schemeClr val="tx2"/>
+            </a:solidFill>
+            <a:headEnd type="arrow" w="med" len="med"/>
+            <a:tailEnd type="arrow" w="med" len="med"/>
+          </a:ln>
+        </p:spPr>
+        <p:style>
+          <a:lnRef idx="2">
+            <a:schemeClr val="accent1">
+              <a:shade val="50000"/>
+            </a:schemeClr>
+          </a:lnRef>
+          <a:fillRef idx="1">
+            <a:schemeClr val="accent1"/>
+          </a:fillRef>
+          <a:effectRef idx="0">
+            <a:schemeClr val="accent1"/>
+          </a:effectRef>
+          <a:fontRef idx="minor">
+            <a:schemeClr val="lt1"/>
+          </a:fontRef>
+        </p:style>
+        <p:txBody>
+          <a:bodyPr anchor="ctr"/>
+          <a:lstStyle/>
+          <a:p>
+            <a:pPr algn="ctr" eaLnBrk="1" fontAlgn="auto" hangingPunct="1">
+              <a:spcBef>
+                <a:spcPts val="0"/>
+              </a:spcBef>
+              <a:spcAft>
+                <a:spcPts val="0"/>
+              </a:spcAft>
+              <a:defRPr/>
+            </a:pPr>
+            <a:endParaRPr lang="en-US" dirty="0"/>
+          </a:p>
+        </p:txBody>
+      </p:sp>
+      <p:cxnSp>
+        <p:nvCxnSpPr>
+          <p:cNvPr id="113" name="Straight Arrow Connector 112">
+            <a:extLst>
+              <a:ext uri="{FF2B5EF4-FFF2-40B4-BE49-F238E27FC236}">
+                <a16:creationId xmlns:a16="http://schemas.microsoft.com/office/drawing/2014/main" id="{37AAE1C9-DB76-7A42-8C2B-395A03FBD018}"/>
+              </a:ext>
+            </a:extLst>
+          </p:cNvPr>
+          <p:cNvCxnSpPr>
+            <a:cxnSpLocks/>
+          </p:cNvCxnSpPr>
+          <p:nvPr/>
+        </p:nvCxnSpPr>
+        <p:spPr bwMode="auto">
+          <a:xfrm>
+            <a:off x="4302896" y="6061504"/>
+            <a:ext cx="754649" cy="0"/>
+          </a:xfrm>
+          <a:prstGeom prst="straightConnector1">
+            <a:avLst/>
+          </a:prstGeom>
+          <a:ln w="12700">
+            <a:solidFill>
+              <a:srgbClr val="545B64"/>
+            </a:solidFill>
+            <a:headEnd type="arrow" w="med" len="sm"/>
+            <a:tailEnd type="arrow" w="med" len="sm"/>
+          </a:ln>
+        </p:spPr>
+        <p:style>
+          <a:lnRef idx="1">
+            <a:schemeClr val="accent1"/>
+          </a:lnRef>
+          <a:fillRef idx="0">
+            <a:schemeClr val="accent1"/>
+          </a:fillRef>
+          <a:effectRef idx="0">
+            <a:schemeClr val="accent1"/>
+          </a:effectRef>
+          <a:fontRef idx="minor">
+            <a:schemeClr val="tx1"/>
+          </a:fontRef>
+        </p:style>
+      </p:cxnSp>
+      <p:cxnSp>
+        <p:nvCxnSpPr>
+          <p:cNvPr id="116" name="Straight Arrow Connector 115">
+            <a:extLst>
+              <a:ext uri="{FF2B5EF4-FFF2-40B4-BE49-F238E27FC236}">
+                <a16:creationId xmlns:a16="http://schemas.microsoft.com/office/drawing/2014/main" id="{F0A53259-6A39-0D41-8855-CCAC7A70D1E5}"/>
+              </a:ext>
+            </a:extLst>
+          </p:cNvPr>
+          <p:cNvCxnSpPr>
+            <a:cxnSpLocks/>
+          </p:cNvCxnSpPr>
+          <p:nvPr/>
+        </p:nvCxnSpPr>
+        <p:spPr bwMode="auto">
+          <a:xfrm>
+            <a:off x="1901464" y="2779867"/>
+            <a:ext cx="1372883" cy="0"/>
+          </a:xfrm>
+          <a:prstGeom prst="straightConnector1">
+            <a:avLst/>
+          </a:prstGeom>
+          <a:ln w="12700">
+            <a:solidFill>
+              <a:srgbClr val="545B64"/>
+            </a:solidFill>
+            <a:headEnd type="none" w="med" len="sm"/>
+            <a:tailEnd type="arrow" w="med" len="sm"/>
+          </a:ln>
+        </p:spPr>
+        <p:style>
+          <a:lnRef idx="1">
+            <a:schemeClr val="accent1"/>
+          </a:lnRef>
+          <a:fillRef idx="0">
+            <a:schemeClr val="accent1"/>
+          </a:fillRef>
+          <a:effectRef idx="0">
+            <a:schemeClr val="accent1"/>
+          </a:effectRef>
+          <a:fontRef idx="minor">
+            <a:schemeClr val="tx1"/>
+          </a:fontRef>
+        </p:style>
+      </p:cxnSp>
+      <p:pic>
+        <p:nvPicPr>
+          <p:cNvPr id="117" name="Graphic 11">
+            <a:extLst>
+              <a:ext uri="{FF2B5EF4-FFF2-40B4-BE49-F238E27FC236}">
+                <a16:creationId xmlns:a16="http://schemas.microsoft.com/office/drawing/2014/main" id="{F4A078D3-C621-EF42-AA7C-FC17BBAA6983}"/>
+              </a:ext>
+            </a:extLst>
+          </p:cNvPr>
+          <p:cNvPicPr>
+            <a:picLocks noChangeAspect="1" noChangeArrowheads="1"/>
+          </p:cNvPicPr>
+          <p:nvPr/>
+        </p:nvPicPr>
+        <p:blipFill>
+          <a:blip r:embed="rId15">
+            <a:extLst>
+              <a:ext uri="{28A0092B-C50C-407E-A947-70E740481C1C}">
+                <a14:useLocalDpi xmlns:a14="http://schemas.microsoft.com/office/drawing/2010/main" val="0"/>
+              </a:ext>
+            </a:extLst>
+          </a:blip>
+          <a:srcRect/>
+          <a:stretch>
+            <a:fillRect/>
+          </a:stretch>
+        </p:blipFill>
+        <p:spPr bwMode="auto">
+          <a:xfrm>
+            <a:off x="1357122" y="2493102"/>
+            <a:ext cx="469900" cy="469900"/>
+          </a:xfrm>
+          <a:prstGeom prst="rect">
+            <a:avLst/>
+          </a:prstGeom>
+          <a:noFill/>
+          <a:ln>
+            <a:noFill/>
+          </a:ln>
+          <a:extLst>
+            <a:ext uri="{909E8E84-426E-40DD-AFC4-6F175D3DCCD1}">
+              <a14:hiddenFill xmlns:a14="http://schemas.microsoft.com/office/drawing/2010/main">
+                <a:solidFill>
+                  <a:srgbClr val="FFFFFF"/>
+                </a:solidFill>
+              </a14:hiddenFill>
+            </a:ext>
+            <a:ext uri="{91240B29-F687-4F45-9708-019B960494DF}">
+              <a14:hiddenLine xmlns:a14="http://schemas.microsoft.com/office/drawing/2010/main" w="9525">
+                <a:solidFill>
+                  <a:srgbClr val="000000"/>
+                </a:solidFill>
+                <a:miter lim="800000"/>
+                <a:headEnd/>
+                <a:tailEnd/>
+              </a14:hiddenLine>
+            </a:ext>
+          </a:extLst>
+        </p:spPr>
+      </p:pic>
+      <p:sp>
+        <p:nvSpPr>
+          <p:cNvPr id="118" name="TextBox 28">
+            <a:extLst>
+              <a:ext uri="{FF2B5EF4-FFF2-40B4-BE49-F238E27FC236}">
+                <a16:creationId xmlns:a16="http://schemas.microsoft.com/office/drawing/2014/main" id="{61B5A393-2B4F-FB45-AE82-7A3A56E66255}"/>
+              </a:ext>
+            </a:extLst>
+          </p:cNvPr>
+          <p:cNvSpPr txBox="1">
+            <a:spLocks noChangeArrowheads="1"/>
+          </p:cNvSpPr>
+          <p:nvPr/>
+        </p:nvSpPr>
+        <p:spPr bwMode="auto">
+          <a:xfrm>
+            <a:off x="1051734" y="2969942"/>
+            <a:ext cx="1073150" cy="600164"/>
+          </a:xfrm>
+          <a:prstGeom prst="rect">
+            <a:avLst/>
+          </a:prstGeom>
+          <a:noFill/>
+          <a:ln>
+            <a:noFill/>
+          </a:ln>
+          <a:extLst>
+            <a:ext uri="{909E8E84-426E-40DD-AFC4-6F175D3DCCD1}">
+              <a14:hiddenFill xmlns:a14="http://schemas.microsoft.com/office/drawing/2010/main">
+                <a:solidFill>
+                  <a:srgbClr val="FFFFFF"/>
+                </a:solidFill>
+              </a14:hiddenFill>
+            </a:ext>
+            <a:ext uri="{91240B29-F687-4F45-9708-019B960494DF}">
+              <a14:hiddenLine xmlns:a14="http://schemas.microsoft.com/office/drawing/2010/main" w="9525">
+                <a:solidFill>
+                  <a:srgbClr val="000000"/>
+                </a:solidFill>
+                <a:miter lim="800000"/>
+                <a:headEnd/>
+                <a:tailEnd/>
+              </a14:hiddenLine>
+            </a:ext>
+          </a:extLst>
+        </p:spPr>
+        <p:txBody>
+          <a:bodyPr>
+            <a:spAutoFit/>
+          </a:bodyPr>
+          <a:lstStyle>
+            <a:lvl1pPr>
+              <a:defRPr>
+                <a:solidFill>
+                  <a:schemeClr val="tx1"/>
+                </a:solidFill>
+                <a:latin typeface="Calibri" panose="020F0502020204030204" pitchFamily="34" charset="0"/>
+              </a:defRPr>
+            </a:lvl1pPr>
+            <a:lvl2pPr marL="742950" indent="-285750">
+              <a:defRPr>
+                <a:solidFill>
+                  <a:schemeClr val="tx1"/>
+                </a:solidFill>
+                <a:latin typeface="Calibri" panose="020F0502020204030204" pitchFamily="34" charset="0"/>
+              </a:defRPr>
+            </a:lvl2pPr>
+            <a:lvl3pPr marL="1143000" indent="-228600">
+              <a:defRPr>
+                <a:solidFill>
+                  <a:schemeClr val="tx1"/>
+                </a:solidFill>
+                <a:latin typeface="Calibri" panose="020F0502020204030204" pitchFamily="34" charset="0"/>
+              </a:defRPr>
+            </a:lvl3pPr>
+            <a:lvl4pPr marL="1600200" indent="-228600">
+              <a:defRPr>
+                <a:solidFill>
+                  <a:schemeClr val="tx1"/>
+                </a:solidFill>
+                <a:latin typeface="Calibri" panose="020F0502020204030204" pitchFamily="34" charset="0"/>
+              </a:defRPr>
+            </a:lvl4pPr>
+            <a:lvl5pPr marL="2057400" indent="-228600">
+              <a:defRPr>
+                <a:solidFill>
+                  <a:schemeClr val="tx1"/>
+                </a:solidFill>
+                <a:latin typeface="Calibri" panose="020F0502020204030204" pitchFamily="34" charset="0"/>
+              </a:defRPr>
+            </a:lvl5pPr>
+            <a:lvl6pPr marL="2514600" indent="-228600" eaLnBrk="0" fontAlgn="base" hangingPunct="0">
+              <a:spcBef>
+                <a:spcPct val="0"/>
+              </a:spcBef>
+              <a:spcAft>
+                <a:spcPct val="0"/>
+              </a:spcAft>
+              <a:defRPr>
+                <a:solidFill>
+                  <a:schemeClr val="tx1"/>
+                </a:solidFill>
+                <a:latin typeface="Calibri" panose="020F0502020204030204" pitchFamily="34" charset="0"/>
+              </a:defRPr>
+            </a:lvl6pPr>
+            <a:lvl7pPr marL="2971800" indent="-228600" eaLnBrk="0" fontAlgn="base" hangingPunct="0">
+              <a:spcBef>
+                <a:spcPct val="0"/>
+              </a:spcBef>
+              <a:spcAft>
+                <a:spcPct val="0"/>
+              </a:spcAft>
+              <a:defRPr>
+                <a:solidFill>
+                  <a:schemeClr val="tx1"/>
+                </a:solidFill>
+                <a:latin typeface="Calibri" panose="020F0502020204030204" pitchFamily="34" charset="0"/>
+              </a:defRPr>
+            </a:lvl7pPr>
+            <a:lvl8pPr marL="3429000" indent="-228600" eaLnBrk="0" fontAlgn="base" hangingPunct="0">
+              <a:spcBef>
+                <a:spcPct val="0"/>
+              </a:spcBef>
+              <a:spcAft>
+                <a:spcPct val="0"/>
+              </a:spcAft>
+              <a:defRPr>
+                <a:solidFill>
+                  <a:schemeClr val="tx1"/>
+                </a:solidFill>
+                <a:latin typeface="Calibri" panose="020F0502020204030204" pitchFamily="34" charset="0"/>
+              </a:defRPr>
+            </a:lvl8pPr>
+            <a:lvl9pPr marL="3886200" indent="-228600" eaLnBrk="0" fontAlgn="base" hangingPunct="0">
+              <a:spcBef>
+                <a:spcPct val="0"/>
+              </a:spcBef>
+              <a:spcAft>
+                <a:spcPct val="0"/>
+              </a:spcAft>
+              <a:defRPr>
+                <a:solidFill>
+                  <a:schemeClr val="tx1"/>
+                </a:solidFill>
+                <a:latin typeface="Calibri" panose="020F0502020204030204" pitchFamily="34" charset="0"/>
+              </a:defRPr>
+            </a:lvl9pPr>
+          </a:lstStyle>
+          <a:p>
+            <a:pPr algn="ctr"/>
+            <a:r>
+              <a:rPr lang="en-US" altLang="en-US" sz="1100" dirty="0">
+                <a:solidFill>
+                  <a:srgbClr val="000000"/>
+                </a:solidFill>
+                <a:latin typeface="Arial" panose="020B0604020202020204" pitchFamily="34" charset="0"/>
+                <a:cs typeface="Arial" panose="020B0604020202020204" pitchFamily="34" charset="0"/>
+              </a:rPr>
+              <a:t>Detailed Advertising Data</a:t>
+            </a:r>
+          </a:p>
+        </p:txBody>
+      </p:sp>
+      <p:pic>
+        <p:nvPicPr>
+          <p:cNvPr id="119" name="Picture 118">
+            <a:extLst>
+              <a:ext uri="{FF2B5EF4-FFF2-40B4-BE49-F238E27FC236}">
+                <a16:creationId xmlns:a16="http://schemas.microsoft.com/office/drawing/2014/main" id="{83EB573F-B05F-BD4E-BDA7-6AD3A993E60B}"/>
+              </a:ext>
+            </a:extLst>
+          </p:cNvPr>
+          <p:cNvPicPr>
+            <a:picLocks noChangeAspect="1"/>
+          </p:cNvPicPr>
+          <p:nvPr/>
+        </p:nvPicPr>
+        <p:blipFill>
+          <a:blip r:embed="rId16"/>
+          <a:stretch>
+            <a:fillRect/>
+          </a:stretch>
+        </p:blipFill>
+        <p:spPr>
+          <a:xfrm>
+            <a:off x="954805" y="1974509"/>
+            <a:ext cx="1266868" cy="338410"/>
+          </a:xfrm>
+          <a:prstGeom prst="rect">
+            <a:avLst/>
+          </a:prstGeom>
+        </p:spPr>
+      </p:pic>
+      <p:pic>
+        <p:nvPicPr>
+          <p:cNvPr id="121" name="Graphic 23">
+            <a:extLst>
+              <a:ext uri="{FF2B5EF4-FFF2-40B4-BE49-F238E27FC236}">
+                <a16:creationId xmlns:a16="http://schemas.microsoft.com/office/drawing/2014/main" id="{CE57BCFE-F637-CD40-8B8C-DE129BDF7501}"/>
+              </a:ext>
+            </a:extLst>
+          </p:cNvPr>
+          <p:cNvPicPr>
+            <a:picLocks noChangeAspect="1" noChangeArrowheads="1"/>
+          </p:cNvPicPr>
+          <p:nvPr/>
+        </p:nvPicPr>
+        <p:blipFill>
+          <a:blip r:embed="rId17">
+            <a:extLst>
+              <a:ext uri="{96DAC541-7B7A-43D3-8B79-37D633B846F1}">
+                <asvg:svgBlip xmlns:asvg="http://schemas.microsoft.com/office/drawing/2016/SVG/main" r:embed="rId18"/>
+              </a:ext>
+            </a:extLst>
+          </a:blip>
+          <a:srcRect/>
+          <a:stretch/>
+        </p:blipFill>
+        <p:spPr bwMode="auto">
+          <a:xfrm flipH="1">
+            <a:off x="1299739" y="4211307"/>
+            <a:ext cx="469900" cy="469900"/>
+          </a:xfrm>
+          <a:prstGeom prst="rect">
+            <a:avLst/>
+          </a:prstGeom>
+          <a:noFill/>
+          <a:ln>
+            <a:noFill/>
+          </a:ln>
+          <a:extLst>
+            <a:ext uri="{909E8E84-426E-40DD-AFC4-6F175D3DCCD1}">
+              <a14:hiddenFill xmlns:a14="http://schemas.microsoft.com/office/drawing/2010/main">
+                <a:solidFill>
+                  <a:srgbClr val="FFFFFF"/>
+                </a:solidFill>
+              </a14:hiddenFill>
+            </a:ext>
+            <a:ext uri="{91240B29-F687-4F45-9708-019B960494DF}">
+              <a14:hiddenLine xmlns:a14="http://schemas.microsoft.com/office/drawing/2010/main" w="9525">
+                <a:solidFill>
+                  <a:srgbClr val="000000"/>
+                </a:solidFill>
+                <a:miter lim="800000"/>
+                <a:headEnd/>
+                <a:tailEnd/>
+              </a14:hiddenLine>
+            </a:ext>
+          </a:extLst>
+        </p:spPr>
+      </p:pic>
+      <p:sp>
+        <p:nvSpPr>
+          <p:cNvPr id="122" name="TextBox 40">
+            <a:extLst>
+              <a:ext uri="{FF2B5EF4-FFF2-40B4-BE49-F238E27FC236}">
+                <a16:creationId xmlns:a16="http://schemas.microsoft.com/office/drawing/2014/main" id="{9A13BAE7-F5A8-3F44-A28E-B354C2387D30}"/>
+              </a:ext>
+            </a:extLst>
+          </p:cNvPr>
+          <p:cNvSpPr txBox="1">
+            <a:spLocks noChangeArrowheads="1"/>
+          </p:cNvSpPr>
+          <p:nvPr/>
+        </p:nvSpPr>
+        <p:spPr bwMode="auto">
+          <a:xfrm>
+            <a:off x="998114" y="4782807"/>
+            <a:ext cx="1073150" cy="430887"/>
+          </a:xfrm>
+          <a:prstGeom prst="rect">
+            <a:avLst/>
+          </a:prstGeom>
+          <a:noFill/>
+          <a:ln>
+            <a:noFill/>
+          </a:ln>
+          <a:extLst>
+            <a:ext uri="{909E8E84-426E-40DD-AFC4-6F175D3DCCD1}">
+              <a14:hiddenFill xmlns:a14="http://schemas.microsoft.com/office/drawing/2010/main">
+                <a:solidFill>
+                  <a:srgbClr val="FFFFFF"/>
+                </a:solidFill>
+              </a14:hiddenFill>
+            </a:ext>
+            <a:ext uri="{91240B29-F687-4F45-9708-019B960494DF}">
+              <a14:hiddenLine xmlns:a14="http://schemas.microsoft.com/office/drawing/2010/main" w="9525">
+                <a:solidFill>
+                  <a:srgbClr val="000000"/>
+                </a:solidFill>
+                <a:miter lim="800000"/>
+                <a:headEnd/>
+                <a:tailEnd/>
+              </a14:hiddenLine>
+            </a:ext>
+          </a:extLst>
+        </p:spPr>
+        <p:txBody>
+          <a:bodyPr>
+            <a:spAutoFit/>
+          </a:bodyPr>
+          <a:lstStyle>
+            <a:lvl1pPr>
+              <a:defRPr>
+                <a:solidFill>
+                  <a:schemeClr val="tx1"/>
+                </a:solidFill>
+                <a:latin typeface="Calibri" panose="020F0502020204030204" pitchFamily="34" charset="0"/>
+              </a:defRPr>
+            </a:lvl1pPr>
+            <a:lvl2pPr marL="742950" indent="-285750">
+              <a:defRPr>
+                <a:solidFill>
+                  <a:schemeClr val="tx1"/>
+                </a:solidFill>
+                <a:latin typeface="Calibri" panose="020F0502020204030204" pitchFamily="34" charset="0"/>
+              </a:defRPr>
+            </a:lvl2pPr>
+            <a:lvl3pPr marL="1143000" indent="-228600">
+              <a:defRPr>
+                <a:solidFill>
+                  <a:schemeClr val="tx1"/>
+                </a:solidFill>
+                <a:latin typeface="Calibri" panose="020F0502020204030204" pitchFamily="34" charset="0"/>
+              </a:defRPr>
+            </a:lvl3pPr>
+            <a:lvl4pPr marL="1600200" indent="-228600">
+              <a:defRPr>
+                <a:solidFill>
+                  <a:schemeClr val="tx1"/>
+                </a:solidFill>
+                <a:latin typeface="Calibri" panose="020F0502020204030204" pitchFamily="34" charset="0"/>
+              </a:defRPr>
+            </a:lvl4pPr>
+            <a:lvl5pPr marL="2057400" indent="-228600">
+              <a:defRPr>
+                <a:solidFill>
+                  <a:schemeClr val="tx1"/>
+                </a:solidFill>
+                <a:latin typeface="Calibri" panose="020F0502020204030204" pitchFamily="34" charset="0"/>
+              </a:defRPr>
+            </a:lvl5pPr>
+            <a:lvl6pPr marL="2514600" indent="-228600" eaLnBrk="0" fontAlgn="base" hangingPunct="0">
+              <a:spcBef>
+                <a:spcPct val="0"/>
+              </a:spcBef>
+              <a:spcAft>
+                <a:spcPct val="0"/>
+              </a:spcAft>
+              <a:defRPr>
+                <a:solidFill>
+                  <a:schemeClr val="tx1"/>
+                </a:solidFill>
+                <a:latin typeface="Calibri" panose="020F0502020204030204" pitchFamily="34" charset="0"/>
+              </a:defRPr>
+            </a:lvl6pPr>
+            <a:lvl7pPr marL="2971800" indent="-228600" eaLnBrk="0" fontAlgn="base" hangingPunct="0">
+              <a:spcBef>
+                <a:spcPct val="0"/>
+              </a:spcBef>
+              <a:spcAft>
+                <a:spcPct val="0"/>
+              </a:spcAft>
+              <a:defRPr>
+                <a:solidFill>
+                  <a:schemeClr val="tx1"/>
+                </a:solidFill>
+                <a:latin typeface="Calibri" panose="020F0502020204030204" pitchFamily="34" charset="0"/>
+              </a:defRPr>
+            </a:lvl7pPr>
+            <a:lvl8pPr marL="3429000" indent="-228600" eaLnBrk="0" fontAlgn="base" hangingPunct="0">
+              <a:spcBef>
+                <a:spcPct val="0"/>
+              </a:spcBef>
+              <a:spcAft>
+                <a:spcPct val="0"/>
+              </a:spcAft>
+              <a:defRPr>
+                <a:solidFill>
+                  <a:schemeClr val="tx1"/>
+                </a:solidFill>
+                <a:latin typeface="Calibri" panose="020F0502020204030204" pitchFamily="34" charset="0"/>
+              </a:defRPr>
+            </a:lvl8pPr>
+            <a:lvl9pPr marL="3886200" indent="-228600" eaLnBrk="0" fontAlgn="base" hangingPunct="0">
+              <a:spcBef>
+                <a:spcPct val="0"/>
+              </a:spcBef>
+              <a:spcAft>
+                <a:spcPct val="0"/>
+              </a:spcAft>
+              <a:defRPr>
+                <a:solidFill>
+                  <a:schemeClr val="tx1"/>
+                </a:solidFill>
+                <a:latin typeface="Calibri" panose="020F0502020204030204" pitchFamily="34" charset="0"/>
+              </a:defRPr>
+            </a:lvl9pPr>
+          </a:lstStyle>
+          <a:p>
+            <a:pPr algn="ctr"/>
+            <a:r>
+              <a:rPr lang="en-US" altLang="en-US" sz="1100" dirty="0">
+                <a:solidFill>
+                  <a:srgbClr val="000000"/>
+                </a:solidFill>
+                <a:latin typeface="Arial" panose="020B0604020202020204" pitchFamily="34" charset="0"/>
+                <a:cs typeface="Arial" panose="020B0604020202020204" pitchFamily="34" charset="0"/>
+              </a:rPr>
+              <a:t>Business Stakeholders</a:t>
+            </a:r>
+          </a:p>
+        </p:txBody>
+      </p:sp>
+      <p:cxnSp>
+        <p:nvCxnSpPr>
+          <p:cNvPr id="123" name="Straight Arrow Connector 122">
+            <a:extLst>
+              <a:ext uri="{FF2B5EF4-FFF2-40B4-BE49-F238E27FC236}">
+                <a16:creationId xmlns:a16="http://schemas.microsoft.com/office/drawing/2014/main" id="{BB74228C-B33B-A547-8514-191308BD5B4C}"/>
+              </a:ext>
+            </a:extLst>
+          </p:cNvPr>
+          <p:cNvCxnSpPr>
+            <a:cxnSpLocks/>
+          </p:cNvCxnSpPr>
+          <p:nvPr/>
+        </p:nvCxnSpPr>
+        <p:spPr bwMode="auto">
+          <a:xfrm>
+            <a:off x="1969496" y="6057488"/>
+            <a:ext cx="1304851" cy="4016"/>
+          </a:xfrm>
+          <a:prstGeom prst="straightConnector1">
+            <a:avLst/>
+          </a:prstGeom>
+          <a:ln w="12700">
+            <a:solidFill>
+              <a:srgbClr val="545B64"/>
+            </a:solidFill>
+            <a:headEnd type="arrow" w="med" len="sm"/>
+            <a:tailEnd type="arrow" w="med" len="sm"/>
+          </a:ln>
+        </p:spPr>
+        <p:style>
+          <a:lnRef idx="1">
+            <a:schemeClr val="accent1"/>
+          </a:lnRef>
+          <a:fillRef idx="0">
+            <a:schemeClr val="accent1"/>
+          </a:fillRef>
+          <a:effectRef idx="0">
+            <a:schemeClr val="accent1"/>
+          </a:effectRef>
+          <a:fontRef idx="minor">
+            <a:schemeClr val="tx1"/>
+          </a:fontRef>
+        </p:style>
+      </p:cxnSp>
+      <p:cxnSp>
+        <p:nvCxnSpPr>
+          <p:cNvPr id="125" name="Straight Arrow Connector 124">
+            <a:extLst>
+              <a:ext uri="{FF2B5EF4-FFF2-40B4-BE49-F238E27FC236}">
+                <a16:creationId xmlns:a16="http://schemas.microsoft.com/office/drawing/2014/main" id="{E4F2B26B-57BD-F145-BFD9-EB47A793866F}"/>
+              </a:ext>
+            </a:extLst>
+          </p:cNvPr>
+          <p:cNvCxnSpPr>
+            <a:cxnSpLocks/>
+          </p:cNvCxnSpPr>
+          <p:nvPr/>
+        </p:nvCxnSpPr>
+        <p:spPr bwMode="auto">
+          <a:xfrm>
+            <a:off x="1979314" y="4418823"/>
+            <a:ext cx="1304851" cy="4016"/>
+          </a:xfrm>
+          <a:prstGeom prst="straightConnector1">
+            <a:avLst/>
+          </a:prstGeom>
+          <a:ln w="12700">
+            <a:solidFill>
+              <a:srgbClr val="545B64"/>
+            </a:solidFill>
+            <a:headEnd type="arrow" w="med" len="sm"/>
+            <a:tailEnd type="arrow" w="med" len="sm"/>
+          </a:ln>
+        </p:spPr>
+        <p:style>
+          <a:lnRef idx="1">
+            <a:schemeClr val="accent1"/>
+          </a:lnRef>
+          <a:fillRef idx="0">
+            <a:schemeClr val="accent1"/>
+          </a:fillRef>
+          <a:effectRef idx="0">
+            <a:schemeClr val="accent1"/>
+          </a:effectRef>
+          <a:fontRef idx="minor">
+            <a:schemeClr val="tx1"/>
+          </a:fontRef>
+        </p:style>
+      </p:cxnSp>
+    </p:spTree>
+    <p:extLst>
+      <p:ext uri="{BB962C8B-B14F-4D97-AF65-F5344CB8AC3E}">
+        <p14:creationId xmlns:p14="http://schemas.microsoft.com/office/powerpoint/2010/main" val="1915000366"/>
+      </p:ext>
+    </p:extLst>
+  </p:cSld>
+  <p:clrMapOvr>
+    <a:masterClrMapping/>
+  </p:clrMapOvr>
+</p:sld>
+</file>
+
+<file path=ppt/slides/slide2.xml><?xml version="1.0" encoding="utf-8"?>
+<p:sld xmlns:a="http://schemas.openxmlformats.org/drawingml/2006/main" xmlns:r="http://schemas.openxmlformats.org/officeDocument/2006/relationships" xmlns:p="http://schemas.openxmlformats.org/presentationml/2006/main">
+  <p:cSld>
+    <p:spTree>
+      <p:nvGrpSpPr>
+        <p:cNvPr id="1" name=""/>
+        <p:cNvGrpSpPr/>
+        <p:nvPr/>
+      </p:nvGrpSpPr>
+      <p:grpSpPr>
+        <a:xfrm>
+          <a:off x="0" y="0"/>
+          <a:ext cx="0" cy="0"/>
+          <a:chOff x="0" y="0"/>
+          <a:chExt cx="0" cy="0"/>
+        </a:xfrm>
+      </p:grpSpPr>
+      <p:sp>
+        <p:nvSpPr>
           <p:cNvPr id="5" name="Rectangle 4">
             <a:extLst>
               <a:ext uri="{FF2B5EF4-FFF2-40B4-BE49-F238E27FC236}">
@@ -6246,13 +10725,15 @@
           </p:cNvPr>
           <p:cNvCxnSpPr>
             <a:cxnSpLocks/>
+            <a:stCxn id="51" idx="2"/>
+            <a:endCxn id="150" idx="0"/>
           </p:cNvCxnSpPr>
           <p:nvPr/>
         </p:nvCxnSpPr>
         <p:spPr bwMode="auto">
           <a:xfrm>
-            <a:off x="2785089" y="2538907"/>
-            <a:ext cx="0" cy="907301"/>
+            <a:off x="2785089" y="2294067"/>
+            <a:ext cx="0" cy="1440446"/>
           </a:xfrm>
           <a:prstGeom prst="straightConnector1">
             <a:avLst/>
@@ -11001,8 +15482,8 @@
         </p:nvCxnSpPr>
         <p:spPr bwMode="auto">
           <a:xfrm>
-            <a:off x="10362474" y="2463276"/>
-            <a:ext cx="0" cy="391668"/>
+            <a:off x="10358104" y="2413713"/>
+            <a:ext cx="23024" cy="634442"/>
           </a:xfrm>
           <a:prstGeom prst="straightConnector1">
             <a:avLst/>
@@ -11046,8 +15527,8 @@
         </p:nvCxnSpPr>
         <p:spPr bwMode="auto">
           <a:xfrm>
-            <a:off x="10828483" y="3306810"/>
-            <a:ext cx="525333" cy="0"/>
+            <a:off x="10665990" y="3346817"/>
+            <a:ext cx="853733" cy="0"/>
           </a:xfrm>
           <a:prstGeom prst="straightConnector1">
             <a:avLst/>
@@ -11091,8 +15572,8 @@
         </p:nvCxnSpPr>
         <p:spPr bwMode="auto">
           <a:xfrm>
-            <a:off x="8837031" y="1943898"/>
-            <a:ext cx="1282096" cy="0"/>
+            <a:off x="7236651" y="1943898"/>
+            <a:ext cx="2882476" cy="0"/>
           </a:xfrm>
           <a:prstGeom prst="straightConnector1">
             <a:avLst/>
@@ -12387,127 +16868,7 @@
 </p:sld>
 </file>
 
-<file path=ppt/slides/slide10.xml><?xml version="1.0" encoding="utf-8"?>
-<p:sld xmlns:a="http://schemas.openxmlformats.org/drawingml/2006/main" xmlns:r="http://schemas.openxmlformats.org/officeDocument/2006/relationships" xmlns:p="http://schemas.openxmlformats.org/presentationml/2006/main">
-  <p:cSld>
-    <p:spTree>
-      <p:nvGrpSpPr>
-        <p:cNvPr id="1" name=""/>
-        <p:cNvGrpSpPr/>
-        <p:nvPr/>
-      </p:nvGrpSpPr>
-      <p:grpSpPr>
-        <a:xfrm>
-          <a:off x="0" y="0"/>
-          <a:ext cx="0" cy="0"/>
-          <a:chOff x="0" y="0"/>
-          <a:chExt cx="0" cy="0"/>
-        </a:xfrm>
-      </p:grpSpPr>
-      <p:pic>
-        <p:nvPicPr>
-          <p:cNvPr id="4" name="Picture 3">
-            <a:extLst>
-              <a:ext uri="{FF2B5EF4-FFF2-40B4-BE49-F238E27FC236}">
-                <a16:creationId xmlns:a16="http://schemas.microsoft.com/office/drawing/2014/main" id="{9B83F289-C1E9-DC48-99D5-8DE19D396FAB}"/>
-              </a:ext>
-            </a:extLst>
-          </p:cNvPr>
-          <p:cNvPicPr>
-            <a:picLocks noChangeAspect="1"/>
-          </p:cNvPicPr>
-          <p:nvPr/>
-        </p:nvPicPr>
-        <p:blipFill>
-          <a:blip r:embed="rId2"/>
-          <a:stretch>
-            <a:fillRect/>
-          </a:stretch>
-        </p:blipFill>
-        <p:spPr>
-          <a:xfrm>
-            <a:off x="1694861" y="0"/>
-            <a:ext cx="8802278" cy="6858000"/>
-          </a:xfrm>
-          <a:prstGeom prst="rect">
-            <a:avLst/>
-          </a:prstGeom>
-        </p:spPr>
-      </p:pic>
-    </p:spTree>
-    <p:extLst>
-      <p:ext uri="{BB962C8B-B14F-4D97-AF65-F5344CB8AC3E}">
-        <p14:creationId xmlns:p14="http://schemas.microsoft.com/office/powerpoint/2010/main" val="166971856"/>
-      </p:ext>
-    </p:extLst>
-  </p:cSld>
-  <p:clrMapOvr>
-    <a:masterClrMapping/>
-  </p:clrMapOvr>
-</p:sld>
-</file>
-
-<file path=ppt/slides/slide11.xml><?xml version="1.0" encoding="utf-8"?>
-<p:sld xmlns:a="http://schemas.openxmlformats.org/drawingml/2006/main" xmlns:r="http://schemas.openxmlformats.org/officeDocument/2006/relationships" xmlns:p="http://schemas.openxmlformats.org/presentationml/2006/main">
-  <p:cSld>
-    <p:spTree>
-      <p:nvGrpSpPr>
-        <p:cNvPr id="1" name=""/>
-        <p:cNvGrpSpPr/>
-        <p:nvPr/>
-      </p:nvGrpSpPr>
-      <p:grpSpPr>
-        <a:xfrm>
-          <a:off x="0" y="0"/>
-          <a:ext cx="0" cy="0"/>
-          <a:chOff x="0" y="0"/>
-          <a:chExt cx="0" cy="0"/>
-        </a:xfrm>
-      </p:grpSpPr>
-      <p:pic>
-        <p:nvPicPr>
-          <p:cNvPr id="4" name="Picture 3">
-            <a:extLst>
-              <a:ext uri="{FF2B5EF4-FFF2-40B4-BE49-F238E27FC236}">
-                <a16:creationId xmlns:a16="http://schemas.microsoft.com/office/drawing/2014/main" id="{AF2DD48F-0D3C-B243-B895-DF15B5723690}"/>
-              </a:ext>
-            </a:extLst>
-          </p:cNvPr>
-          <p:cNvPicPr>
-            <a:picLocks noChangeAspect="1"/>
-          </p:cNvPicPr>
-          <p:nvPr/>
-        </p:nvPicPr>
-        <p:blipFill>
-          <a:blip r:embed="rId2"/>
-          <a:stretch>
-            <a:fillRect/>
-          </a:stretch>
-        </p:blipFill>
-        <p:spPr>
-          <a:xfrm>
-            <a:off x="-205740" y="-85782"/>
-            <a:ext cx="12192000" cy="5383644"/>
-          </a:xfrm>
-          <a:prstGeom prst="rect">
-            <a:avLst/>
-          </a:prstGeom>
-        </p:spPr>
-      </p:pic>
-    </p:spTree>
-    <p:extLst>
-      <p:ext uri="{BB962C8B-B14F-4D97-AF65-F5344CB8AC3E}">
-        <p14:creationId xmlns:p14="http://schemas.microsoft.com/office/powerpoint/2010/main" val="3360524292"/>
-      </p:ext>
-    </p:extLst>
-  </p:cSld>
-  <p:clrMapOvr>
-    <a:masterClrMapping/>
-  </p:clrMapOvr>
-</p:sld>
-</file>
-
-<file path=ppt/slides/slide2.xml><?xml version="1.0" encoding="utf-8"?>
+<file path=ppt/slides/slide3.xml><?xml version="1.0" encoding="utf-8"?>
 <p:sld xmlns:a="http://schemas.openxmlformats.org/drawingml/2006/main" xmlns:r="http://schemas.openxmlformats.org/officeDocument/2006/relationships" xmlns:p="http://schemas.openxmlformats.org/presentationml/2006/main">
   <p:cSld>
     <p:spTree>
@@ -14229,10 +18590,10 @@
         </p:nvGrpSpPr>
         <p:grpSpPr bwMode="auto">
           <a:xfrm rot="16200000">
-            <a:off x="5159614" y="-3124267"/>
-            <a:ext cx="797875" cy="9070938"/>
+            <a:off x="5178278" y="-3105604"/>
+            <a:ext cx="760548" cy="9070938"/>
             <a:chOff x="2488530" y="-1695049"/>
-            <a:chExt cx="797510" cy="9056065"/>
+            <a:chExt cx="760200" cy="9056065"/>
           </a:xfrm>
         </p:grpSpPr>
         <p:sp>
@@ -14361,8 +18722,8 @@
           </p:nvCxnSpPr>
           <p:spPr>
             <a:xfrm rot="5400000" flipV="1">
-              <a:off x="3118781" y="2740222"/>
-              <a:ext cx="0" cy="334518"/>
+              <a:off x="3100126" y="2758875"/>
+              <a:ext cx="0" cy="297208"/>
             </a:xfrm>
             <a:prstGeom prst="straightConnector1">
               <a:avLst/>
@@ -15556,8 +19917,8 @@
         </p:nvCxnSpPr>
         <p:spPr bwMode="auto">
           <a:xfrm>
-            <a:off x="10151582" y="3834231"/>
-            <a:ext cx="0" cy="345886"/>
+            <a:off x="10126182" y="3766319"/>
+            <a:ext cx="0" cy="526857"/>
           </a:xfrm>
           <a:prstGeom prst="straightConnector1">
             <a:avLst/>
@@ -15598,7 +19959,7 @@
 </p:sld>
 </file>
 
-<file path=ppt/slides/slide3.xml><?xml version="1.0" encoding="utf-8"?>
+<file path=ppt/slides/slide4.xml><?xml version="1.0" encoding="utf-8"?>
 <p:sld xmlns:a="http://schemas.openxmlformats.org/drawingml/2006/main" xmlns:r="http://schemas.openxmlformats.org/officeDocument/2006/relationships" xmlns:p="http://schemas.openxmlformats.org/presentationml/2006/main">
   <p:cSld>
     <p:spTree>
@@ -22149,366 +26510,6 @@
     <p:extLst>
       <p:ext uri="{BB962C8B-B14F-4D97-AF65-F5344CB8AC3E}">
         <p14:creationId xmlns:p14="http://schemas.microsoft.com/office/powerpoint/2010/main" val="2222154213"/>
-      </p:ext>
-    </p:extLst>
-  </p:cSld>
-  <p:clrMapOvr>
-    <a:masterClrMapping/>
-  </p:clrMapOvr>
-</p:sld>
-</file>
-
-<file path=ppt/slides/slide4.xml><?xml version="1.0" encoding="utf-8"?>
-<p:sld xmlns:a="http://schemas.openxmlformats.org/drawingml/2006/main" xmlns:r="http://schemas.openxmlformats.org/officeDocument/2006/relationships" xmlns:p="http://schemas.openxmlformats.org/presentationml/2006/main">
-  <p:cSld>
-    <p:spTree>
-      <p:nvGrpSpPr>
-        <p:cNvPr id="1" name=""/>
-        <p:cNvGrpSpPr/>
-        <p:nvPr/>
-      </p:nvGrpSpPr>
-      <p:grpSpPr>
-        <a:xfrm>
-          <a:off x="0" y="0"/>
-          <a:ext cx="0" cy="0"/>
-          <a:chOff x="0" y="0"/>
-          <a:chExt cx="0" cy="0"/>
-        </a:xfrm>
-      </p:grpSpPr>
-      <p:pic>
-        <p:nvPicPr>
-          <p:cNvPr id="2" name="Picture 1">
-            <a:extLst>
-              <a:ext uri="{FF2B5EF4-FFF2-40B4-BE49-F238E27FC236}">
-                <a16:creationId xmlns:a16="http://schemas.microsoft.com/office/drawing/2014/main" id="{1C190698-C845-5541-93D6-766D702E1C63}"/>
-              </a:ext>
-            </a:extLst>
-          </p:cNvPr>
-          <p:cNvPicPr>
-            <a:picLocks noChangeAspect="1"/>
-          </p:cNvPicPr>
-          <p:nvPr/>
-        </p:nvPicPr>
-        <p:blipFill>
-          <a:blip r:embed="rId2"/>
-          <a:stretch>
-            <a:fillRect/>
-          </a:stretch>
-        </p:blipFill>
-        <p:spPr>
-          <a:xfrm>
-            <a:off x="1974850" y="215900"/>
-            <a:ext cx="8242300" cy="6426200"/>
-          </a:xfrm>
-          <a:prstGeom prst="rect">
-            <a:avLst/>
-          </a:prstGeom>
-        </p:spPr>
-      </p:pic>
-    </p:spTree>
-    <p:extLst>
-      <p:ext uri="{BB962C8B-B14F-4D97-AF65-F5344CB8AC3E}">
-        <p14:creationId xmlns:p14="http://schemas.microsoft.com/office/powerpoint/2010/main" val="4117672412"/>
-      </p:ext>
-    </p:extLst>
-  </p:cSld>
-  <p:clrMapOvr>
-    <a:masterClrMapping/>
-  </p:clrMapOvr>
-</p:sld>
-</file>
-
-<file path=ppt/slides/slide5.xml><?xml version="1.0" encoding="utf-8"?>
-<p:sld xmlns:a="http://schemas.openxmlformats.org/drawingml/2006/main" xmlns:r="http://schemas.openxmlformats.org/officeDocument/2006/relationships" xmlns:p="http://schemas.openxmlformats.org/presentationml/2006/main">
-  <p:cSld>
-    <p:spTree>
-      <p:nvGrpSpPr>
-        <p:cNvPr id="1" name=""/>
-        <p:cNvGrpSpPr/>
-        <p:nvPr/>
-      </p:nvGrpSpPr>
-      <p:grpSpPr>
-        <a:xfrm>
-          <a:off x="0" y="0"/>
-          <a:ext cx="0" cy="0"/>
-          <a:chOff x="0" y="0"/>
-          <a:chExt cx="0" cy="0"/>
-        </a:xfrm>
-      </p:grpSpPr>
-      <p:pic>
-        <p:nvPicPr>
-          <p:cNvPr id="2" name="Picture 1">
-            <a:extLst>
-              <a:ext uri="{FF2B5EF4-FFF2-40B4-BE49-F238E27FC236}">
-                <a16:creationId xmlns:a16="http://schemas.microsoft.com/office/drawing/2014/main" id="{874B401B-0EBB-1941-9A01-BD5802AB0CD6}"/>
-              </a:ext>
-            </a:extLst>
-          </p:cNvPr>
-          <p:cNvPicPr>
-            <a:picLocks noChangeAspect="1"/>
-          </p:cNvPicPr>
-          <p:nvPr/>
-        </p:nvPicPr>
-        <p:blipFill>
-          <a:blip r:embed="rId2"/>
-          <a:stretch>
-            <a:fillRect/>
-          </a:stretch>
-        </p:blipFill>
-        <p:spPr>
-          <a:xfrm>
-            <a:off x="1898650" y="120650"/>
-            <a:ext cx="8394700" cy="6616700"/>
-          </a:xfrm>
-          <a:prstGeom prst="rect">
-            <a:avLst/>
-          </a:prstGeom>
-        </p:spPr>
-      </p:pic>
-    </p:spTree>
-    <p:extLst>
-      <p:ext uri="{BB962C8B-B14F-4D97-AF65-F5344CB8AC3E}">
-        <p14:creationId xmlns:p14="http://schemas.microsoft.com/office/powerpoint/2010/main" val="2159016604"/>
-      </p:ext>
-    </p:extLst>
-  </p:cSld>
-  <p:clrMapOvr>
-    <a:masterClrMapping/>
-  </p:clrMapOvr>
-</p:sld>
-</file>
-
-<file path=ppt/slides/slide6.xml><?xml version="1.0" encoding="utf-8"?>
-<p:sld xmlns:a="http://schemas.openxmlformats.org/drawingml/2006/main" xmlns:r="http://schemas.openxmlformats.org/officeDocument/2006/relationships" xmlns:p="http://schemas.openxmlformats.org/presentationml/2006/main">
-  <p:cSld>
-    <p:spTree>
-      <p:nvGrpSpPr>
-        <p:cNvPr id="1" name=""/>
-        <p:cNvGrpSpPr/>
-        <p:nvPr/>
-      </p:nvGrpSpPr>
-      <p:grpSpPr>
-        <a:xfrm>
-          <a:off x="0" y="0"/>
-          <a:ext cx="0" cy="0"/>
-          <a:chOff x="0" y="0"/>
-          <a:chExt cx="0" cy="0"/>
-        </a:xfrm>
-      </p:grpSpPr>
-      <p:pic>
-        <p:nvPicPr>
-          <p:cNvPr id="2" name="Picture 1">
-            <a:extLst>
-              <a:ext uri="{FF2B5EF4-FFF2-40B4-BE49-F238E27FC236}">
-                <a16:creationId xmlns:a16="http://schemas.microsoft.com/office/drawing/2014/main" id="{42F21523-3E84-9A43-8749-153D1E6310EA}"/>
-              </a:ext>
-            </a:extLst>
-          </p:cNvPr>
-          <p:cNvPicPr>
-            <a:picLocks noChangeAspect="1"/>
-          </p:cNvPicPr>
-          <p:nvPr/>
-        </p:nvPicPr>
-        <p:blipFill>
-          <a:blip r:embed="rId2"/>
-          <a:stretch>
-            <a:fillRect/>
-          </a:stretch>
-        </p:blipFill>
-        <p:spPr>
-          <a:xfrm>
-            <a:off x="1409700" y="304395"/>
-            <a:ext cx="8928100" cy="6553605"/>
-          </a:xfrm>
-          <a:prstGeom prst="rect">
-            <a:avLst/>
-          </a:prstGeom>
-        </p:spPr>
-      </p:pic>
-    </p:spTree>
-    <p:extLst>
-      <p:ext uri="{BB962C8B-B14F-4D97-AF65-F5344CB8AC3E}">
-        <p14:creationId xmlns:p14="http://schemas.microsoft.com/office/powerpoint/2010/main" val="3001525956"/>
-      </p:ext>
-    </p:extLst>
-  </p:cSld>
-  <p:clrMapOvr>
-    <a:masterClrMapping/>
-  </p:clrMapOvr>
-</p:sld>
-</file>
-
-<file path=ppt/slides/slide7.xml><?xml version="1.0" encoding="utf-8"?>
-<p:sld xmlns:a="http://schemas.openxmlformats.org/drawingml/2006/main" xmlns:r="http://schemas.openxmlformats.org/officeDocument/2006/relationships" xmlns:p="http://schemas.openxmlformats.org/presentationml/2006/main">
-  <p:cSld>
-    <p:spTree>
-      <p:nvGrpSpPr>
-        <p:cNvPr id="1" name=""/>
-        <p:cNvGrpSpPr/>
-        <p:nvPr/>
-      </p:nvGrpSpPr>
-      <p:grpSpPr>
-        <a:xfrm>
-          <a:off x="0" y="0"/>
-          <a:ext cx="0" cy="0"/>
-          <a:chOff x="0" y="0"/>
-          <a:chExt cx="0" cy="0"/>
-        </a:xfrm>
-      </p:grpSpPr>
-      <p:pic>
-        <p:nvPicPr>
-          <p:cNvPr id="2" name="Picture 1">
-            <a:extLst>
-              <a:ext uri="{FF2B5EF4-FFF2-40B4-BE49-F238E27FC236}">
-                <a16:creationId xmlns:a16="http://schemas.microsoft.com/office/drawing/2014/main" id="{84451866-0A27-EE4D-8C02-56DA0691BB5A}"/>
-              </a:ext>
-            </a:extLst>
-          </p:cNvPr>
-          <p:cNvPicPr>
-            <a:picLocks noChangeAspect="1"/>
-          </p:cNvPicPr>
-          <p:nvPr/>
-        </p:nvPicPr>
-        <p:blipFill>
-          <a:blip r:embed="rId2"/>
-          <a:stretch>
-            <a:fillRect/>
-          </a:stretch>
-        </p:blipFill>
-        <p:spPr>
-          <a:xfrm>
-            <a:off x="1974850" y="215900"/>
-            <a:ext cx="8242300" cy="6426200"/>
-          </a:xfrm>
-          <a:prstGeom prst="rect">
-            <a:avLst/>
-          </a:prstGeom>
-        </p:spPr>
-      </p:pic>
-    </p:spTree>
-    <p:extLst>
-      <p:ext uri="{BB962C8B-B14F-4D97-AF65-F5344CB8AC3E}">
-        <p14:creationId xmlns:p14="http://schemas.microsoft.com/office/powerpoint/2010/main" val="3384460351"/>
-      </p:ext>
-    </p:extLst>
-  </p:cSld>
-  <p:clrMapOvr>
-    <a:masterClrMapping/>
-  </p:clrMapOvr>
-</p:sld>
-</file>
-
-<file path=ppt/slides/slide8.xml><?xml version="1.0" encoding="utf-8"?>
-<p:sld xmlns:a="http://schemas.openxmlformats.org/drawingml/2006/main" xmlns:r="http://schemas.openxmlformats.org/officeDocument/2006/relationships" xmlns:p="http://schemas.openxmlformats.org/presentationml/2006/main">
-  <p:cSld>
-    <p:spTree>
-      <p:nvGrpSpPr>
-        <p:cNvPr id="1" name=""/>
-        <p:cNvGrpSpPr/>
-        <p:nvPr/>
-      </p:nvGrpSpPr>
-      <p:grpSpPr>
-        <a:xfrm>
-          <a:off x="0" y="0"/>
-          <a:ext cx="0" cy="0"/>
-          <a:chOff x="0" y="0"/>
-          <a:chExt cx="0" cy="0"/>
-        </a:xfrm>
-      </p:grpSpPr>
-      <p:pic>
-        <p:nvPicPr>
-          <p:cNvPr id="2" name="Picture 1">
-            <a:extLst>
-              <a:ext uri="{FF2B5EF4-FFF2-40B4-BE49-F238E27FC236}">
-                <a16:creationId xmlns:a16="http://schemas.microsoft.com/office/drawing/2014/main" id="{22D4821D-DA08-824D-A598-43749BC6829C}"/>
-              </a:ext>
-            </a:extLst>
-          </p:cNvPr>
-          <p:cNvPicPr>
-            <a:picLocks noChangeAspect="1"/>
-          </p:cNvPicPr>
-          <p:nvPr/>
-        </p:nvPicPr>
-        <p:blipFill>
-          <a:blip r:embed="rId2"/>
-          <a:stretch>
-            <a:fillRect/>
-          </a:stretch>
-        </p:blipFill>
-        <p:spPr>
-          <a:xfrm>
-            <a:off x="2724150" y="1504950"/>
-            <a:ext cx="6743700" cy="3848100"/>
-          </a:xfrm>
-          <a:prstGeom prst="rect">
-            <a:avLst/>
-          </a:prstGeom>
-        </p:spPr>
-      </p:pic>
-    </p:spTree>
-    <p:extLst>
-      <p:ext uri="{BB962C8B-B14F-4D97-AF65-F5344CB8AC3E}">
-        <p14:creationId xmlns:p14="http://schemas.microsoft.com/office/powerpoint/2010/main" val="3515400817"/>
-      </p:ext>
-    </p:extLst>
-  </p:cSld>
-  <p:clrMapOvr>
-    <a:masterClrMapping/>
-  </p:clrMapOvr>
-</p:sld>
-</file>
-
-<file path=ppt/slides/slide9.xml><?xml version="1.0" encoding="utf-8"?>
-<p:sld xmlns:a="http://schemas.openxmlformats.org/drawingml/2006/main" xmlns:r="http://schemas.openxmlformats.org/officeDocument/2006/relationships" xmlns:p="http://schemas.openxmlformats.org/presentationml/2006/main">
-  <p:cSld>
-    <p:spTree>
-      <p:nvGrpSpPr>
-        <p:cNvPr id="1" name=""/>
-        <p:cNvGrpSpPr/>
-        <p:nvPr/>
-      </p:nvGrpSpPr>
-      <p:grpSpPr>
-        <a:xfrm>
-          <a:off x="0" y="0"/>
-          <a:ext cx="0" cy="0"/>
-          <a:chOff x="0" y="0"/>
-          <a:chExt cx="0" cy="0"/>
-        </a:xfrm>
-      </p:grpSpPr>
-      <p:pic>
-        <p:nvPicPr>
-          <p:cNvPr id="2" name="Picture 1">
-            <a:extLst>
-              <a:ext uri="{FF2B5EF4-FFF2-40B4-BE49-F238E27FC236}">
-                <a16:creationId xmlns:a16="http://schemas.microsoft.com/office/drawing/2014/main" id="{E21CBB42-6FEF-B34C-B2E6-FC6DD17ADAAD}"/>
-              </a:ext>
-            </a:extLst>
-          </p:cNvPr>
-          <p:cNvPicPr>
-            <a:picLocks noChangeAspect="1"/>
-          </p:cNvPicPr>
-          <p:nvPr/>
-        </p:nvPicPr>
-        <p:blipFill>
-          <a:blip r:embed="rId3"/>
-          <a:stretch>
-            <a:fillRect/>
-          </a:stretch>
-        </p:blipFill>
-        <p:spPr>
-          <a:xfrm>
-            <a:off x="2298700" y="419100"/>
-            <a:ext cx="7594600" cy="6019800"/>
-          </a:xfrm>
-          <a:prstGeom prst="rect">
-            <a:avLst/>
-          </a:prstGeom>
-        </p:spPr>
-      </p:pic>
-    </p:spTree>
-    <p:extLst>
-      <p:ext uri="{BB962C8B-B14F-4D97-AF65-F5344CB8AC3E}">
-        <p14:creationId xmlns:p14="http://schemas.microsoft.com/office/powerpoint/2010/main" val="2807465027"/>
       </p:ext>
     </p:extLst>
   </p:cSld>

--- a/docs/deployment_guide/images/amc-architecture-diagrams.pptx
+++ b/docs/deployment_guide/images/amc-architecture-diagrams.pptx
@@ -218,7 +218,7 @@
           <a:p>
             <a:fld id="{DEC0E4F8-FC9B-C74A-97AB-66A417AA65A9}" type="datetimeFigureOut">
               <a:rPr lang="en-US" smtClean="0"/>
-              <a:t>5/16/2022</a:t>
+              <a:t>5/19/2022</a:t>
             </a:fld>
             <a:endParaRPr lang="en-US"/>
           </a:p>
@@ -1209,7 +1209,7 @@
           <a:p>
             <a:fld id="{B60C387C-249C-E74C-AA9C-592306AF9B93}" type="datetimeFigureOut">
               <a:rPr lang="en-US" smtClean="0"/>
-              <a:t>5/16/2022</a:t>
+              <a:t>5/19/2022</a:t>
             </a:fld>
             <a:endParaRPr lang="en-US"/>
           </a:p>
@@ -1379,7 +1379,7 @@
           <a:p>
             <a:fld id="{B60C387C-249C-E74C-AA9C-592306AF9B93}" type="datetimeFigureOut">
               <a:rPr lang="en-US" smtClean="0"/>
-              <a:t>5/16/2022</a:t>
+              <a:t>5/19/2022</a:t>
             </a:fld>
             <a:endParaRPr lang="en-US"/>
           </a:p>
@@ -1559,7 +1559,7 @@
           <a:p>
             <a:fld id="{B60C387C-249C-E74C-AA9C-592306AF9B93}" type="datetimeFigureOut">
               <a:rPr lang="en-US" smtClean="0"/>
-              <a:t>5/16/2022</a:t>
+              <a:t>5/19/2022</a:t>
             </a:fld>
             <a:endParaRPr lang="en-US"/>
           </a:p>
@@ -1861,7 +1861,7 @@
           <a:p>
             <a:fld id="{B60C387C-249C-E74C-AA9C-592306AF9B93}" type="datetimeFigureOut">
               <a:rPr lang="en-US" smtClean="0"/>
-              <a:t>5/16/2022</a:t>
+              <a:t>5/19/2022</a:t>
             </a:fld>
             <a:endParaRPr lang="en-US"/>
           </a:p>
@@ -2107,7 +2107,7 @@
           <a:p>
             <a:fld id="{B60C387C-249C-E74C-AA9C-592306AF9B93}" type="datetimeFigureOut">
               <a:rPr lang="en-US" smtClean="0"/>
-              <a:t>5/16/2022</a:t>
+              <a:t>5/19/2022</a:t>
             </a:fld>
             <a:endParaRPr lang="en-US"/>
           </a:p>
@@ -2339,7 +2339,7 @@
           <a:p>
             <a:fld id="{B60C387C-249C-E74C-AA9C-592306AF9B93}" type="datetimeFigureOut">
               <a:rPr lang="en-US" smtClean="0"/>
-              <a:t>5/16/2022</a:t>
+              <a:t>5/19/2022</a:t>
             </a:fld>
             <a:endParaRPr lang="en-US"/>
           </a:p>
@@ -2706,7 +2706,7 @@
           <a:p>
             <a:fld id="{B60C387C-249C-E74C-AA9C-592306AF9B93}" type="datetimeFigureOut">
               <a:rPr lang="en-US" smtClean="0"/>
-              <a:t>5/16/2022</a:t>
+              <a:t>5/19/2022</a:t>
             </a:fld>
             <a:endParaRPr lang="en-US"/>
           </a:p>
@@ -2824,7 +2824,7 @@
           <a:p>
             <a:fld id="{B60C387C-249C-E74C-AA9C-592306AF9B93}" type="datetimeFigureOut">
               <a:rPr lang="en-US" smtClean="0"/>
-              <a:t>5/16/2022</a:t>
+              <a:t>5/19/2022</a:t>
             </a:fld>
             <a:endParaRPr lang="en-US"/>
           </a:p>
@@ -2919,7 +2919,7 @@
           <a:p>
             <a:fld id="{B60C387C-249C-E74C-AA9C-592306AF9B93}" type="datetimeFigureOut">
               <a:rPr lang="en-US" smtClean="0"/>
-              <a:t>5/16/2022</a:t>
+              <a:t>5/19/2022</a:t>
             </a:fld>
             <a:endParaRPr lang="en-US"/>
           </a:p>
@@ -3196,7 +3196,7 @@
           <a:p>
             <a:fld id="{B60C387C-249C-E74C-AA9C-592306AF9B93}" type="datetimeFigureOut">
               <a:rPr lang="en-US" smtClean="0"/>
-              <a:t>5/16/2022</a:t>
+              <a:t>5/19/2022</a:t>
             </a:fld>
             <a:endParaRPr lang="en-US"/>
           </a:p>
@@ -3453,7 +3453,7 @@
           <a:p>
             <a:fld id="{B60C387C-249C-E74C-AA9C-592306AF9B93}" type="datetimeFigureOut">
               <a:rPr lang="en-US" smtClean="0"/>
-              <a:t>5/16/2022</a:t>
+              <a:t>5/19/2022</a:t>
             </a:fld>
             <a:endParaRPr lang="en-US"/>
           </a:p>
@@ -3666,7 +3666,7 @@
           <a:p>
             <a:fld id="{B60C387C-249C-E74C-AA9C-592306AF9B93}" type="datetimeFigureOut">
               <a:rPr lang="en-US" smtClean="0"/>
-              <a:t>5/16/2022</a:t>
+              <a:t>5/19/2022</a:t>
             </a:fld>
             <a:endParaRPr lang="en-US"/>
           </a:p>
@@ -5372,8 +5372,8 @@
         </p:nvSpPr>
         <p:spPr bwMode="auto">
           <a:xfrm>
-            <a:off x="15494475" y="4746683"/>
-            <a:ext cx="1073150" cy="261610"/>
+            <a:off x="15662115" y="4746683"/>
+            <a:ext cx="711075" cy="261610"/>
           </a:xfrm>
           <a:prstGeom prst="rect">
             <a:avLst/>
@@ -5403,7 +5403,7 @@
           </a:extLst>
         </p:spPr>
         <p:txBody>
-          <a:bodyPr>
+          <a:bodyPr wrap="square">
             <a:spAutoFit/>
           </a:bodyPr>
           <a:lstStyle>
@@ -5593,8 +5593,8 @@
         </p:nvSpPr>
         <p:spPr bwMode="auto">
           <a:xfrm>
-            <a:off x="15494475" y="6392920"/>
-            <a:ext cx="1073150" cy="430887"/>
+            <a:off x="15532575" y="6392920"/>
+            <a:ext cx="980451" cy="430887"/>
           </a:xfrm>
           <a:prstGeom prst="rect">
             <a:avLst/>

--- a/docs/deployment_guide/images/amc-architecture-diagrams.pptx
+++ b/docs/deployment_guide/images/amc-architecture-diagrams.pptx
@@ -218,7 +218,7 @@
           <a:p>
             <a:fld id="{DEC0E4F8-FC9B-C74A-97AB-66A417AA65A9}" type="datetimeFigureOut">
               <a:rPr lang="en-US" smtClean="0"/>
-              <a:t>5/19/2022</a:t>
+              <a:t>6/9/2022</a:t>
             </a:fld>
             <a:endParaRPr lang="en-US"/>
           </a:p>
@@ -1209,7 +1209,7 @@
           <a:p>
             <a:fld id="{B60C387C-249C-E74C-AA9C-592306AF9B93}" type="datetimeFigureOut">
               <a:rPr lang="en-US" smtClean="0"/>
-              <a:t>5/19/2022</a:t>
+              <a:t>6/9/2022</a:t>
             </a:fld>
             <a:endParaRPr lang="en-US"/>
           </a:p>
@@ -1379,7 +1379,7 @@
           <a:p>
             <a:fld id="{B60C387C-249C-E74C-AA9C-592306AF9B93}" type="datetimeFigureOut">
               <a:rPr lang="en-US" smtClean="0"/>
-              <a:t>5/19/2022</a:t>
+              <a:t>6/9/2022</a:t>
             </a:fld>
             <a:endParaRPr lang="en-US"/>
           </a:p>
@@ -1559,7 +1559,7 @@
           <a:p>
             <a:fld id="{B60C387C-249C-E74C-AA9C-592306AF9B93}" type="datetimeFigureOut">
               <a:rPr lang="en-US" smtClean="0"/>
-              <a:t>5/19/2022</a:t>
+              <a:t>6/9/2022</a:t>
             </a:fld>
             <a:endParaRPr lang="en-US"/>
           </a:p>
@@ -1861,7 +1861,7 @@
           <a:p>
             <a:fld id="{B60C387C-249C-E74C-AA9C-592306AF9B93}" type="datetimeFigureOut">
               <a:rPr lang="en-US" smtClean="0"/>
-              <a:t>5/19/2022</a:t>
+              <a:t>6/9/2022</a:t>
             </a:fld>
             <a:endParaRPr lang="en-US"/>
           </a:p>
@@ -2107,7 +2107,7 @@
           <a:p>
             <a:fld id="{B60C387C-249C-E74C-AA9C-592306AF9B93}" type="datetimeFigureOut">
               <a:rPr lang="en-US" smtClean="0"/>
-              <a:t>5/19/2022</a:t>
+              <a:t>6/9/2022</a:t>
             </a:fld>
             <a:endParaRPr lang="en-US"/>
           </a:p>
@@ -2339,7 +2339,7 @@
           <a:p>
             <a:fld id="{B60C387C-249C-E74C-AA9C-592306AF9B93}" type="datetimeFigureOut">
               <a:rPr lang="en-US" smtClean="0"/>
-              <a:t>5/19/2022</a:t>
+              <a:t>6/9/2022</a:t>
             </a:fld>
             <a:endParaRPr lang="en-US"/>
           </a:p>
@@ -2706,7 +2706,7 @@
           <a:p>
             <a:fld id="{B60C387C-249C-E74C-AA9C-592306AF9B93}" type="datetimeFigureOut">
               <a:rPr lang="en-US" smtClean="0"/>
-              <a:t>5/19/2022</a:t>
+              <a:t>6/9/2022</a:t>
             </a:fld>
             <a:endParaRPr lang="en-US"/>
           </a:p>
@@ -2824,7 +2824,7 @@
           <a:p>
             <a:fld id="{B60C387C-249C-E74C-AA9C-592306AF9B93}" type="datetimeFigureOut">
               <a:rPr lang="en-US" smtClean="0"/>
-              <a:t>5/19/2022</a:t>
+              <a:t>6/9/2022</a:t>
             </a:fld>
             <a:endParaRPr lang="en-US"/>
           </a:p>
@@ -2919,7 +2919,7 @@
           <a:p>
             <a:fld id="{B60C387C-249C-E74C-AA9C-592306AF9B93}" type="datetimeFigureOut">
               <a:rPr lang="en-US" smtClean="0"/>
-              <a:t>5/19/2022</a:t>
+              <a:t>6/9/2022</a:t>
             </a:fld>
             <a:endParaRPr lang="en-US"/>
           </a:p>
@@ -3196,7 +3196,7 @@
           <a:p>
             <a:fld id="{B60C387C-249C-E74C-AA9C-592306AF9B93}" type="datetimeFigureOut">
               <a:rPr lang="en-US" smtClean="0"/>
-              <a:t>5/19/2022</a:t>
+              <a:t>6/9/2022</a:t>
             </a:fld>
             <a:endParaRPr lang="en-US"/>
           </a:p>
@@ -3453,7 +3453,7 @@
           <a:p>
             <a:fld id="{B60C387C-249C-E74C-AA9C-592306AF9B93}" type="datetimeFigureOut">
               <a:rPr lang="en-US" smtClean="0"/>
-              <a:t>5/19/2022</a:t>
+              <a:t>6/9/2022</a:t>
             </a:fld>
             <a:endParaRPr lang="en-US"/>
           </a:p>
@@ -3666,7 +3666,7 @@
           <a:p>
             <a:fld id="{B60C387C-249C-E74C-AA9C-592306AF9B93}" type="datetimeFigureOut">
               <a:rPr lang="en-US" smtClean="0"/>
-              <a:t>5/19/2022</a:t>
+              <a:t>6/9/2022</a:t>
             </a:fld>
             <a:endParaRPr lang="en-US"/>
           </a:p>
@@ -4275,7 +4275,7 @@
                 <a:ea typeface="Amazon Ember" panose="020B0603020204020204" pitchFamily="34" charset="0"/>
                 <a:cs typeface="Arial" panose="020B0604020202020204" pitchFamily="34" charset="0"/>
               </a:rPr>
-              <a:t>S3 bucket for aggregate </a:t>
+              <a:t>S3 bucket for</a:t>
             </a:r>
             <a:br>
               <a:rPr lang="en-US" altLang="en-US" sz="1100" dirty="0">
@@ -4300,7 +4300,7 @@
                 <a:latin typeface="Arial" panose="020B0604020202020204" pitchFamily="34" charset="0"/>
                 <a:cs typeface="Arial" panose="020B0604020202020204" pitchFamily="34" charset="0"/>
               </a:rPr>
-              <a:t>data</a:t>
+              <a:t>query results</a:t>
             </a:r>
             <a:endParaRPr lang="en-US" altLang="en-US" sz="1100" dirty="0">
               <a:latin typeface="Arial" panose="020B0604020202020204" pitchFamily="34" charset="0"/>
@@ -7005,7 +7005,7 @@
         <p:spPr bwMode="auto">
           <a:xfrm>
             <a:off x="14397813" y="4759818"/>
-            <a:ext cx="1129688" cy="430887"/>
+            <a:ext cx="1129688" cy="600164"/>
           </a:xfrm>
           <a:prstGeom prst="rect">
             <a:avLst/>
@@ -7160,6 +7160,21 @@
                 <a:cs typeface="Arial" panose="020B0604020202020204" pitchFamily="34" charset="0"/>
               </a:rPr>
               <a:t>notebooks</a:t>
+            </a:r>
+            <a:br>
+              <a:rPr lang="en-US" altLang="en-US" sz="1100" dirty="0">
+                <a:latin typeface="Arial" panose="020B0604020202020204" pitchFamily="34" charset="0"/>
+                <a:ea typeface="Amazon Ember" panose="020B0603020204020204" pitchFamily="34" charset="0"/>
+                <a:cs typeface="Arial" panose="020B0604020202020204" pitchFamily="34" charset="0"/>
+              </a:rPr>
+            </a:br>
+            <a:r>
+              <a:rPr lang="en-US" altLang="en-US" sz="1100" dirty="0">
+                <a:latin typeface="Arial" panose="020B0604020202020204" pitchFamily="34" charset="0"/>
+                <a:ea typeface="Amazon Ember" panose="020B0603020204020204" pitchFamily="34" charset="0"/>
+                <a:cs typeface="Arial" panose="020B0604020202020204" pitchFamily="34" charset="0"/>
+              </a:rPr>
+              <a:t>(Optional)</a:t>
             </a:r>
           </a:p>
         </p:txBody>
